--- a/week8/week8_slides.pptx
+++ b/week8/week8_slides.pptx
@@ -3,46 +3,49 @@
 <p:presentation xmlns:a="http://schemas.openxmlformats.org/drawingml/2006/main" xmlns:r="http://schemas.openxmlformats.org/officeDocument/2006/relationships" xmlns:p="http://schemas.openxmlformats.org/presentationml/2006/main">
   <p:sldMasterIdLst>
     <p:sldMasterId id="2147483648" r:id="rId1"/>
-    <p:sldMasterId id="2147483651" r:id="rId2"/>
+    <p:sldMasterId id="2147483651" r:id="rId3"/>
   </p:sldMasterIdLst>
   <p:notesMasterIdLst>
-    <p:notesMasterId r:id="rId34"/>
+    <p:notesMasterId r:id="rId38"/>
   </p:notesMasterIdLst>
   <p:handoutMasterIdLst>
-    <p:handoutMasterId r:id="rId35"/>
+    <p:handoutMasterId r:id="rId39"/>
   </p:handoutMasterIdLst>
   <p:sldIdLst>
-    <p:sldId id="256" r:id="rId3"/>
-    <p:sldId id="257" r:id="rId4"/>
-    <p:sldId id="293" r:id="rId5"/>
-    <p:sldId id="442" r:id="rId6"/>
-    <p:sldId id="441" r:id="rId7"/>
-    <p:sldId id="588" r:id="rId8"/>
-    <p:sldId id="443" r:id="rId9"/>
-    <p:sldId id="569" r:id="rId10"/>
-    <p:sldId id="591" r:id="rId11"/>
-    <p:sldId id="592" r:id="rId12"/>
-    <p:sldId id="597" r:id="rId13"/>
-    <p:sldId id="598" r:id="rId14"/>
-    <p:sldId id="593" r:id="rId15"/>
-    <p:sldId id="599" r:id="rId16"/>
-    <p:sldId id="444" r:id="rId17"/>
-    <p:sldId id="589" r:id="rId18"/>
-    <p:sldId id="594" r:id="rId19"/>
-    <p:sldId id="595" r:id="rId20"/>
-    <p:sldId id="596" r:id="rId21"/>
-    <p:sldId id="600" r:id="rId22"/>
-    <p:sldId id="601" r:id="rId23"/>
-    <p:sldId id="378" r:id="rId24"/>
-    <p:sldId id="590" r:id="rId25"/>
-    <p:sldId id="603" r:id="rId26"/>
-    <p:sldId id="604" r:id="rId27"/>
-    <p:sldId id="605" r:id="rId28"/>
-    <p:sldId id="606" r:id="rId29"/>
-    <p:sldId id="607" r:id="rId30"/>
-    <p:sldId id="608" r:id="rId31"/>
-    <p:sldId id="609" r:id="rId32"/>
-    <p:sldId id="289" r:id="rId33"/>
+    <p:sldId id="256" r:id="rId4"/>
+    <p:sldId id="257" r:id="rId5"/>
+    <p:sldId id="293" r:id="rId6"/>
+    <p:sldId id="442" r:id="rId7"/>
+    <p:sldId id="441" r:id="rId8"/>
+    <p:sldId id="588" r:id="rId9"/>
+    <p:sldId id="443" r:id="rId10"/>
+    <p:sldId id="569" r:id="rId11"/>
+    <p:sldId id="591" r:id="rId12"/>
+    <p:sldId id="630" r:id="rId13"/>
+    <p:sldId id="592" r:id="rId14"/>
+    <p:sldId id="597" r:id="rId15"/>
+    <p:sldId id="598" r:id="rId16"/>
+    <p:sldId id="593" r:id="rId17"/>
+    <p:sldId id="599" r:id="rId18"/>
+    <p:sldId id="444" r:id="rId19"/>
+    <p:sldId id="589" r:id="rId20"/>
+    <p:sldId id="594" r:id="rId21"/>
+    <p:sldId id="595" r:id="rId22"/>
+    <p:sldId id="596" r:id="rId23"/>
+    <p:sldId id="600" r:id="rId24"/>
+    <p:sldId id="601" r:id="rId25"/>
+    <p:sldId id="378" r:id="rId26"/>
+    <p:sldId id="619" r:id="rId27"/>
+    <p:sldId id="590" r:id="rId28"/>
+    <p:sldId id="603" r:id="rId29"/>
+    <p:sldId id="604" r:id="rId30"/>
+    <p:sldId id="605" r:id="rId31"/>
+    <p:sldId id="606" r:id="rId32"/>
+    <p:sldId id="607" r:id="rId33"/>
+    <p:sldId id="608" r:id="rId34"/>
+    <p:sldId id="609" r:id="rId35"/>
+    <p:sldId id="618" r:id="rId36"/>
+    <p:sldId id="289" r:id="rId37"/>
   </p:sldIdLst>
   <p:sldSz cx="12192000" cy="6858000"/>
   <p:notesSz cx="6858000" cy="9144000"/>
@@ -239,22 +242,6 @@
       </a:defRPr>
     </a:lvl9pPr>
   </p:defaultTextStyle>
-  <p:extLst>
-    <p:ext uri="{EFAFB233-063F-42B5-8137-9DF3F51BA10A}">
-      <p15:sldGuideLst xmlns:p15="http://schemas.microsoft.com/office/powerpoint/2012/main">
-        <p15:guide id="1" orient="horz" pos="2116">
-          <p15:clr>
-            <a:srgbClr val="A4A3A4"/>
-          </p15:clr>
-        </p15:guide>
-        <p15:guide id="2" pos="2932">
-          <p15:clr>
-            <a:srgbClr val="A4A3A4"/>
-          </p15:clr>
-        </p15:guide>
-      </p15:sldGuideLst>
-    </p:ext>
-  </p:extLst>
 </p:presentation>
 </file>
 
@@ -346,7 +333,6 @@
                 <a:ea typeface="SimSun" panose="02010600030101010101" pitchFamily="2" charset="-122"/>
                 <a:cs typeface="+mn-cs"/>
               </a:rPr>
-              <a:t>2022/10/30</a:t>
             </a:fld>
             <a:endParaRPr lang="zh-CN" altLang="en-US" strike="noStrike" noProof="1"/>
           </a:p>
@@ -418,18 +404,12 @@
                 <a:ea typeface="SimSun" panose="02010600030101010101" pitchFamily="2" charset="-122"/>
                 <a:cs typeface="+mn-cs"/>
               </a:rPr>
-              <a:t>‹#›</a:t>
             </a:fld>
             <a:endParaRPr lang="zh-CN" altLang="en-US" strike="noStrike" noProof="1"/>
           </a:p>
         </p:txBody>
       </p:sp>
     </p:spTree>
-    <p:extLst>
-      <p:ext uri="{BB962C8B-B14F-4D97-AF65-F5344CB8AC3E}">
-        <p14:creationId xmlns:p14="http://schemas.microsoft.com/office/powerpoint/2010/main" val="1"/>
-      </p:ext>
-    </p:extLst>
   </p:cSld>
   <p:clrMap bg1="lt1" tx1="dk1" bg2="lt2" tx2="dk2" accent1="accent1" accent2="accent2" accent3="accent3" accent4="accent4" accent5="accent5" accent6="accent6" hlink="hlink" folHlink="folHlink"/>
 </p:handoutMaster>
@@ -523,7 +503,6 @@
                 <a:ea typeface="SimSun" panose="02010600030101010101" pitchFamily="2" charset="-122"/>
                 <a:cs typeface="+mn-cs"/>
               </a:rPr>
-              <a:t>2022/10/30</a:t>
             </a:fld>
             <a:endParaRPr lang="zh-CN" altLang="en-US" strike="noStrike" noProof="1"/>
           </a:p>
@@ -591,6 +570,7 @@
               <a:rPr lang="zh-CN" altLang="en-US"/>
               <a:t>Click to edit Master text style</a:t>
             </a:r>
+            <a:endParaRPr lang="zh-CN" altLang="en-US"/>
           </a:p>
           <a:p>
             <a:pPr lvl="1"/>
@@ -598,6 +578,7 @@
               <a:rPr lang="zh-CN" altLang="en-US"/>
               <a:t>Second level</a:t>
             </a:r>
+            <a:endParaRPr lang="zh-CN" altLang="en-US"/>
           </a:p>
           <a:p>
             <a:pPr lvl="2"/>
@@ -605,6 +586,7 @@
               <a:rPr lang="zh-CN" altLang="en-US"/>
               <a:t>Third level</a:t>
             </a:r>
+            <a:endParaRPr lang="zh-CN" altLang="en-US"/>
           </a:p>
           <a:p>
             <a:pPr lvl="3"/>
@@ -612,6 +594,7 @@
               <a:rPr lang="zh-CN" altLang="en-US"/>
               <a:t>Fourth level</a:t>
             </a:r>
+            <a:endParaRPr lang="zh-CN" altLang="en-US"/>
           </a:p>
           <a:p>
             <a:pPr lvl="4"/>
@@ -619,6 +602,7 @@
               <a:rPr lang="zh-CN" altLang="en-US"/>
               <a:t>Fifth level</a:t>
             </a:r>
+            <a:endParaRPr lang="zh-CN" altLang="en-US"/>
           </a:p>
         </p:txBody>
       </p:sp>
@@ -688,7 +672,6 @@
                 <a:ea typeface="SimSun" panose="02010600030101010101" pitchFamily="2" charset="-122"/>
                 <a:cs typeface="+mn-cs"/>
               </a:rPr>
-              <a:t>‹#›</a:t>
             </a:fld>
             <a:endParaRPr lang="zh-CN" altLang="en-US" strike="noStrike" noProof="1"/>
           </a:p>
@@ -839,6 +822,7 @@
               <a:rPr lang="zh-CN" altLang="en-US" strike="noStrike" noProof="1"/>
               <a:t>Click to edit Master title style</a:t>
             </a:r>
+            <a:endParaRPr lang="zh-CN" altLang="en-US" strike="noStrike" noProof="1"/>
           </a:p>
         </p:txBody>
       </p:sp>
@@ -904,6 +888,7 @@
               <a:rPr lang="zh-CN" altLang="en-US" strike="noStrike" noProof="1"/>
               <a:t>Click to edit Master title style</a:t>
             </a:r>
+            <a:endParaRPr lang="zh-CN" altLang="en-US" strike="noStrike" noProof="1"/>
           </a:p>
         </p:txBody>
       </p:sp>
@@ -1055,7 +1040,6 @@
                 <a:ea typeface="+mn-ea"/>
                 <a:cs typeface="+mn-cs"/>
               </a:rPr>
-              <a:t>‹#›</a:t>
             </a:fld>
             <a:endParaRPr kumimoji="0" lang="zh-CN" altLang="en-US" sz="1200" b="0" i="0" u="none" strike="noStrike" kern="1200" cap="none" spc="0" normalizeH="0" baseline="0" noProof="0">
               <a:ln>
@@ -1124,6 +1108,7 @@
               <a:rPr lang="zh-CN" altLang="en-US" strike="noStrike" noProof="1"/>
               <a:t>Click to edit Master title style</a:t>
             </a:r>
+            <a:endParaRPr lang="zh-CN" altLang="en-US" strike="noStrike" noProof="1"/>
           </a:p>
         </p:txBody>
       </p:sp>
@@ -1147,6 +1132,7 @@
               <a:rPr lang="zh-CN" altLang="en-US" strike="noStrike" noProof="1"/>
               <a:t>Click to edit Master text style</a:t>
             </a:r>
+            <a:endParaRPr lang="zh-CN" altLang="en-US" strike="noStrike" noProof="1"/>
           </a:p>
           <a:p>
             <a:pPr lvl="1" fontAlgn="base"/>
@@ -1154,6 +1140,7 @@
               <a:rPr lang="zh-CN" altLang="en-US" strike="noStrike" noProof="1"/>
               <a:t>Second level</a:t>
             </a:r>
+            <a:endParaRPr lang="zh-CN" altLang="en-US" strike="noStrike" noProof="1"/>
           </a:p>
           <a:p>
             <a:pPr lvl="2" fontAlgn="base"/>
@@ -1161,6 +1148,7 @@
               <a:rPr lang="zh-CN" altLang="en-US" strike="noStrike" noProof="1"/>
               <a:t>Third level</a:t>
             </a:r>
+            <a:endParaRPr lang="zh-CN" altLang="en-US" strike="noStrike" noProof="1"/>
           </a:p>
           <a:p>
             <a:pPr lvl="3" fontAlgn="base"/>
@@ -1168,6 +1156,7 @@
               <a:rPr lang="zh-CN" altLang="en-US" strike="noStrike" noProof="1"/>
               <a:t>Fourth level</a:t>
             </a:r>
+            <a:endParaRPr lang="zh-CN" altLang="en-US" strike="noStrike" noProof="1"/>
           </a:p>
           <a:p>
             <a:pPr lvl="4" fontAlgn="base"/>
@@ -1175,6 +1164,7 @@
               <a:rPr lang="zh-CN" altLang="en-US" strike="noStrike" noProof="1"/>
               <a:t>Fifth level</a:t>
             </a:r>
+            <a:endParaRPr lang="zh-CN" altLang="en-US" strike="noStrike" noProof="1"/>
           </a:p>
         </p:txBody>
       </p:sp>
@@ -1326,7 +1316,6 @@
                 <a:ea typeface="+mn-ea"/>
                 <a:cs typeface="+mn-cs"/>
               </a:rPr>
-              <a:t>‹#›</a:t>
             </a:fld>
             <a:endParaRPr kumimoji="0" lang="zh-CN" altLang="en-US" sz="1200" b="0" i="0" u="none" strike="noStrike" kern="1200" cap="none" spc="0" normalizeH="0" baseline="0" noProof="0">
               <a:ln>
@@ -1404,6 +1393,7 @@
               <a:rPr lang="zh-CN" altLang="en-US" strike="noStrike" noProof="1"/>
               <a:t>Click to edit Master title style</a:t>
             </a:r>
+            <a:endParaRPr lang="zh-CN" altLang="en-US" strike="noStrike" noProof="1"/>
           </a:p>
         </p:txBody>
       </p:sp>
@@ -1469,6 +1459,7 @@
               <a:rPr lang="zh-CN" altLang="en-US" strike="noStrike" noProof="1"/>
               <a:t>Click to edit Master title style</a:t>
             </a:r>
+            <a:endParaRPr lang="zh-CN" altLang="en-US" strike="noStrike" noProof="1"/>
           </a:p>
         </p:txBody>
       </p:sp>
@@ -1620,7 +1611,6 @@
                 <a:ea typeface="+mn-ea"/>
                 <a:cs typeface="+mn-cs"/>
               </a:rPr>
-              <a:t>‹#›</a:t>
             </a:fld>
             <a:endParaRPr kumimoji="0" lang="zh-CN" altLang="en-US" sz="1200" b="0" i="0" u="none" strike="noStrike" kern="1200" cap="none" spc="0" normalizeH="0" baseline="0" noProof="0">
               <a:ln>
@@ -1689,6 +1679,7 @@
               <a:rPr lang="zh-CN" altLang="en-US" strike="noStrike" noProof="1"/>
               <a:t>Click to edit Master title style</a:t>
             </a:r>
+            <a:endParaRPr lang="zh-CN" altLang="en-US" strike="noStrike" noProof="1"/>
           </a:p>
         </p:txBody>
       </p:sp>
@@ -1712,6 +1703,7 @@
               <a:rPr lang="zh-CN" altLang="en-US" strike="noStrike" noProof="1"/>
               <a:t>Click to edit Master text style</a:t>
             </a:r>
+            <a:endParaRPr lang="zh-CN" altLang="en-US" strike="noStrike" noProof="1"/>
           </a:p>
           <a:p>
             <a:pPr lvl="1" fontAlgn="base"/>
@@ -1719,6 +1711,7 @@
               <a:rPr lang="zh-CN" altLang="en-US" strike="noStrike" noProof="1"/>
               <a:t>Second level</a:t>
             </a:r>
+            <a:endParaRPr lang="zh-CN" altLang="en-US" strike="noStrike" noProof="1"/>
           </a:p>
           <a:p>
             <a:pPr lvl="2" fontAlgn="base"/>
@@ -1726,6 +1719,7 @@
               <a:rPr lang="zh-CN" altLang="en-US" strike="noStrike" noProof="1"/>
               <a:t>Third level</a:t>
             </a:r>
+            <a:endParaRPr lang="zh-CN" altLang="en-US" strike="noStrike" noProof="1"/>
           </a:p>
           <a:p>
             <a:pPr lvl="3" fontAlgn="base"/>
@@ -1733,6 +1727,7 @@
               <a:rPr lang="zh-CN" altLang="en-US" strike="noStrike" noProof="1"/>
               <a:t>Fourth level</a:t>
             </a:r>
+            <a:endParaRPr lang="zh-CN" altLang="en-US" strike="noStrike" noProof="1"/>
           </a:p>
           <a:p>
             <a:pPr lvl="4" fontAlgn="base"/>
@@ -1740,6 +1735,7 @@
               <a:rPr lang="zh-CN" altLang="en-US" strike="noStrike" noProof="1"/>
               <a:t>Fifth level</a:t>
             </a:r>
+            <a:endParaRPr lang="zh-CN" altLang="en-US" strike="noStrike" noProof="1"/>
           </a:p>
         </p:txBody>
       </p:sp>
@@ -1891,7 +1887,6 @@
                 <a:ea typeface="+mn-ea"/>
                 <a:cs typeface="+mn-cs"/>
               </a:rPr>
-              <a:t>‹#›</a:t>
             </a:fld>
             <a:endParaRPr kumimoji="0" lang="zh-CN" altLang="en-US" sz="1200" b="0" i="0" u="none" strike="noStrike" kern="1200" cap="none" spc="0" normalizeH="0" baseline="0" noProof="0">
               <a:ln>
@@ -1980,6 +1975,7 @@
               <a:rPr lang="zh-CN" altLang="en-US" dirty="0"/>
               <a:t>Click to edit Master title style</a:t>
             </a:r>
+            <a:endParaRPr lang="zh-CN" altLang="en-US" dirty="0"/>
           </a:p>
         </p:txBody>
       </p:sp>
@@ -2015,6 +2011,7 @@
               <a:rPr lang="zh-CN" altLang="en-US" dirty="0"/>
               <a:t>Click to edit Master text style</a:t>
             </a:r>
+            <a:endParaRPr lang="zh-CN" altLang="en-US" dirty="0"/>
           </a:p>
           <a:p>
             <a:pPr lvl="1"/>
@@ -2022,6 +2019,7 @@
               <a:rPr lang="zh-CN" altLang="en-US" dirty="0"/>
               <a:t>Second level</a:t>
             </a:r>
+            <a:endParaRPr lang="zh-CN" altLang="en-US" dirty="0"/>
           </a:p>
           <a:p>
             <a:pPr lvl="2"/>
@@ -2029,6 +2027,7 @@
               <a:rPr lang="zh-CN" altLang="en-US" dirty="0"/>
               <a:t>Third level</a:t>
             </a:r>
+            <a:endParaRPr lang="zh-CN" altLang="en-US" dirty="0"/>
           </a:p>
           <a:p>
             <a:pPr lvl="3"/>
@@ -2036,6 +2035,7 @@
               <a:rPr lang="zh-CN" altLang="en-US" dirty="0"/>
               <a:t>Fourth level</a:t>
             </a:r>
+            <a:endParaRPr lang="zh-CN" altLang="en-US" dirty="0"/>
           </a:p>
           <a:p>
             <a:pPr lvl="4"/>
@@ -2043,6 +2043,7 @@
               <a:rPr lang="zh-CN" altLang="en-US" dirty="0"/>
               <a:t>Fifth level</a:t>
             </a:r>
+            <a:endParaRPr lang="zh-CN" altLang="en-US" dirty="0"/>
           </a:p>
         </p:txBody>
       </p:sp>
@@ -2272,7 +2273,6 @@
                 <a:ea typeface="+mn-ea"/>
                 <a:cs typeface="+mn-cs"/>
               </a:rPr>
-              <a:t>‹#›</a:t>
             </a:fld>
             <a:endParaRPr kumimoji="0" lang="zh-CN" altLang="en-US" sz="1200" b="0" i="0" u="none" strike="noStrike" kern="1200" cap="none" spc="0" normalizeH="0" baseline="0" noProof="0">
               <a:ln>
@@ -2805,6 +2805,7 @@
               <a:rPr lang="zh-CN" altLang="en-US" dirty="0"/>
               <a:t>Click to edit Master title style</a:t>
             </a:r>
+            <a:endParaRPr lang="zh-CN" altLang="en-US" dirty="0"/>
           </a:p>
         </p:txBody>
       </p:sp>
@@ -2840,6 +2841,7 @@
               <a:rPr lang="zh-CN" altLang="en-US" dirty="0"/>
               <a:t>Click to edit Master text style</a:t>
             </a:r>
+            <a:endParaRPr lang="zh-CN" altLang="en-US" dirty="0"/>
           </a:p>
           <a:p>
             <a:pPr lvl="1"/>
@@ -2847,6 +2849,7 @@
               <a:rPr lang="zh-CN" altLang="en-US" dirty="0"/>
               <a:t>Second level</a:t>
             </a:r>
+            <a:endParaRPr lang="zh-CN" altLang="en-US" dirty="0"/>
           </a:p>
           <a:p>
             <a:pPr lvl="2"/>
@@ -2854,6 +2857,7 @@
               <a:rPr lang="zh-CN" altLang="en-US" dirty="0"/>
               <a:t>Third level</a:t>
             </a:r>
+            <a:endParaRPr lang="zh-CN" altLang="en-US" dirty="0"/>
           </a:p>
           <a:p>
             <a:pPr lvl="3"/>
@@ -2861,6 +2865,7 @@
               <a:rPr lang="zh-CN" altLang="en-US" dirty="0"/>
               <a:t>Fourth level</a:t>
             </a:r>
+            <a:endParaRPr lang="zh-CN" altLang="en-US" dirty="0"/>
           </a:p>
           <a:p>
             <a:pPr lvl="4"/>
@@ -2868,6 +2873,7 @@
               <a:rPr lang="zh-CN" altLang="en-US" dirty="0"/>
               <a:t>Fifth level</a:t>
             </a:r>
+            <a:endParaRPr lang="zh-CN" altLang="en-US" dirty="0"/>
           </a:p>
         </p:txBody>
       </p:sp>
@@ -3097,7 +3103,6 @@
                 <a:ea typeface="+mn-ea"/>
                 <a:cs typeface="+mn-cs"/>
               </a:rPr>
-              <a:t>‹#›</a:t>
             </a:fld>
             <a:endParaRPr kumimoji="0" lang="zh-CN" altLang="en-US" sz="1200" b="0" i="0" u="none" strike="noStrike" kern="1200" cap="none" spc="0" normalizeH="0" baseline="0" noProof="0">
               <a:ln>
@@ -3870,6 +3875,13 @@
               </a:rPr>
               <a:t>H.A.C.C.</a:t>
             </a:r>
+            <a:endParaRPr lang="en-US" altLang="zh-CN" sz="3200" b="1" dirty="0">
+              <a:solidFill>
+                <a:srgbClr val="262626"/>
+              </a:solidFill>
+              <a:latin typeface="Microsoft YaHei" panose="020B0503020204020204" pitchFamily="34" charset="-122"/>
+              <a:ea typeface="Microsoft YaHei" panose="020B0503020204020204" pitchFamily="34" charset="-122"/>
+            </a:endParaRPr>
           </a:p>
           <a:p>
             <a:r>
@@ -3882,6 +3894,13 @@
               </a:rPr>
               <a:t>Data Structures and Algorithms</a:t>
             </a:r>
+            <a:endParaRPr lang="en-US" altLang="zh-CN" sz="3200" b="1" dirty="0">
+              <a:solidFill>
+                <a:srgbClr val="262626"/>
+              </a:solidFill>
+              <a:latin typeface="Microsoft YaHei" panose="020B0503020204020204" pitchFamily="34" charset="-122"/>
+              <a:ea typeface="Microsoft YaHei" panose="020B0503020204020204" pitchFamily="34" charset="-122"/>
+            </a:endParaRPr>
           </a:p>
         </p:txBody>
       </p:sp>
@@ -4831,6 +4850,13 @@
               </a:rPr>
               <a:t>Jimmy Zhang</a:t>
             </a:r>
+            <a:endParaRPr lang="en-US" altLang="zh-CN" dirty="0">
+              <a:solidFill>
+                <a:srgbClr val="262626"/>
+              </a:solidFill>
+              <a:latin typeface="Microsoft YaHei" panose="020B0503020204020204" pitchFamily="34" charset="-122"/>
+              <a:ea typeface="Microsoft YaHei" panose="020B0503020204020204" pitchFamily="34" charset="-122"/>
+            </a:endParaRPr>
           </a:p>
         </p:txBody>
       </p:sp>
@@ -4869,6 +4895,13 @@
               </a:rPr>
               <a:t>Fall 2022</a:t>
             </a:r>
+            <a:endParaRPr lang="en-US" altLang="zh-CN" dirty="0">
+              <a:solidFill>
+                <a:srgbClr val="262626"/>
+              </a:solidFill>
+              <a:latin typeface="Microsoft YaHei" panose="020B0503020204020204" pitchFamily="34" charset="-122"/>
+              <a:ea typeface="Microsoft YaHei" panose="020B0503020204020204" pitchFamily="34" charset="-122"/>
+            </a:endParaRPr>
           </a:p>
         </p:txBody>
       </p:sp>
@@ -5067,6 +5100,13 @@
               </a:rPr>
               <a:t>2.1</a:t>
             </a:r>
+            <a:endParaRPr lang="en-US" altLang="zh-CN" sz="2800" b="1" dirty="0">
+              <a:solidFill>
+                <a:schemeClr val="bg1"/>
+              </a:solidFill>
+              <a:latin typeface="Microsoft YaHei" panose="020B0503020204020204" pitchFamily="34" charset="-122"/>
+              <a:ea typeface="Microsoft YaHei" panose="020B0503020204020204" pitchFamily="34" charset="-122"/>
+            </a:endParaRPr>
           </a:p>
         </p:txBody>
       </p:sp>
@@ -5154,8 +5194,26 @@
                 <a:cs typeface="+mn-cs"/>
                 <a:sym typeface="+mn-ea"/>
               </a:rPr>
-              <a:t>Example: Knapsack Problem</a:t>
-            </a:r>
+              <a:t>Examples of Optimization</a:t>
+            </a:r>
+            <a:endParaRPr kumimoji="0" lang="en-CA" altLang="en-US" sz="2800" b="1" i="0" u="none" strike="noStrike" kern="1200" cap="none" spc="0" normalizeH="0" baseline="0" noProof="0" dirty="0">
+              <a:ln>
+                <a:noFill/>
+              </a:ln>
+              <a:solidFill>
+                <a:schemeClr val="tx1">
+                  <a:lumMod val="85000"/>
+                  <a:lumOff val="15000"/>
+                </a:schemeClr>
+              </a:solidFill>
+              <a:effectLst/>
+              <a:uLnTx/>
+              <a:uFillTx/>
+              <a:latin typeface="Microsoft YaHei" panose="020B0503020204020204" pitchFamily="34" charset="-122"/>
+              <a:ea typeface="Microsoft YaHei" panose="020B0503020204020204" pitchFamily="34" charset="-122"/>
+              <a:cs typeface="+mn-cs"/>
+              <a:sym typeface="+mn-ea"/>
+            </a:endParaRPr>
           </a:p>
         </p:txBody>
       </p:sp>
@@ -5181,60 +5239,72 @@
           <a:p>
             <a:pPr algn="l"/>
             <a:r>
-              <a:rPr lang="en-US" sz="1800" b="0" i="0" u="none" strike="noStrike" baseline="0" dirty="0">
-                <a:latin typeface="ArialMT"/>
-              </a:rPr>
-              <a:t>You are given a container with a limited weight capacity </a:t>
-            </a:r>
-            <a:r>
-              <a:rPr lang="en-US" sz="1800" b="0" i="0" u="none" strike="noStrike" baseline="0" dirty="0">
-                <a:latin typeface="CambriaMath"/>
-              </a:rPr>
-              <a:t>𝑊 </a:t>
-            </a:r>
-            <a:r>
-              <a:rPr lang="en-US" sz="1800" b="0" i="0" u="none" strike="noStrike" baseline="0" dirty="0">
-                <a:latin typeface="ArialMT"/>
-              </a:rPr>
-              <a:t>and a list of items, each with a weight and a value. </a:t>
-            </a:r>
+              <a:rPr lang="en-US" altLang="en-CA" sz="2400" b="0" i="0" u="none" strike="noStrike" baseline="0" dirty="0">
+                <a:latin typeface="Calibri" panose="020F0502020204030204" pitchFamily="34" charset="0"/>
+                <a:cs typeface="Calibri" panose="020F0502020204030204" pitchFamily="34" charset="0"/>
+              </a:rPr>
+              <a:t>Neural Networks: The “algorithm” behind most of today’s AI and advanced machine learning technologies</a:t>
+            </a:r>
+            <a:endParaRPr lang="en-US" altLang="en-CA" sz="2400" b="0" i="0" u="none" strike="noStrike" baseline="0" dirty="0">
+              <a:latin typeface="Calibri" panose="020F0502020204030204" pitchFamily="34" charset="0"/>
+              <a:cs typeface="Calibri" panose="020F0502020204030204" pitchFamily="34" charset="0"/>
+            </a:endParaRPr>
           </a:p>
           <a:p>
             <a:pPr algn="l"/>
             <a:r>
-              <a:rPr lang="en-US" sz="1800" b="0" i="0" u="none" strike="noStrike" baseline="0" dirty="0">
-                <a:latin typeface="ArialMT"/>
-              </a:rPr>
-              <a:t>Choose which items to place in the container so that the weight limit is not exceeded and the total value of the packed items is as large as possible.</a:t>
-            </a:r>
-            <a:endParaRPr lang="en-CA" altLang="en-US" sz="2735" dirty="0"/>
+              <a:rPr lang="en-US" altLang="en-CA" sz="2400" b="0" i="0" u="none" strike="noStrike" baseline="0" dirty="0">
+                <a:latin typeface="Calibri" panose="020F0502020204030204" pitchFamily="34" charset="0"/>
+                <a:cs typeface="Calibri" panose="020F0502020204030204" pitchFamily="34" charset="0"/>
+              </a:rPr>
+              <a:t>One of its key component, the back-propagation, is based on:</a:t>
+            </a:r>
+            <a:endParaRPr lang="en-US" altLang="en-CA" sz="2400" b="0" i="0" u="none" strike="noStrike" baseline="0" dirty="0">
+              <a:latin typeface="Calibri" panose="020F0502020204030204" pitchFamily="34" charset="0"/>
+              <a:cs typeface="Calibri" panose="020F0502020204030204" pitchFamily="34" charset="0"/>
+            </a:endParaRPr>
+          </a:p>
+          <a:p>
+            <a:pPr lvl="1" algn="l"/>
+            <a:r>
+              <a:rPr lang="en-US" altLang="en-CA" sz="2055" b="0" i="0" u="none" strike="noStrike" baseline="0" dirty="0">
+                <a:latin typeface="Calibri" panose="020F0502020204030204" pitchFamily="34" charset="0"/>
+                <a:cs typeface="Calibri" panose="020F0502020204030204" pitchFamily="34" charset="0"/>
+              </a:rPr>
+              <a:t> Optimization (DSA) + Derivatives (Calculus)</a:t>
+            </a:r>
+            <a:endParaRPr lang="en-US" altLang="en-CA" sz="2055" b="0" i="0" u="none" strike="noStrike" baseline="0" dirty="0">
+              <a:latin typeface="Calibri" panose="020F0502020204030204" pitchFamily="34" charset="0"/>
+              <a:cs typeface="Calibri" panose="020F0502020204030204" pitchFamily="34" charset="0"/>
+            </a:endParaRPr>
+          </a:p>
+          <a:p>
+            <a:pPr algn="l"/>
+            <a:endParaRPr lang="en-US" altLang="en-CA" sz="2055" b="0" i="0" u="none" strike="noStrike" baseline="0" dirty="0">
+              <a:latin typeface="Calibri" panose="020F0502020204030204" pitchFamily="34" charset="0"/>
+              <a:cs typeface="Calibri" panose="020F0502020204030204" pitchFamily="34" charset="0"/>
+            </a:endParaRPr>
           </a:p>
         </p:txBody>
       </p:sp>
       <p:pic>
         <p:nvPicPr>
-          <p:cNvPr id="4" name="Picture 3">
-            <a:extLst>
-              <a:ext uri="{FF2B5EF4-FFF2-40B4-BE49-F238E27FC236}">
-                <a16:creationId xmlns:a16="http://schemas.microsoft.com/office/drawing/2014/main" id="{A5D46057-3CE4-45CE-8112-C9DFE1EDE430}"/>
-              </a:ext>
-            </a:extLst>
-          </p:cNvPr>
+          <p:cNvPr id="2" name="Picture 1"/>
           <p:cNvPicPr>
             <a:picLocks noChangeAspect="1"/>
           </p:cNvPicPr>
           <p:nvPr/>
         </p:nvPicPr>
         <p:blipFill>
-          <a:blip r:embed="rId2"/>
+          <a:blip r:embed="rId1"/>
           <a:stretch>
             <a:fillRect/>
           </a:stretch>
         </p:blipFill>
         <p:spPr>
           <a:xfrm>
-            <a:off x="4027965" y="2809240"/>
-            <a:ext cx="3905250" cy="3714750"/>
+            <a:off x="3800475" y="3615055"/>
+            <a:ext cx="4590415" cy="2230755"/>
           </a:xfrm>
           <a:prstGeom prst="rect">
             <a:avLst/>
@@ -5242,11 +5312,6 @@
         </p:spPr>
       </p:pic>
     </p:spTree>
-    <p:extLst>
-      <p:ext uri="{BB962C8B-B14F-4D97-AF65-F5344CB8AC3E}">
-        <p14:creationId xmlns:p14="http://schemas.microsoft.com/office/powerpoint/2010/main" val="2925614088"/>
-      </p:ext>
-    </p:extLst>
   </p:cSld>
   <p:clrMapOvr>
     <a:masterClrMapping/>
@@ -5441,6 +5506,13 @@
               </a:rPr>
               <a:t>2.1</a:t>
             </a:r>
+            <a:endParaRPr lang="en-US" altLang="zh-CN" sz="2800" b="1" dirty="0">
+              <a:solidFill>
+                <a:schemeClr val="bg1"/>
+              </a:solidFill>
+              <a:latin typeface="Microsoft YaHei" panose="020B0503020204020204" pitchFamily="34" charset="-122"/>
+              <a:ea typeface="Microsoft YaHei" panose="020B0503020204020204" pitchFamily="34" charset="-122"/>
+            </a:endParaRPr>
           </a:p>
         </p:txBody>
       </p:sp>
@@ -5528,8 +5600,26 @@
                 <a:cs typeface="+mn-cs"/>
                 <a:sym typeface="+mn-ea"/>
               </a:rPr>
-              <a:t>Example: Extending the Knapsack Problem </a:t>
-            </a:r>
+              <a:t>Example: Knapsack Problem</a:t>
+            </a:r>
+            <a:endParaRPr kumimoji="0" lang="en-CA" altLang="en-US" sz="2800" b="1" i="0" u="none" strike="noStrike" kern="1200" cap="none" spc="0" normalizeH="0" baseline="0" noProof="0" dirty="0">
+              <a:ln>
+                <a:noFill/>
+              </a:ln>
+              <a:solidFill>
+                <a:schemeClr val="tx1">
+                  <a:lumMod val="85000"/>
+                  <a:lumOff val="15000"/>
+                </a:schemeClr>
+              </a:solidFill>
+              <a:effectLst/>
+              <a:uLnTx/>
+              <a:uFillTx/>
+              <a:latin typeface="Microsoft YaHei" panose="020B0503020204020204" pitchFamily="34" charset="-122"/>
+              <a:ea typeface="Microsoft YaHei" panose="020B0503020204020204" pitchFamily="34" charset="-122"/>
+              <a:cs typeface="+mn-cs"/>
+              <a:sym typeface="+mn-ea"/>
+            </a:endParaRPr>
           </a:p>
         </p:txBody>
       </p:sp>
@@ -5556,29 +5646,57 @@
             <a:pPr algn="l"/>
             <a:r>
               <a:rPr lang="en-US" sz="2400" b="0" i="0" u="none" strike="noStrike" baseline="0" dirty="0">
-                <a:latin typeface="ArialMT"/>
-              </a:rPr>
-              <a:t>A more practical example as an extension of the classic knapsack problem</a:t>
-            </a:r>
+                <a:latin typeface="Calibri" panose="020F0502020204030204" pitchFamily="34" charset="0"/>
+                <a:cs typeface="Calibri" panose="020F0502020204030204" pitchFamily="34" charset="0"/>
+              </a:rPr>
+              <a:t>You are given a container with a limited weight capacity 𝑊 and a list of items, each with a weight and a value. </a:t>
+            </a:r>
+            <a:endParaRPr lang="en-US" sz="2400" b="0" i="0" u="none" strike="noStrike" baseline="0" dirty="0">
+              <a:latin typeface="Calibri" panose="020F0502020204030204" pitchFamily="34" charset="0"/>
+              <a:cs typeface="Calibri" panose="020F0502020204030204" pitchFamily="34" charset="0"/>
+            </a:endParaRPr>
           </a:p>
           <a:p>
             <a:pPr algn="l"/>
             <a:r>
               <a:rPr lang="en-US" sz="2400" b="0" i="0" u="none" strike="noStrike" baseline="0" dirty="0">
-                <a:latin typeface="ArialMT"/>
-              </a:rPr>
-              <a:t>A fund manager is considering 100 potential investments and has estimated the expected return from each one. Choose which ones to buy to maximize the return without exceeding the budget.</a:t>
-            </a:r>
-            <a:endParaRPr lang="en-CA" altLang="en-US" sz="3200" dirty="0"/>
+                <a:latin typeface="Calibri" panose="020F0502020204030204" pitchFamily="34" charset="0"/>
+                <a:cs typeface="Calibri" panose="020F0502020204030204" pitchFamily="34" charset="0"/>
+              </a:rPr>
+              <a:t>Choose which items to place in the container so that the weight limit is not exceeded and the total value of the packed items is as large as possible.</a:t>
+            </a:r>
+            <a:endParaRPr lang="en-US" altLang="en-US" sz="2400" b="0" i="0" u="none" strike="noStrike" baseline="0" dirty="0">
+              <a:latin typeface="Calibri" panose="020F0502020204030204" pitchFamily="34" charset="0"/>
+              <a:cs typeface="Calibri" panose="020F0502020204030204" pitchFamily="34" charset="0"/>
+            </a:endParaRPr>
           </a:p>
         </p:txBody>
       </p:sp>
+      <p:pic>
+        <p:nvPicPr>
+          <p:cNvPr id="4" name="Picture 3"/>
+          <p:cNvPicPr>
+            <a:picLocks noChangeAspect="1"/>
+          </p:cNvPicPr>
+          <p:nvPr/>
+        </p:nvPicPr>
+        <p:blipFill>
+          <a:blip r:embed="rId1"/>
+          <a:stretch>
+            <a:fillRect/>
+          </a:stretch>
+        </p:blipFill>
+        <p:spPr>
+          <a:xfrm>
+            <a:off x="4143535" y="3020060"/>
+            <a:ext cx="3905250" cy="3714750"/>
+          </a:xfrm>
+          <a:prstGeom prst="rect">
+            <a:avLst/>
+          </a:prstGeom>
+        </p:spPr>
+      </p:pic>
     </p:spTree>
-    <p:extLst>
-      <p:ext uri="{BB962C8B-B14F-4D97-AF65-F5344CB8AC3E}">
-        <p14:creationId xmlns:p14="http://schemas.microsoft.com/office/powerpoint/2010/main" val="925101891"/>
-      </p:ext>
-    </p:extLst>
   </p:cSld>
   <p:clrMapOvr>
     <a:masterClrMapping/>
@@ -5773,6 +5891,13 @@
               </a:rPr>
               <a:t>2.1</a:t>
             </a:r>
+            <a:endParaRPr lang="en-US" altLang="zh-CN" sz="2800" b="1" dirty="0">
+              <a:solidFill>
+                <a:schemeClr val="bg1"/>
+              </a:solidFill>
+              <a:latin typeface="Microsoft YaHei" panose="020B0503020204020204" pitchFamily="34" charset="-122"/>
+              <a:ea typeface="Microsoft YaHei" panose="020B0503020204020204" pitchFamily="34" charset="-122"/>
+            </a:endParaRPr>
           </a:p>
         </p:txBody>
       </p:sp>
@@ -5860,8 +5985,26 @@
                 <a:cs typeface="+mn-cs"/>
                 <a:sym typeface="+mn-ea"/>
               </a:rPr>
-              <a:t>Example: Minimum Spanning Tree</a:t>
-            </a:r>
+              <a:t>Example: Extending the Knapsack Problem </a:t>
+            </a:r>
+            <a:endParaRPr kumimoji="0" lang="en-CA" altLang="en-US" sz="2800" b="1" i="0" u="none" strike="noStrike" kern="1200" cap="none" spc="0" normalizeH="0" baseline="0" noProof="0" dirty="0">
+              <a:ln>
+                <a:noFill/>
+              </a:ln>
+              <a:solidFill>
+                <a:schemeClr val="tx1">
+                  <a:lumMod val="85000"/>
+                  <a:lumOff val="15000"/>
+                </a:schemeClr>
+              </a:solidFill>
+              <a:effectLst/>
+              <a:uLnTx/>
+              <a:uFillTx/>
+              <a:latin typeface="Microsoft YaHei" panose="020B0503020204020204" pitchFamily="34" charset="-122"/>
+              <a:ea typeface="Microsoft YaHei" panose="020B0503020204020204" pitchFamily="34" charset="-122"/>
+              <a:cs typeface="+mn-cs"/>
+              <a:sym typeface="+mn-ea"/>
+            </a:endParaRPr>
           </a:p>
         </p:txBody>
       </p:sp>
@@ -5887,51 +6030,34 @@
           <a:p>
             <a:pPr algn="l"/>
             <a:r>
-              <a:rPr lang="en-US" sz="1800" b="0" i="0" u="none" strike="noStrike" baseline="0" dirty="0">
-                <a:latin typeface="ArialMT"/>
-              </a:rPr>
-              <a:t>Given a set of points in the plane, connect pairs of points with edges so that the sum of lengths of all edges is minimal and there is a path, using the edges, from every point to every other point.</a:t>
-            </a:r>
-            <a:endParaRPr lang="en-CA" altLang="en-US" sz="2735" dirty="0"/>
+              <a:rPr lang="en-US" sz="2400" b="0" i="0" u="none" strike="noStrike" baseline="0" dirty="0">
+                <a:latin typeface="Calibri" panose="020F0502020204030204" pitchFamily="34" charset="0"/>
+                <a:cs typeface="Calibri" panose="020F0502020204030204" pitchFamily="34" charset="0"/>
+              </a:rPr>
+              <a:t>A more practical example as an extension of the classic knapsack problem</a:t>
+            </a:r>
+            <a:endParaRPr lang="en-US" sz="2400" b="0" i="0" u="none" strike="noStrike" baseline="0" dirty="0">
+              <a:latin typeface="Calibri" panose="020F0502020204030204" pitchFamily="34" charset="0"/>
+              <a:cs typeface="Calibri" panose="020F0502020204030204" pitchFamily="34" charset="0"/>
+            </a:endParaRPr>
+          </a:p>
+          <a:p>
+            <a:pPr algn="l"/>
+            <a:r>
+              <a:rPr lang="en-US" sz="2400" b="0" i="0" u="none" strike="noStrike" baseline="0" dirty="0">
+                <a:latin typeface="Calibri" panose="020F0502020204030204" pitchFamily="34" charset="0"/>
+                <a:cs typeface="Calibri" panose="020F0502020204030204" pitchFamily="34" charset="0"/>
+              </a:rPr>
+              <a:t>A fund manager is considering 100 potential investments and has estimated the expected return from each one. Choose which ones to buy to maximize the return without exceeding the budget.</a:t>
+            </a:r>
+            <a:endParaRPr lang="en-CA" altLang="en-US" sz="3200" dirty="0">
+              <a:latin typeface="Calibri" panose="020F0502020204030204" pitchFamily="34" charset="0"/>
+              <a:cs typeface="Calibri" panose="020F0502020204030204" pitchFamily="34" charset="0"/>
+            </a:endParaRPr>
           </a:p>
         </p:txBody>
       </p:sp>
-      <p:pic>
-        <p:nvPicPr>
-          <p:cNvPr id="4" name="Picture 3">
-            <a:extLst>
-              <a:ext uri="{FF2B5EF4-FFF2-40B4-BE49-F238E27FC236}">
-                <a16:creationId xmlns:a16="http://schemas.microsoft.com/office/drawing/2014/main" id="{070E91BA-649E-44A5-8358-03961B1653C8}"/>
-              </a:ext>
-            </a:extLst>
-          </p:cNvPr>
-          <p:cNvPicPr>
-            <a:picLocks noChangeAspect="1"/>
-          </p:cNvPicPr>
-          <p:nvPr/>
-        </p:nvPicPr>
-        <p:blipFill>
-          <a:blip r:embed="rId2"/>
-          <a:stretch>
-            <a:fillRect/>
-          </a:stretch>
-        </p:blipFill>
-        <p:spPr>
-          <a:xfrm>
-            <a:off x="3664074" y="2284243"/>
-            <a:ext cx="4686300" cy="3905250"/>
-          </a:xfrm>
-          <a:prstGeom prst="rect">
-            <a:avLst/>
-          </a:prstGeom>
-        </p:spPr>
-      </p:pic>
     </p:spTree>
-    <p:extLst>
-      <p:ext uri="{BB962C8B-B14F-4D97-AF65-F5344CB8AC3E}">
-        <p14:creationId xmlns:p14="http://schemas.microsoft.com/office/powerpoint/2010/main" val="4149908979"/>
-      </p:ext>
-    </p:extLst>
   </p:cSld>
   <p:clrMapOvr>
     <a:masterClrMapping/>
@@ -6126,6 +6252,13 @@
               </a:rPr>
               <a:t>2.1</a:t>
             </a:r>
+            <a:endParaRPr lang="en-US" altLang="zh-CN" sz="2800" b="1" dirty="0">
+              <a:solidFill>
+                <a:schemeClr val="bg1"/>
+              </a:solidFill>
+              <a:latin typeface="Microsoft YaHei" panose="020B0503020204020204" pitchFamily="34" charset="-122"/>
+              <a:ea typeface="Microsoft YaHei" panose="020B0503020204020204" pitchFamily="34" charset="-122"/>
+            </a:endParaRPr>
           </a:p>
         </p:txBody>
       </p:sp>
@@ -6213,8 +6346,26 @@
                 <a:cs typeface="+mn-cs"/>
                 <a:sym typeface="+mn-ea"/>
               </a:rPr>
-              <a:t>Example: Activity Selection</a:t>
-            </a:r>
+              <a:t>Example: Minimum Spanning Tree</a:t>
+            </a:r>
+            <a:endParaRPr kumimoji="0" lang="en-CA" altLang="en-US" sz="2800" b="1" i="0" u="none" strike="noStrike" kern="1200" cap="none" spc="0" normalizeH="0" baseline="0" noProof="0" dirty="0">
+              <a:ln>
+                <a:noFill/>
+              </a:ln>
+              <a:solidFill>
+                <a:schemeClr val="tx1">
+                  <a:lumMod val="85000"/>
+                  <a:lumOff val="15000"/>
+                </a:schemeClr>
+              </a:solidFill>
+              <a:effectLst/>
+              <a:uLnTx/>
+              <a:uFillTx/>
+              <a:latin typeface="Microsoft YaHei" panose="020B0503020204020204" pitchFamily="34" charset="-122"/>
+              <a:ea typeface="Microsoft YaHei" panose="020B0503020204020204" pitchFamily="34" charset="-122"/>
+              <a:cs typeface="+mn-cs"/>
+              <a:sym typeface="+mn-ea"/>
+            </a:endParaRPr>
           </a:p>
         </p:txBody>
       </p:sp>
@@ -6240,207 +6391,37 @@
           <a:p>
             <a:pPr algn="l"/>
             <a:r>
-              <a:rPr lang="en-US" sz="1800" b="0" i="1" u="none" strike="noStrike" baseline="0" dirty="0">
-                <a:latin typeface="Arial-ItalicMT"/>
-              </a:rPr>
-              <a:t>Input: </a:t>
-            </a:r>
-            <a:r>
-              <a:rPr lang="en-US" sz="1800" b="0" i="0" u="none" strike="noStrike" baseline="0" dirty="0">
-                <a:latin typeface="ArialMT"/>
-              </a:rPr>
-              <a:t>set </a:t>
-            </a:r>
-            <a:r>
-              <a:rPr lang="en-US" sz="1800" b="0" i="1" u="none" strike="noStrike" baseline="0" dirty="0">
-                <a:latin typeface="Arial-ItalicMT"/>
-              </a:rPr>
-              <a:t>A </a:t>
-            </a:r>
-            <a:r>
-              <a:rPr lang="en-US" sz="1800" b="0" i="0" u="none" strike="noStrike" baseline="0" dirty="0">
-                <a:latin typeface="SymbolMT"/>
-              </a:rPr>
-              <a:t>= </a:t>
-            </a:r>
-            <a:r>
-              <a:rPr lang="en-US" sz="1800" b="0" i="0" u="none" strike="noStrike" baseline="0" dirty="0">
-                <a:latin typeface="ArialMT"/>
-              </a:rPr>
-              <a:t>{</a:t>
-            </a:r>
-            <a:r>
-              <a:rPr lang="en-US" sz="1800" b="0" i="1" u="none" strike="noStrike" baseline="0" dirty="0">
-                <a:latin typeface="Arial-ItalicMT"/>
-              </a:rPr>
-              <a:t>a</a:t>
-            </a:r>
-            <a:r>
-              <a:rPr lang="en-US" sz="1800" b="0" i="0" u="none" strike="noStrike" baseline="0" dirty="0">
-                <a:latin typeface="ArialMT"/>
-              </a:rPr>
-              <a:t>1 ,…,</a:t>
-            </a:r>
-            <a:r>
-              <a:rPr lang="en-US" sz="1800" b="0" i="1" u="none" strike="noStrike" baseline="0" dirty="0">
-                <a:latin typeface="Arial-ItalicMT"/>
-              </a:rPr>
-              <a:t>an</a:t>
-            </a:r>
-            <a:r>
-              <a:rPr lang="en-US" sz="1800" b="0" i="0" u="none" strike="noStrike" baseline="0" dirty="0">
-                <a:latin typeface="ArialMT"/>
-              </a:rPr>
-              <a:t>} of </a:t>
-            </a:r>
-            <a:r>
-              <a:rPr lang="en-US" sz="1800" b="0" i="1" u="none" strike="noStrike" baseline="0" dirty="0">
-                <a:latin typeface="Arial-ItalicMT"/>
-              </a:rPr>
-              <a:t>n </a:t>
-            </a:r>
-            <a:r>
-              <a:rPr lang="en-US" sz="1800" b="0" i="0" u="none" strike="noStrike" baseline="0" dirty="0">
-                <a:latin typeface="ArialMT"/>
-              </a:rPr>
-              <a:t>activities/events requiring </a:t>
-            </a:r>
-            <a:r>
-              <a:rPr lang="en-US" sz="1800" b="0" i="1" u="none" strike="noStrike" baseline="0" dirty="0">
-                <a:latin typeface="Arial-ItalicMT"/>
-              </a:rPr>
-              <a:t>exclusive </a:t>
-            </a:r>
-            <a:r>
-              <a:rPr lang="en-US" sz="1800" b="0" i="0" u="none" strike="noStrike" baseline="0" dirty="0">
-                <a:latin typeface="ArialMT"/>
-              </a:rPr>
-              <a:t>access to a common resource</a:t>
-            </a:r>
-          </a:p>
-          <a:p>
-            <a:pPr algn="l"/>
-            <a:endParaRPr lang="en-US" sz="1800" b="0" i="1" u="none" strike="noStrike" baseline="0" dirty="0">
-              <a:latin typeface="Arial-ItalicMT"/>
+              <a:rPr lang="en-US" sz="2000" b="0" i="0" u="none" strike="noStrike" baseline="0" dirty="0">
+                <a:latin typeface="Calibri" panose="020F0502020204030204" pitchFamily="34" charset="0"/>
+                <a:cs typeface="Calibri" panose="020F0502020204030204" pitchFamily="34" charset="0"/>
+              </a:rPr>
+              <a:t>Given a set of points in the plane, connect pairs of points with edges so that the sum of lengths of all edges is minimal and there is a path, using the edges, from every point to every other point.</a:t>
+            </a:r>
+            <a:endParaRPr lang="en-US" altLang="en-US" sz="2000" b="0" i="0" u="none" strike="noStrike" baseline="0" dirty="0">
+              <a:latin typeface="Calibri" panose="020F0502020204030204" pitchFamily="34" charset="0"/>
+              <a:cs typeface="Calibri" panose="020F0502020204030204" pitchFamily="34" charset="0"/>
             </a:endParaRPr>
-          </a:p>
-          <a:p>
-            <a:pPr algn="l"/>
-            <a:endParaRPr lang="en-US" sz="1800" i="1" dirty="0">
-              <a:latin typeface="Arial-ItalicMT"/>
-            </a:endParaRPr>
-          </a:p>
-          <a:p>
-            <a:pPr algn="l"/>
-            <a:endParaRPr lang="en-US" sz="1800" b="0" i="1" u="none" strike="noStrike" baseline="0" dirty="0">
-              <a:latin typeface="Arial-ItalicMT"/>
-            </a:endParaRPr>
-          </a:p>
-          <a:p>
-            <a:pPr algn="l"/>
-            <a:endParaRPr lang="en-US" sz="1800" b="0" i="1" u="none" strike="noStrike" baseline="0" dirty="0">
-              <a:latin typeface="Arial-ItalicMT"/>
-            </a:endParaRPr>
-          </a:p>
-          <a:p>
-            <a:pPr algn="l"/>
-            <a:r>
-              <a:rPr lang="en-US" sz="1800" b="0" i="1" u="none" strike="noStrike" baseline="0" dirty="0">
-                <a:latin typeface="Arial-ItalicMT"/>
-              </a:rPr>
-              <a:t>Output: </a:t>
-            </a:r>
-            <a:r>
-              <a:rPr lang="en-US" sz="1800" b="0" i="0" u="none" strike="noStrike" baseline="0" dirty="0">
-                <a:latin typeface="ArialMT"/>
-              </a:rPr>
-              <a:t>the largest set </a:t>
-            </a:r>
-            <a:r>
-              <a:rPr lang="en-US" sz="1800" b="0" i="1" u="none" strike="noStrike" baseline="0" dirty="0">
-                <a:latin typeface="Arial-ItalicMT"/>
-              </a:rPr>
-              <a:t>A </a:t>
-            </a:r>
-            <a:r>
-              <a:rPr lang="en-US" sz="1800" b="0" i="0" u="none" strike="noStrike" baseline="0" dirty="0">
-                <a:latin typeface="ArialMT"/>
-              </a:rPr>
-              <a:t>of nonoverlapping activities</a:t>
-            </a:r>
-          </a:p>
-          <a:p>
-            <a:pPr algn="l"/>
-            <a:r>
-              <a:rPr lang="en-US" sz="1800" b="0" i="1" u="none" strike="noStrike" baseline="0" dirty="0">
-                <a:latin typeface="Arial-ItalicMT"/>
-              </a:rPr>
-              <a:t>Example: </a:t>
-            </a:r>
-            <a:r>
-              <a:rPr lang="en-US" sz="1800" b="0" i="0" u="none" strike="noStrike" baseline="0" dirty="0">
-                <a:latin typeface="ArialMT"/>
-              </a:rPr>
-              <a:t>schedule use of a room to maximize the number of events that use it</a:t>
-            </a:r>
-            <a:endParaRPr lang="en-CA" altLang="en-US" sz="2735" dirty="0"/>
           </a:p>
         </p:txBody>
       </p:sp>
       <p:pic>
         <p:nvPicPr>
-          <p:cNvPr id="4" name="Picture 3">
-            <a:extLst>
-              <a:ext uri="{FF2B5EF4-FFF2-40B4-BE49-F238E27FC236}">
-                <a16:creationId xmlns:a16="http://schemas.microsoft.com/office/drawing/2014/main" id="{67F2FB08-4AE0-403C-B9D2-3E7492828DC8}"/>
-              </a:ext>
-            </a:extLst>
-          </p:cNvPr>
+          <p:cNvPr id="4" name="Picture 3"/>
           <p:cNvPicPr>
             <a:picLocks noChangeAspect="1"/>
           </p:cNvPicPr>
           <p:nvPr/>
         </p:nvPicPr>
         <p:blipFill>
-          <a:blip r:embed="rId2"/>
+          <a:blip r:embed="rId1"/>
           <a:stretch>
             <a:fillRect/>
           </a:stretch>
         </p:blipFill>
         <p:spPr>
           <a:xfrm>
-            <a:off x="2699829" y="1950683"/>
-            <a:ext cx="6153150" cy="1181100"/>
-          </a:xfrm>
-          <a:prstGeom prst="rect">
-            <a:avLst/>
-          </a:prstGeom>
-        </p:spPr>
-      </p:pic>
-      <p:pic>
-        <p:nvPicPr>
-          <p:cNvPr id="6" name="Picture 5">
-            <a:extLst>
-              <a:ext uri="{FF2B5EF4-FFF2-40B4-BE49-F238E27FC236}">
-                <a16:creationId xmlns:a16="http://schemas.microsoft.com/office/drawing/2014/main" id="{A03F36DE-17A6-4A41-BD19-2FB6B30214F2}"/>
-              </a:ext>
-            </a:extLst>
-          </p:cNvPr>
-          <p:cNvPicPr>
-            <a:picLocks noChangeAspect="1"/>
-          </p:cNvPicPr>
-          <p:nvPr/>
-        </p:nvPicPr>
-        <p:blipFill>
-          <a:blip r:embed="rId3"/>
-          <a:stretch>
-            <a:fillRect/>
-          </a:stretch>
-        </p:blipFill>
-        <p:spPr>
-          <a:xfrm>
-            <a:off x="2895091" y="4324535"/>
-            <a:ext cx="5762625" cy="1600200"/>
+            <a:off x="3664074" y="2284243"/>
+            <a:ext cx="4686300" cy="3905250"/>
           </a:xfrm>
           <a:prstGeom prst="rect">
             <a:avLst/>
@@ -6448,11 +6429,6 @@
         </p:spPr>
       </p:pic>
     </p:spTree>
-    <p:extLst>
-      <p:ext uri="{BB962C8B-B14F-4D97-AF65-F5344CB8AC3E}">
-        <p14:creationId xmlns:p14="http://schemas.microsoft.com/office/powerpoint/2010/main" val="2162732957"/>
-      </p:ext>
-    </p:extLst>
   </p:cSld>
   <p:clrMapOvr>
     <a:masterClrMapping/>
@@ -6647,6 +6623,13 @@
               </a:rPr>
               <a:t>2.1</a:t>
             </a:r>
+            <a:endParaRPr lang="en-US" altLang="zh-CN" sz="2800" b="1" dirty="0">
+              <a:solidFill>
+                <a:schemeClr val="bg1"/>
+              </a:solidFill>
+              <a:latin typeface="Microsoft YaHei" panose="020B0503020204020204" pitchFamily="34" charset="-122"/>
+              <a:ea typeface="Microsoft YaHei" panose="020B0503020204020204" pitchFamily="34" charset="-122"/>
+            </a:endParaRPr>
           </a:p>
         </p:txBody>
       </p:sp>
@@ -6734,20 +6717,588 @@
                 <a:cs typeface="+mn-cs"/>
                 <a:sym typeface="+mn-ea"/>
               </a:rPr>
-              <a:t>Example: Clustering</a:t>
-            </a:r>
+              <a:t>Example: Activity Selection</a:t>
+            </a:r>
+            <a:endParaRPr kumimoji="0" lang="en-CA" altLang="en-US" sz="2800" b="1" i="0" u="none" strike="noStrike" kern="1200" cap="none" spc="0" normalizeH="0" baseline="0" noProof="0" dirty="0">
+              <a:ln>
+                <a:noFill/>
+              </a:ln>
+              <a:solidFill>
+                <a:schemeClr val="tx1">
+                  <a:lumMod val="85000"/>
+                  <a:lumOff val="15000"/>
+                </a:schemeClr>
+              </a:solidFill>
+              <a:effectLst/>
+              <a:uLnTx/>
+              <a:uFillTx/>
+              <a:latin typeface="Microsoft YaHei" panose="020B0503020204020204" pitchFamily="34" charset="-122"/>
+              <a:ea typeface="Microsoft YaHei" panose="020B0503020204020204" pitchFamily="34" charset="-122"/>
+              <a:cs typeface="+mn-cs"/>
+              <a:sym typeface="+mn-ea"/>
+            </a:endParaRPr>
+          </a:p>
+        </p:txBody>
+      </p:sp>
+      <p:sp>
+        <p:nvSpPr>
+          <p:cNvPr id="3" name="Content Placeholder 2"/>
+          <p:cNvSpPr>
+            <a:spLocks noGrp="1"/>
+          </p:cNvSpPr>
+          <p:nvPr>
+            <p:ph idx="1"/>
+          </p:nvPr>
+        </p:nvSpPr>
+        <p:spPr>
+          <a:xfrm>
+            <a:off x="890588" y="1494359"/>
+            <a:ext cx="10515600" cy="4351338"/>
+          </a:xfrm>
+        </p:spPr>
+        <p:txBody>
+          <a:bodyPr/>
+          <a:lstStyle/>
+          <a:p>
+            <a:pPr algn="l"/>
+            <a:r>
+              <a:rPr lang="en-US" sz="1800" b="0" i="1" u="none" strike="noStrike" baseline="0" dirty="0">
+                <a:latin typeface="Calibri" panose="020F0502020204030204" pitchFamily="34" charset="0"/>
+                <a:cs typeface="Calibri" panose="020F0502020204030204" pitchFamily="34" charset="0"/>
+              </a:rPr>
+              <a:t>Input: </a:t>
+            </a:r>
+            <a:r>
+              <a:rPr lang="en-US" sz="1800" b="0" i="0" u="none" strike="noStrike" baseline="0" dirty="0">
+                <a:latin typeface="Calibri" panose="020F0502020204030204" pitchFamily="34" charset="0"/>
+                <a:cs typeface="Calibri" panose="020F0502020204030204" pitchFamily="34" charset="0"/>
+              </a:rPr>
+              <a:t>set </a:t>
+            </a:r>
+            <a:r>
+              <a:rPr lang="en-US" sz="1800" b="0" i="1" u="none" strike="noStrike" baseline="0" dirty="0">
+                <a:latin typeface="Calibri" panose="020F0502020204030204" pitchFamily="34" charset="0"/>
+                <a:cs typeface="Calibri" panose="020F0502020204030204" pitchFamily="34" charset="0"/>
+              </a:rPr>
+              <a:t>A </a:t>
+            </a:r>
+            <a:r>
+              <a:rPr lang="en-US" sz="1800" b="0" i="0" u="none" strike="noStrike" baseline="0" dirty="0">
+                <a:latin typeface="Calibri" panose="020F0502020204030204" pitchFamily="34" charset="0"/>
+                <a:cs typeface="Calibri" panose="020F0502020204030204" pitchFamily="34" charset="0"/>
+              </a:rPr>
+              <a:t>= {</a:t>
+            </a:r>
+            <a:r>
+              <a:rPr lang="en-US" sz="1800" b="0" i="1" u="none" strike="noStrike" baseline="0" dirty="0">
+                <a:latin typeface="Calibri" panose="020F0502020204030204" pitchFamily="34" charset="0"/>
+                <a:cs typeface="Calibri" panose="020F0502020204030204" pitchFamily="34" charset="0"/>
+              </a:rPr>
+              <a:t>a</a:t>
+            </a:r>
+            <a:r>
+              <a:rPr lang="en-US" sz="1800" b="0" i="0" u="none" strike="noStrike" baseline="0" dirty="0">
+                <a:latin typeface="Calibri" panose="020F0502020204030204" pitchFamily="34" charset="0"/>
+                <a:cs typeface="Calibri" panose="020F0502020204030204" pitchFamily="34" charset="0"/>
+              </a:rPr>
+              <a:t>1 ,…,</a:t>
+            </a:r>
+            <a:r>
+              <a:rPr lang="en-US" sz="1800" b="0" i="1" u="none" strike="noStrike" baseline="0" dirty="0">
+                <a:latin typeface="Calibri" panose="020F0502020204030204" pitchFamily="34" charset="0"/>
+                <a:cs typeface="Calibri" panose="020F0502020204030204" pitchFamily="34" charset="0"/>
+              </a:rPr>
+              <a:t>an</a:t>
+            </a:r>
+            <a:r>
+              <a:rPr lang="en-US" sz="1800" b="0" i="0" u="none" strike="noStrike" baseline="0" dirty="0">
+                <a:latin typeface="Calibri" panose="020F0502020204030204" pitchFamily="34" charset="0"/>
+                <a:cs typeface="Calibri" panose="020F0502020204030204" pitchFamily="34" charset="0"/>
+              </a:rPr>
+              <a:t>} of </a:t>
+            </a:r>
+            <a:r>
+              <a:rPr lang="en-US" sz="1800" b="0" i="1" u="none" strike="noStrike" baseline="0" dirty="0">
+                <a:latin typeface="Calibri" panose="020F0502020204030204" pitchFamily="34" charset="0"/>
+                <a:cs typeface="Calibri" panose="020F0502020204030204" pitchFamily="34" charset="0"/>
+              </a:rPr>
+              <a:t>n </a:t>
+            </a:r>
+            <a:r>
+              <a:rPr lang="en-US" sz="1800" b="0" i="0" u="none" strike="noStrike" baseline="0" dirty="0">
+                <a:latin typeface="Calibri" panose="020F0502020204030204" pitchFamily="34" charset="0"/>
+                <a:cs typeface="Calibri" panose="020F0502020204030204" pitchFamily="34" charset="0"/>
+              </a:rPr>
+              <a:t>activities/events requiring </a:t>
+            </a:r>
+            <a:r>
+              <a:rPr lang="en-US" sz="1800" b="0" i="1" u="none" strike="noStrike" baseline="0" dirty="0">
+                <a:latin typeface="Calibri" panose="020F0502020204030204" pitchFamily="34" charset="0"/>
+                <a:cs typeface="Calibri" panose="020F0502020204030204" pitchFamily="34" charset="0"/>
+              </a:rPr>
+              <a:t>exclusive </a:t>
+            </a:r>
+            <a:r>
+              <a:rPr lang="en-US" sz="1800" b="0" i="0" u="none" strike="noStrike" baseline="0" dirty="0">
+                <a:latin typeface="Calibri" panose="020F0502020204030204" pitchFamily="34" charset="0"/>
+                <a:cs typeface="Calibri" panose="020F0502020204030204" pitchFamily="34" charset="0"/>
+              </a:rPr>
+              <a:t>access to a common resource</a:t>
+            </a:r>
+            <a:endParaRPr lang="en-US" sz="1800" b="0" i="0" u="none" strike="noStrike" baseline="0" dirty="0">
+              <a:latin typeface="Calibri" panose="020F0502020204030204" pitchFamily="34" charset="0"/>
+              <a:cs typeface="Calibri" panose="020F0502020204030204" pitchFamily="34" charset="0"/>
+            </a:endParaRPr>
+          </a:p>
+          <a:p>
+            <a:pPr algn="l"/>
+            <a:endParaRPr lang="en-US" sz="1800" b="0" i="1" u="none" strike="noStrike" baseline="0" dirty="0">
+              <a:latin typeface="Calibri" panose="020F0502020204030204" pitchFamily="34" charset="0"/>
+              <a:cs typeface="Calibri" panose="020F0502020204030204" pitchFamily="34" charset="0"/>
+            </a:endParaRPr>
+          </a:p>
+          <a:p>
+            <a:pPr algn="l"/>
+            <a:endParaRPr lang="en-US" sz="1800" i="1" dirty="0">
+              <a:latin typeface="Calibri" panose="020F0502020204030204" pitchFamily="34" charset="0"/>
+              <a:cs typeface="Calibri" panose="020F0502020204030204" pitchFamily="34" charset="0"/>
+            </a:endParaRPr>
+          </a:p>
+          <a:p>
+            <a:pPr algn="l"/>
+            <a:endParaRPr lang="en-US" sz="1800" b="0" i="1" u="none" strike="noStrike" baseline="0" dirty="0">
+              <a:latin typeface="Calibri" panose="020F0502020204030204" pitchFamily="34" charset="0"/>
+              <a:cs typeface="Calibri" panose="020F0502020204030204" pitchFamily="34" charset="0"/>
+            </a:endParaRPr>
+          </a:p>
+          <a:p>
+            <a:pPr algn="l"/>
+            <a:endParaRPr lang="en-US" sz="1800" b="0" i="1" u="none" strike="noStrike" baseline="0" dirty="0">
+              <a:latin typeface="Calibri" panose="020F0502020204030204" pitchFamily="34" charset="0"/>
+              <a:cs typeface="Calibri" panose="020F0502020204030204" pitchFamily="34" charset="0"/>
+            </a:endParaRPr>
+          </a:p>
+          <a:p>
+            <a:pPr algn="l"/>
+            <a:r>
+              <a:rPr lang="en-US" sz="1800" b="0" i="1" u="none" strike="noStrike" baseline="0" dirty="0">
+                <a:latin typeface="Calibri" panose="020F0502020204030204" pitchFamily="34" charset="0"/>
+                <a:cs typeface="Calibri" panose="020F0502020204030204" pitchFamily="34" charset="0"/>
+              </a:rPr>
+              <a:t>Output: </a:t>
+            </a:r>
+            <a:r>
+              <a:rPr lang="en-US" sz="1800" b="0" i="0" u="none" strike="noStrike" baseline="0" dirty="0">
+                <a:latin typeface="Calibri" panose="020F0502020204030204" pitchFamily="34" charset="0"/>
+                <a:cs typeface="Calibri" panose="020F0502020204030204" pitchFamily="34" charset="0"/>
+              </a:rPr>
+              <a:t>the largest set </a:t>
+            </a:r>
+            <a:r>
+              <a:rPr lang="en-US" sz="1800" b="0" i="1" u="none" strike="noStrike" baseline="0" dirty="0">
+                <a:latin typeface="Calibri" panose="020F0502020204030204" pitchFamily="34" charset="0"/>
+                <a:cs typeface="Calibri" panose="020F0502020204030204" pitchFamily="34" charset="0"/>
+              </a:rPr>
+              <a:t>A </a:t>
+            </a:r>
+            <a:r>
+              <a:rPr lang="en-US" sz="1800" b="0" i="0" u="none" strike="noStrike" baseline="0" dirty="0">
+                <a:latin typeface="Calibri" panose="020F0502020204030204" pitchFamily="34" charset="0"/>
+                <a:cs typeface="Calibri" panose="020F0502020204030204" pitchFamily="34" charset="0"/>
+              </a:rPr>
+              <a:t>of nonoverlapping activities</a:t>
+            </a:r>
+            <a:endParaRPr lang="en-US" sz="1800" b="0" i="0" u="none" strike="noStrike" baseline="0" dirty="0">
+              <a:latin typeface="Calibri" panose="020F0502020204030204" pitchFamily="34" charset="0"/>
+              <a:cs typeface="Calibri" panose="020F0502020204030204" pitchFamily="34" charset="0"/>
+            </a:endParaRPr>
+          </a:p>
+          <a:p>
+            <a:pPr algn="l"/>
+            <a:r>
+              <a:rPr lang="en-US" sz="1800" b="0" i="1" u="none" strike="noStrike" baseline="0" dirty="0">
+                <a:latin typeface="Calibri" panose="020F0502020204030204" pitchFamily="34" charset="0"/>
+                <a:cs typeface="Calibri" panose="020F0502020204030204" pitchFamily="34" charset="0"/>
+              </a:rPr>
+              <a:t>Example: </a:t>
+            </a:r>
+            <a:r>
+              <a:rPr lang="en-US" sz="1800" b="0" i="0" u="none" strike="noStrike" baseline="0" dirty="0">
+                <a:latin typeface="Calibri" panose="020F0502020204030204" pitchFamily="34" charset="0"/>
+                <a:cs typeface="Calibri" panose="020F0502020204030204" pitchFamily="34" charset="0"/>
+              </a:rPr>
+              <a:t>schedule use of a room to maximize the number of events that use it</a:t>
+            </a:r>
+            <a:endParaRPr lang="en-CA" altLang="en-US" sz="2735" dirty="0">
+              <a:latin typeface="Calibri" panose="020F0502020204030204" pitchFamily="34" charset="0"/>
+              <a:cs typeface="Calibri" panose="020F0502020204030204" pitchFamily="34" charset="0"/>
+            </a:endParaRPr>
           </a:p>
         </p:txBody>
       </p:sp>
       <p:pic>
         <p:nvPicPr>
-          <p:cNvPr id="4" name="Content Placeholder 3">
-            <a:extLst>
-              <a:ext uri="{FF2B5EF4-FFF2-40B4-BE49-F238E27FC236}">
-                <a16:creationId xmlns:a16="http://schemas.microsoft.com/office/drawing/2014/main" id="{38700B50-5B51-42FE-A906-96CD47508ECA}"/>
-              </a:ext>
-            </a:extLst>
-          </p:cNvPr>
+          <p:cNvPr id="4" name="Picture 3"/>
+          <p:cNvPicPr>
+            <a:picLocks noChangeAspect="1"/>
+          </p:cNvPicPr>
+          <p:nvPr/>
+        </p:nvPicPr>
+        <p:blipFill>
+          <a:blip r:embed="rId1"/>
+          <a:stretch>
+            <a:fillRect/>
+          </a:stretch>
+        </p:blipFill>
+        <p:spPr>
+          <a:xfrm>
+            <a:off x="2699829" y="1950683"/>
+            <a:ext cx="6153150" cy="1181100"/>
+          </a:xfrm>
+          <a:prstGeom prst="rect">
+            <a:avLst/>
+          </a:prstGeom>
+        </p:spPr>
+      </p:pic>
+      <p:pic>
+        <p:nvPicPr>
+          <p:cNvPr id="6" name="Picture 5"/>
+          <p:cNvPicPr>
+            <a:picLocks noChangeAspect="1"/>
+          </p:cNvPicPr>
+          <p:nvPr/>
+        </p:nvPicPr>
+        <p:blipFill>
+          <a:blip r:embed="rId2"/>
+          <a:stretch>
+            <a:fillRect/>
+          </a:stretch>
+        </p:blipFill>
+        <p:spPr>
+          <a:xfrm>
+            <a:off x="2895091" y="4324535"/>
+            <a:ext cx="5762625" cy="1600200"/>
+          </a:xfrm>
+          <a:prstGeom prst="rect">
+            <a:avLst/>
+          </a:prstGeom>
+        </p:spPr>
+      </p:pic>
+    </p:spTree>
+  </p:cSld>
+  <p:clrMapOvr>
+    <a:masterClrMapping/>
+  </p:clrMapOvr>
+  <p:transition spd="slow">
+    <p:wipe/>
+  </p:transition>
+</p:sld>
+</file>
+
+<file path=ppt/slides/slide15.xml><?xml version="1.0" encoding="utf-8"?>
+<p:sld xmlns:a="http://schemas.openxmlformats.org/drawingml/2006/main" xmlns:r="http://schemas.openxmlformats.org/officeDocument/2006/relationships" xmlns:p="http://schemas.openxmlformats.org/presentationml/2006/main">
+  <p:cSld>
+    <p:spTree>
+      <p:nvGrpSpPr>
+        <p:cNvPr id="1" name=""/>
+        <p:cNvGrpSpPr/>
+        <p:nvPr/>
+      </p:nvGrpSpPr>
+      <p:grpSpPr>
+        <a:xfrm>
+          <a:off x="0" y="0"/>
+          <a:ext cx="0" cy="0"/>
+          <a:chOff x="0" y="0"/>
+          <a:chExt cx="0" cy="0"/>
+        </a:xfrm>
+      </p:grpSpPr>
+      <p:sp>
+        <p:nvSpPr>
+          <p:cNvPr id="15" name="任意多边形 14"/>
+          <p:cNvSpPr/>
+          <p:nvPr/>
+        </p:nvSpPr>
+        <p:spPr>
+          <a:xfrm>
+            <a:off x="0" y="274638"/>
+            <a:ext cx="890588" cy="639763"/>
+          </a:xfrm>
+          <a:custGeom>
+            <a:avLst/>
+            <a:gdLst>
+              <a:gd name="connsiteX0" fmla="*/ 0 w 1029743"/>
+              <a:gd name="connsiteY0" fmla="*/ 0 h 739718"/>
+              <a:gd name="connsiteX1" fmla="*/ 659884 w 1029743"/>
+              <a:gd name="connsiteY1" fmla="*/ 0 h 739718"/>
+              <a:gd name="connsiteX2" fmla="*/ 1029743 w 1029743"/>
+              <a:gd name="connsiteY2" fmla="*/ 369859 h 739718"/>
+              <a:gd name="connsiteX3" fmla="*/ 659884 w 1029743"/>
+              <a:gd name="connsiteY3" fmla="*/ 739718 h 739718"/>
+              <a:gd name="connsiteX4" fmla="*/ 0 w 1029743"/>
+              <a:gd name="connsiteY4" fmla="*/ 739718 h 739718"/>
+            </a:gdLst>
+            <a:ahLst/>
+            <a:cxnLst>
+              <a:cxn ang="0">
+                <a:pos x="connsiteX0" y="connsiteY0"/>
+              </a:cxn>
+              <a:cxn ang="0">
+                <a:pos x="connsiteX1" y="connsiteY1"/>
+              </a:cxn>
+              <a:cxn ang="0">
+                <a:pos x="connsiteX2" y="connsiteY2"/>
+              </a:cxn>
+              <a:cxn ang="0">
+                <a:pos x="connsiteX3" y="connsiteY3"/>
+              </a:cxn>
+              <a:cxn ang="0">
+                <a:pos x="connsiteX4" y="connsiteY4"/>
+              </a:cxn>
+            </a:cxnLst>
+            <a:rect l="l" t="t" r="r" b="b"/>
+            <a:pathLst>
+              <a:path w="1029743" h="739718">
+                <a:moveTo>
+                  <a:pt x="0" y="0"/>
+                </a:moveTo>
+                <a:lnTo>
+                  <a:pt x="659884" y="0"/>
+                </a:lnTo>
+                <a:cubicBezTo>
+                  <a:pt x="864151" y="0"/>
+                  <a:pt x="1029743" y="165592"/>
+                  <a:pt x="1029743" y="369859"/>
+                </a:cubicBezTo>
+                <a:cubicBezTo>
+                  <a:pt x="1029743" y="574126"/>
+                  <a:pt x="864151" y="739718"/>
+                  <a:pt x="659884" y="739718"/>
+                </a:cubicBezTo>
+                <a:lnTo>
+                  <a:pt x="0" y="739718"/>
+                </a:lnTo>
+                <a:close/>
+              </a:path>
+            </a:pathLst>
+          </a:custGeom>
+          <a:solidFill>
+            <a:srgbClr val="05B780"/>
+          </a:solidFill>
+          <a:ln>
+            <a:noFill/>
+          </a:ln>
+        </p:spPr>
+        <p:style>
+          <a:lnRef idx="2">
+            <a:schemeClr val="accent1">
+              <a:shade val="50000"/>
+            </a:schemeClr>
+          </a:lnRef>
+          <a:fillRef idx="1">
+            <a:schemeClr val="accent1"/>
+          </a:fillRef>
+          <a:effectRef idx="0">
+            <a:schemeClr val="accent1"/>
+          </a:effectRef>
+          <a:fontRef idx="minor">
+            <a:schemeClr val="lt1"/>
+          </a:fontRef>
+        </p:style>
+        <p:txBody>
+          <a:bodyPr anchor="ctr"/>
+          <a:lstStyle/>
+          <a:p>
+            <a:pPr marL="0" marR="0" lvl="0" indent="0" algn="ctr" defTabSz="914400" rtl="0" eaLnBrk="1" fontAlgn="auto" latinLnBrk="0" hangingPunct="1">
+              <a:lnSpc>
+                <a:spcPct val="100000"/>
+              </a:lnSpc>
+              <a:spcBef>
+                <a:spcPts val="0"/>
+              </a:spcBef>
+              <a:spcAft>
+                <a:spcPts val="0"/>
+              </a:spcAft>
+              <a:buClrTx/>
+              <a:buSzTx/>
+              <a:buFontTx/>
+              <a:buNone/>
+              <a:defRPr/>
+            </a:pPr>
+            <a:endParaRPr kumimoji="0" lang="zh-CN" altLang="en-US" sz="1800" b="0" i="0" u="none" strike="noStrike" kern="1200" cap="none" spc="0" normalizeH="0" baseline="0" noProof="0">
+              <a:ln>
+                <a:noFill/>
+              </a:ln>
+              <a:solidFill>
+                <a:schemeClr val="bg1"/>
+              </a:solidFill>
+              <a:effectLst/>
+              <a:uLnTx/>
+              <a:uFillTx/>
+              <a:latin typeface="+mn-lt"/>
+              <a:ea typeface="+mn-ea"/>
+              <a:cs typeface="+mn-cs"/>
+            </a:endParaRPr>
+          </a:p>
+        </p:txBody>
+      </p:sp>
+      <p:sp>
+        <p:nvSpPr>
+          <p:cNvPr id="7170" name="文本框 156"/>
+          <p:cNvSpPr txBox="1"/>
+          <p:nvPr/>
+        </p:nvSpPr>
+        <p:spPr>
+          <a:xfrm>
+            <a:off x="0" y="350838"/>
+            <a:ext cx="814388" cy="521970"/>
+          </a:xfrm>
+          <a:prstGeom prst="rect">
+            <a:avLst/>
+          </a:prstGeom>
+          <a:noFill/>
+          <a:ln w="9525">
+            <a:noFill/>
+          </a:ln>
+        </p:spPr>
+        <p:txBody>
+          <a:bodyPr anchor="t" anchorCtr="0">
+            <a:spAutoFit/>
+          </a:bodyPr>
+          <a:lstStyle/>
+          <a:p>
+            <a:pPr>
+              <a:buFont typeface="Arial" panose="020B0604020202020204" pitchFamily="34" charset="0"/>
+            </a:pPr>
+            <a:r>
+              <a:rPr lang="en-US" altLang="zh-CN" sz="2800" b="1" dirty="0">
+                <a:solidFill>
+                  <a:schemeClr val="bg1"/>
+                </a:solidFill>
+                <a:latin typeface="Microsoft YaHei" panose="020B0503020204020204" pitchFamily="34" charset="-122"/>
+                <a:ea typeface="Microsoft YaHei" panose="020B0503020204020204" pitchFamily="34" charset="-122"/>
+              </a:rPr>
+              <a:t>2.1</a:t>
+            </a:r>
+            <a:endParaRPr lang="en-US" altLang="zh-CN" sz="2800" b="1" dirty="0">
+              <a:solidFill>
+                <a:schemeClr val="bg1"/>
+              </a:solidFill>
+              <a:latin typeface="Microsoft YaHei" panose="020B0503020204020204" pitchFamily="34" charset="-122"/>
+              <a:ea typeface="Microsoft YaHei" panose="020B0503020204020204" pitchFamily="34" charset="-122"/>
+            </a:endParaRPr>
+          </a:p>
+        </p:txBody>
+      </p:sp>
+      <p:sp>
+        <p:nvSpPr>
+          <p:cNvPr id="16" name="Rectangle 6"/>
+          <p:cNvSpPr>
+            <a:spLocks noChangeArrowheads="1"/>
+          </p:cNvSpPr>
+          <p:nvPr/>
+        </p:nvSpPr>
+        <p:spPr bwMode="black">
+          <a:xfrm>
+            <a:off x="1021080" y="334010"/>
+            <a:ext cx="8777605" cy="521970"/>
+          </a:xfrm>
+          <a:prstGeom prst="rect">
+            <a:avLst/>
+          </a:prstGeom>
+          <a:noFill/>
+          <a:ln>
+            <a:noFill/>
+          </a:ln>
+          <a:effectLst/>
+          <a:extLst>
+            <a:ext uri="{909E8E84-426E-40DD-AFC4-6F175D3DCCD1}">
+              <a14:hiddenFill xmlns:a14="http://schemas.microsoft.com/office/drawing/2010/main">
+                <a:solidFill>
+                  <a:schemeClr val="accent1"/>
+                </a:solidFill>
+              </a14:hiddenFill>
+            </a:ext>
+            <a:ext uri="{91240B29-F687-4F45-9708-019B960494DF}">
+              <a14:hiddenLine xmlns:a14="http://schemas.microsoft.com/office/drawing/2010/main" w="9525">
+                <a:solidFill>
+                  <a:schemeClr val="tx1"/>
+                </a:solidFill>
+                <a:miter lim="800000"/>
+                <a:headEnd/>
+                <a:tailEnd/>
+              </a14:hiddenLine>
+            </a:ext>
+            <a:ext uri="{AF507438-7753-43E0-B8FC-AC1667EBCBE1}">
+              <a14:hiddenEffects xmlns:a14="http://schemas.microsoft.com/office/drawing/2010/main">
+                <a:effectLst>
+                  <a:outerShdw dist="35921" dir="2700000" algn="ctr" rotWithShape="0">
+                    <a:schemeClr val="bg2"/>
+                  </a:outerShdw>
+                </a:effectLst>
+              </a14:hiddenEffects>
+            </a:ext>
+          </a:extLst>
+        </p:spPr>
+        <p:txBody>
+          <a:bodyPr wrap="square">
+            <a:spAutoFit/>
+          </a:bodyPr>
+          <a:lstStyle/>
+          <a:p>
+            <a:pPr eaLnBrk="0" fontAlgn="auto" hangingPunct="0">
+              <a:spcBef>
+                <a:spcPts val="0"/>
+              </a:spcBef>
+              <a:spcAft>
+                <a:spcPts val="0"/>
+              </a:spcAft>
+              <a:defRPr/>
+            </a:pPr>
+            <a:r>
+              <a:rPr kumimoji="0" lang="en-CA" altLang="en-US" sz="2800" b="1" i="0" u="none" strike="noStrike" kern="1200" cap="none" spc="0" normalizeH="0" baseline="0" noProof="0" dirty="0">
+                <a:ln>
+                  <a:noFill/>
+                </a:ln>
+                <a:solidFill>
+                  <a:schemeClr val="tx1">
+                    <a:lumMod val="85000"/>
+                    <a:lumOff val="15000"/>
+                  </a:schemeClr>
+                </a:solidFill>
+                <a:effectLst/>
+                <a:uLnTx/>
+                <a:uFillTx/>
+                <a:latin typeface="Microsoft YaHei" panose="020B0503020204020204" pitchFamily="34" charset="-122"/>
+                <a:ea typeface="Microsoft YaHei" panose="020B0503020204020204" pitchFamily="34" charset="-122"/>
+                <a:cs typeface="+mn-cs"/>
+                <a:sym typeface="+mn-ea"/>
+              </a:rPr>
+              <a:t>Example: Clustering</a:t>
+            </a:r>
+            <a:endParaRPr kumimoji="0" lang="en-CA" altLang="en-US" sz="2800" b="1" i="0" u="none" strike="noStrike" kern="1200" cap="none" spc="0" normalizeH="0" baseline="0" noProof="0" dirty="0">
+              <a:ln>
+                <a:noFill/>
+              </a:ln>
+              <a:solidFill>
+                <a:schemeClr val="tx1">
+                  <a:lumMod val="85000"/>
+                  <a:lumOff val="15000"/>
+                </a:schemeClr>
+              </a:solidFill>
+              <a:effectLst/>
+              <a:uLnTx/>
+              <a:uFillTx/>
+              <a:latin typeface="Microsoft YaHei" panose="020B0503020204020204" pitchFamily="34" charset="-122"/>
+              <a:ea typeface="Microsoft YaHei" panose="020B0503020204020204" pitchFamily="34" charset="-122"/>
+              <a:cs typeface="+mn-cs"/>
+              <a:sym typeface="+mn-ea"/>
+            </a:endParaRPr>
+          </a:p>
+        </p:txBody>
+      </p:sp>
+      <p:pic>
+        <p:nvPicPr>
+          <p:cNvPr id="4" name="Content Placeholder 3"/>
           <p:cNvPicPr>
             <a:picLocks noGrp="1" noChangeAspect="1"/>
           </p:cNvPicPr>
@@ -6756,7 +7307,7 @@
           </p:nvPr>
         </p:nvPicPr>
         <p:blipFill>
-          <a:blip r:embed="rId2"/>
+          <a:blip r:embed="rId1"/>
           <a:stretch>
             <a:fillRect/>
           </a:stretch>
@@ -6770,20 +7321,14 @@
       </p:pic>
       <p:pic>
         <p:nvPicPr>
-          <p:cNvPr id="6" name="Picture 5">
-            <a:extLst>
-              <a:ext uri="{FF2B5EF4-FFF2-40B4-BE49-F238E27FC236}">
-                <a16:creationId xmlns:a16="http://schemas.microsoft.com/office/drawing/2014/main" id="{255FC2E2-1DA2-40D5-B20A-ED4848671FDF}"/>
-              </a:ext>
-            </a:extLst>
-          </p:cNvPr>
+          <p:cNvPr id="6" name="Picture 5"/>
           <p:cNvPicPr>
             <a:picLocks noChangeAspect="1"/>
           </p:cNvPicPr>
           <p:nvPr/>
         </p:nvPicPr>
         <p:blipFill>
-          <a:blip r:embed="rId3"/>
+          <a:blip r:embed="rId2"/>
           <a:stretch>
             <a:fillRect/>
           </a:stretch>
@@ -6799,11 +7344,6 @@
         </p:spPr>
       </p:pic>
     </p:spTree>
-    <p:extLst>
-      <p:ext uri="{BB962C8B-B14F-4D97-AF65-F5344CB8AC3E}">
-        <p14:creationId xmlns:p14="http://schemas.microsoft.com/office/powerpoint/2010/main" val="3315312966"/>
-      </p:ext>
-    </p:extLst>
   </p:cSld>
   <p:clrMapOvr>
     <a:masterClrMapping/>
@@ -6814,7 +7354,7 @@
 </p:sld>
 </file>
 
-<file path=ppt/slides/slide15.xml><?xml version="1.0" encoding="utf-8"?>
+<file path=ppt/slides/slide16.xml><?xml version="1.0" encoding="utf-8"?>
 <p:sld xmlns:a="http://schemas.openxmlformats.org/drawingml/2006/main" xmlns:r="http://schemas.openxmlformats.org/officeDocument/2006/relationships" xmlns:p="http://schemas.openxmlformats.org/presentationml/2006/main">
   <p:cSld>
     <p:spTree>
@@ -7121,6 +7661,13 @@
               </a:rPr>
               <a:t>Dynamic Programming</a:t>
             </a:r>
+            <a:endParaRPr lang="en-CA" altLang="en-US" sz="3200" b="1" dirty="0">
+              <a:solidFill>
+                <a:srgbClr val="05B780"/>
+              </a:solidFill>
+              <a:latin typeface="Microsoft YaHei" panose="020B0503020204020204" pitchFamily="34" charset="-122"/>
+              <a:ea typeface="Microsoft YaHei" panose="020B0503020204020204" pitchFamily="34" charset="-122"/>
+            </a:endParaRPr>
           </a:p>
         </p:txBody>
       </p:sp>
@@ -7253,6 +7800,13 @@
                 </a:rPr>
                 <a:t>03</a:t>
               </a:r>
+              <a:endParaRPr lang="en-US" altLang="zh-CN" sz="4400" b="1" dirty="0">
+                <a:solidFill>
+                  <a:schemeClr val="bg1"/>
+                </a:solidFill>
+                <a:latin typeface="Microsoft YaHei" panose="020B0503020204020204" pitchFamily="34" charset="-122"/>
+                <a:ea typeface="Microsoft YaHei" panose="020B0503020204020204" pitchFamily="34" charset="-122"/>
+              </a:endParaRPr>
             </a:p>
           </p:txBody>
         </p:sp>
@@ -7268,7 +7822,7 @@
 </p:sld>
 </file>
 
-<file path=ppt/slides/slide16.xml><?xml version="1.0" encoding="utf-8"?>
+<file path=ppt/slides/slide17.xml><?xml version="1.0" encoding="utf-8"?>
 <p:sld xmlns:a="http://schemas.openxmlformats.org/drawingml/2006/main" xmlns:r="http://schemas.openxmlformats.org/officeDocument/2006/relationships" xmlns:p="http://schemas.openxmlformats.org/presentationml/2006/main">
   <p:cSld>
     <p:spTree>
@@ -7452,6 +8006,13 @@
               </a:rPr>
               <a:t>2.1</a:t>
             </a:r>
+            <a:endParaRPr lang="en-US" altLang="zh-CN" sz="2800" b="1" dirty="0">
+              <a:solidFill>
+                <a:schemeClr val="bg1"/>
+              </a:solidFill>
+              <a:latin typeface="Microsoft YaHei" panose="020B0503020204020204" pitchFamily="34" charset="-122"/>
+              <a:ea typeface="Microsoft YaHei" panose="020B0503020204020204" pitchFamily="34" charset="-122"/>
+            </a:endParaRPr>
           </a:p>
         </p:txBody>
       </p:sp>
@@ -7541,6 +8102,24 @@
               </a:rPr>
               <a:t>Introduction to DP</a:t>
             </a:r>
+            <a:endParaRPr kumimoji="0" lang="en-CA" altLang="en-US" sz="2800" b="1" i="0" u="none" strike="noStrike" kern="1200" cap="none" spc="0" normalizeH="0" baseline="0" noProof="0" dirty="0">
+              <a:ln>
+                <a:noFill/>
+              </a:ln>
+              <a:solidFill>
+                <a:schemeClr val="tx1">
+                  <a:lumMod val="85000"/>
+                  <a:lumOff val="15000"/>
+                </a:schemeClr>
+              </a:solidFill>
+              <a:effectLst/>
+              <a:uLnTx/>
+              <a:uFillTx/>
+              <a:latin typeface="Microsoft YaHei" panose="020B0503020204020204" pitchFamily="34" charset="-122"/>
+              <a:ea typeface="Microsoft YaHei" panose="020B0503020204020204" pitchFamily="34" charset="-122"/>
+              <a:cs typeface="+mn-cs"/>
+              <a:sym typeface="+mn-ea"/>
+            </a:endParaRPr>
           </a:p>
         </p:txBody>
       </p:sp>
@@ -7567,53 +8146,68 @@
             <a:pPr algn="l"/>
             <a:r>
               <a:rPr lang="en-US" sz="3600" b="0" i="0" u="none" strike="noStrike" baseline="0" dirty="0">
-                <a:latin typeface="ArialMT"/>
+                <a:latin typeface="Calibri" panose="020F0502020204030204" pitchFamily="34" charset="0"/>
+                <a:cs typeface="Calibri" panose="020F0502020204030204" pitchFamily="34" charset="0"/>
               </a:rPr>
               <a:t>Algorithm design technique</a:t>
             </a:r>
+            <a:endParaRPr lang="en-US" sz="3600" b="0" i="0" u="none" strike="noStrike" baseline="0" dirty="0">
+              <a:latin typeface="Calibri" panose="020F0502020204030204" pitchFamily="34" charset="0"/>
+              <a:cs typeface="Calibri" panose="020F0502020204030204" pitchFamily="34" charset="0"/>
+            </a:endParaRPr>
           </a:p>
           <a:p>
             <a:pPr lvl="1"/>
             <a:r>
               <a:rPr lang="en-US" sz="2800" b="0" i="0" u="none" strike="noStrike" baseline="0" dirty="0">
-                <a:latin typeface="ArialMT"/>
+                <a:latin typeface="Calibri" panose="020F0502020204030204" pitchFamily="34" charset="0"/>
+                <a:cs typeface="Calibri" panose="020F0502020204030204" pitchFamily="34" charset="0"/>
               </a:rPr>
               <a:t>Many apparently exponential optimization problems have polynomial solutions using DP.</a:t>
             </a:r>
+            <a:endParaRPr lang="en-US" sz="2800" b="0" i="0" u="none" strike="noStrike" baseline="0" dirty="0">
+              <a:latin typeface="Calibri" panose="020F0502020204030204" pitchFamily="34" charset="0"/>
+              <a:cs typeface="Calibri" panose="020F0502020204030204" pitchFamily="34" charset="0"/>
+            </a:endParaRPr>
           </a:p>
           <a:p>
             <a:pPr algn="l"/>
             <a:r>
               <a:rPr lang="en-US" sz="3600" b="0" i="0" u="none" strike="noStrike" baseline="0" dirty="0">
-                <a:latin typeface="ArialMT"/>
+                <a:latin typeface="Calibri" panose="020F0502020204030204" pitchFamily="34" charset="0"/>
+                <a:cs typeface="Calibri" panose="020F0502020204030204" pitchFamily="34" charset="0"/>
               </a:rPr>
               <a:t>Has been described as </a:t>
             </a:r>
             <a:r>
               <a:rPr lang="en-US" sz="3600" b="0" i="1" u="none" strike="noStrike" baseline="0" dirty="0">
-                <a:latin typeface="Arial-ItalicMT"/>
+                <a:latin typeface="Calibri" panose="020F0502020204030204" pitchFamily="34" charset="0"/>
+                <a:cs typeface="Calibri" panose="020F0502020204030204" pitchFamily="34" charset="0"/>
               </a:rPr>
               <a:t>divide and conquer with memory</a:t>
             </a:r>
+            <a:endParaRPr lang="en-US" sz="3600" b="0" i="1" u="none" strike="noStrike" baseline="0" dirty="0">
+              <a:latin typeface="Calibri" panose="020F0502020204030204" pitchFamily="34" charset="0"/>
+              <a:cs typeface="Calibri" panose="020F0502020204030204" pitchFamily="34" charset="0"/>
+            </a:endParaRPr>
           </a:p>
           <a:p>
             <a:pPr algn="l"/>
             <a:r>
               <a:rPr lang="en-US" sz="3600" b="0" i="0" u="none" strike="noStrike" baseline="0" dirty="0">
-                <a:latin typeface="ArialMT"/>
+                <a:latin typeface="Calibri" panose="020F0502020204030204" pitchFamily="34" charset="0"/>
+                <a:cs typeface="Calibri" panose="020F0502020204030204" pitchFamily="34" charset="0"/>
               </a:rPr>
               <a:t>Title refers not to computer programming, but to the process of gradually (i.e., dynamically) filling a table of partial results in a systematic way</a:t>
             </a:r>
-            <a:endParaRPr lang="en-CA" altLang="en-US" sz="4400" dirty="0"/>
+            <a:endParaRPr lang="en-CA" altLang="en-US" sz="4400" dirty="0">
+              <a:latin typeface="Calibri" panose="020F0502020204030204" pitchFamily="34" charset="0"/>
+              <a:cs typeface="Calibri" panose="020F0502020204030204" pitchFamily="34" charset="0"/>
+            </a:endParaRPr>
           </a:p>
         </p:txBody>
       </p:sp>
     </p:spTree>
-    <p:extLst>
-      <p:ext uri="{BB962C8B-B14F-4D97-AF65-F5344CB8AC3E}">
-        <p14:creationId xmlns:p14="http://schemas.microsoft.com/office/powerpoint/2010/main" val="1944298164"/>
-      </p:ext>
-    </p:extLst>
   </p:cSld>
   <p:clrMapOvr>
     <a:masterClrMapping/>
@@ -7624,7 +8218,7 @@
 </p:sld>
 </file>
 
-<file path=ppt/slides/slide17.xml><?xml version="1.0" encoding="utf-8"?>
+<file path=ppt/slides/slide18.xml><?xml version="1.0" encoding="utf-8"?>
 <p:sld xmlns:a="http://schemas.openxmlformats.org/drawingml/2006/main" xmlns:r="http://schemas.openxmlformats.org/officeDocument/2006/relationships" xmlns:p="http://schemas.openxmlformats.org/presentationml/2006/main">
   <p:cSld>
     <p:spTree>
@@ -7808,6 +8402,13 @@
               </a:rPr>
               <a:t>2.1</a:t>
             </a:r>
+            <a:endParaRPr lang="en-US" altLang="zh-CN" sz="2800" b="1" dirty="0">
+              <a:solidFill>
+                <a:schemeClr val="bg1"/>
+              </a:solidFill>
+              <a:latin typeface="Microsoft YaHei" panose="020B0503020204020204" pitchFamily="34" charset="-122"/>
+              <a:ea typeface="Microsoft YaHei" panose="020B0503020204020204" pitchFamily="34" charset="-122"/>
+            </a:endParaRPr>
           </a:p>
         </p:txBody>
       </p:sp>
@@ -7936,6 +8537,7 @@
               <a:rPr lang="en-CA" altLang="en-US" sz="2735" dirty="0"/>
               <a:t>Given n, find the nth number in the Fibonacci sequence</a:t>
             </a:r>
+            <a:endParaRPr lang="en-CA" altLang="en-US" sz="2735" dirty="0"/>
           </a:p>
           <a:p>
             <a:pPr lvl="1"/>
@@ -7943,6 +8545,7 @@
               <a:rPr lang="en-CA" altLang="en-US" sz="2735" dirty="0"/>
               <a:t>We’ve seen the recursive version, which is resembles a form of divide-and-conquer</a:t>
             </a:r>
+            <a:endParaRPr lang="en-CA" altLang="en-US" sz="2735" dirty="0"/>
           </a:p>
           <a:p>
             <a:pPr lvl="1"/>
@@ -7966,6 +8569,7 @@
               <a:rPr lang="en-CA" altLang="en-US" sz="2735" dirty="0"/>
               <a:t>Time complexity: </a:t>
             </a:r>
+            <a:endParaRPr lang="en-CA" altLang="en-US" sz="2735" dirty="0"/>
           </a:p>
           <a:p>
             <a:pPr lvl="2"/>
@@ -7973,6 +8577,7 @@
               <a:rPr lang="en-CA" altLang="en-US" sz="2335" dirty="0"/>
               <a:t>T(n) = T(n-1) + T(n-2) + 1 &gt;= 2T(n-2) + 1 &gt;= 2^(n/2)</a:t>
             </a:r>
+            <a:endParaRPr lang="en-CA" altLang="en-US" sz="2335" dirty="0"/>
           </a:p>
           <a:p>
             <a:pPr lvl="2"/>
@@ -7980,25 +8585,20 @@
               <a:rPr lang="en-CA" altLang="en-US" sz="2335" dirty="0"/>
               <a:t>Therefore O(n) = 2^n</a:t>
             </a:r>
+            <a:endParaRPr lang="en-CA" altLang="en-US" sz="2335" dirty="0"/>
           </a:p>
         </p:txBody>
       </p:sp>
       <p:pic>
         <p:nvPicPr>
-          <p:cNvPr id="4" name="Picture 3">
-            <a:extLst>
-              <a:ext uri="{FF2B5EF4-FFF2-40B4-BE49-F238E27FC236}">
-                <a16:creationId xmlns:a16="http://schemas.microsoft.com/office/drawing/2014/main" id="{325B8FF5-9FB7-4019-B114-BBD4681B05C1}"/>
-              </a:ext>
-            </a:extLst>
-          </p:cNvPr>
+          <p:cNvPr id="4" name="Picture 3"/>
           <p:cNvPicPr>
             <a:picLocks noChangeAspect="1"/>
           </p:cNvPicPr>
           <p:nvPr/>
         </p:nvPicPr>
         <p:blipFill>
-          <a:blip r:embed="rId2"/>
+          <a:blip r:embed="rId1"/>
           <a:stretch>
             <a:fillRect/>
           </a:stretch>
@@ -8014,11 +8614,6 @@
         </p:spPr>
       </p:pic>
     </p:spTree>
-    <p:extLst>
-      <p:ext uri="{BB962C8B-B14F-4D97-AF65-F5344CB8AC3E}">
-        <p14:creationId xmlns:p14="http://schemas.microsoft.com/office/powerpoint/2010/main" val="2046286003"/>
-      </p:ext>
-    </p:extLst>
   </p:cSld>
   <p:clrMapOvr>
     <a:masterClrMapping/>
@@ -8029,7 +8624,7 @@
 </p:sld>
 </file>
 
-<file path=ppt/slides/slide18.xml><?xml version="1.0" encoding="utf-8"?>
+<file path=ppt/slides/slide19.xml><?xml version="1.0" encoding="utf-8"?>
 <p:sld xmlns:a="http://schemas.openxmlformats.org/drawingml/2006/main" xmlns:r="http://schemas.openxmlformats.org/officeDocument/2006/relationships" xmlns:p="http://schemas.openxmlformats.org/presentationml/2006/main">
   <p:cSld>
     <p:spTree>
@@ -8213,6 +8808,13 @@
               </a:rPr>
               <a:t>2.1</a:t>
             </a:r>
+            <a:endParaRPr lang="en-US" altLang="zh-CN" sz="2800" b="1" dirty="0">
+              <a:solidFill>
+                <a:schemeClr val="bg1"/>
+              </a:solidFill>
+              <a:latin typeface="Microsoft YaHei" panose="020B0503020204020204" pitchFamily="34" charset="-122"/>
+              <a:ea typeface="Microsoft YaHei" panose="020B0503020204020204" pitchFamily="34" charset="-122"/>
+            </a:endParaRPr>
           </a:p>
         </p:txBody>
       </p:sp>
@@ -8302,6 +8904,24 @@
               </a:rPr>
               <a:t>DP Hallmarks</a:t>
             </a:r>
+            <a:endParaRPr kumimoji="0" lang="en-CA" altLang="en-US" sz="2800" b="1" i="0" u="none" strike="noStrike" kern="1200" cap="none" spc="0" normalizeH="0" baseline="0" noProof="0" dirty="0">
+              <a:ln>
+                <a:noFill/>
+              </a:ln>
+              <a:solidFill>
+                <a:schemeClr val="tx1">
+                  <a:lumMod val="85000"/>
+                  <a:lumOff val="15000"/>
+                </a:schemeClr>
+              </a:solidFill>
+              <a:effectLst/>
+              <a:uLnTx/>
+              <a:uFillTx/>
+              <a:latin typeface="Microsoft YaHei" panose="020B0503020204020204" pitchFamily="34" charset="-122"/>
+              <a:ea typeface="Microsoft YaHei" panose="020B0503020204020204" pitchFamily="34" charset="-122"/>
+              <a:cs typeface="+mn-cs"/>
+              <a:sym typeface="+mn-ea"/>
+            </a:endParaRPr>
           </a:p>
         </p:txBody>
       </p:sp>
@@ -8328,511 +8948,117 @@
             <a:pPr algn="l"/>
             <a:r>
               <a:rPr lang="en-US" sz="3200" b="1" i="1" u="none" strike="noStrike" baseline="0" dirty="0">
-                <a:latin typeface="Arial-ItalicMT"/>
+                <a:latin typeface="Calibri" panose="020F0502020204030204" pitchFamily="34" charset="0"/>
+                <a:cs typeface="Calibri" panose="020F0502020204030204" pitchFamily="34" charset="0"/>
               </a:rPr>
               <a:t>Optimal substructure: </a:t>
             </a:r>
+            <a:endParaRPr lang="en-US" sz="3200" b="1" i="1" u="none" strike="noStrike" baseline="0" dirty="0">
+              <a:latin typeface="Calibri" panose="020F0502020204030204" pitchFamily="34" charset="0"/>
+              <a:cs typeface="Calibri" panose="020F0502020204030204" pitchFamily="34" charset="0"/>
+            </a:endParaRPr>
           </a:p>
           <a:p>
             <a:pPr lvl="1"/>
             <a:r>
               <a:rPr lang="en-US" b="0" i="0" u="none" strike="noStrike" baseline="0" dirty="0">
-                <a:latin typeface="ArialMT"/>
+                <a:latin typeface="Calibri" panose="020F0502020204030204" pitchFamily="34" charset="0"/>
+                <a:cs typeface="Calibri" panose="020F0502020204030204" pitchFamily="34" charset="0"/>
               </a:rPr>
               <a:t>An optimal solution to a problem instance is made up of optimal solutions to subproblem instances.</a:t>
             </a:r>
+            <a:endParaRPr lang="en-US" b="0" i="0" u="none" strike="noStrike" baseline="0" dirty="0">
+              <a:latin typeface="Calibri" panose="020F0502020204030204" pitchFamily="34" charset="0"/>
+              <a:cs typeface="Calibri" panose="020F0502020204030204" pitchFamily="34" charset="0"/>
+            </a:endParaRPr>
           </a:p>
           <a:p>
             <a:pPr lvl="1"/>
             <a:r>
               <a:rPr lang="en-US" sz="2000" b="0" i="0" u="none" strike="noStrike" baseline="0" dirty="0">
-                <a:latin typeface="ArialMT"/>
+                <a:latin typeface="Calibri" panose="020F0502020204030204" pitchFamily="34" charset="0"/>
+                <a:cs typeface="Calibri" panose="020F0502020204030204" pitchFamily="34" charset="0"/>
               </a:rPr>
               <a:t>This suggests the possibility of DAC.</a:t>
             </a:r>
+            <a:endParaRPr lang="en-US" sz="2000" b="0" i="0" u="none" strike="noStrike" baseline="0" dirty="0">
+              <a:latin typeface="Calibri" panose="020F0502020204030204" pitchFamily="34" charset="0"/>
+              <a:cs typeface="Calibri" panose="020F0502020204030204" pitchFamily="34" charset="0"/>
+            </a:endParaRPr>
           </a:p>
           <a:p>
             <a:pPr algn="l"/>
             <a:r>
               <a:rPr lang="en-US" b="1" i="1" u="none" strike="noStrike" baseline="0" dirty="0">
-                <a:latin typeface="Arial-ItalicMT"/>
+                <a:latin typeface="Calibri" panose="020F0502020204030204" pitchFamily="34" charset="0"/>
+                <a:cs typeface="Calibri" panose="020F0502020204030204" pitchFamily="34" charset="0"/>
               </a:rPr>
               <a:t>Overlapping subproblems: </a:t>
             </a:r>
+            <a:endParaRPr lang="en-US" b="1" i="1" u="none" strike="noStrike" baseline="0" dirty="0">
+              <a:latin typeface="Calibri" panose="020F0502020204030204" pitchFamily="34" charset="0"/>
+              <a:cs typeface="Calibri" panose="020F0502020204030204" pitchFamily="34" charset="0"/>
+            </a:endParaRPr>
           </a:p>
           <a:p>
             <a:pPr lvl="1"/>
             <a:r>
               <a:rPr lang="en-US" b="0" i="0" u="none" strike="noStrike" baseline="0" dirty="0">
-                <a:latin typeface="ArialMT"/>
+                <a:latin typeface="Calibri" panose="020F0502020204030204" pitchFamily="34" charset="0"/>
+                <a:cs typeface="Calibri" panose="020F0502020204030204" pitchFamily="34" charset="0"/>
               </a:rPr>
               <a:t>A recursive solution contains a </a:t>
             </a:r>
             <a:r>
               <a:rPr lang="en-US" b="0" i="1" u="none" strike="noStrike" baseline="0" dirty="0">
-                <a:latin typeface="Arial-ItalicMT"/>
+                <a:latin typeface="Calibri" panose="020F0502020204030204" pitchFamily="34" charset="0"/>
+                <a:cs typeface="Calibri" panose="020F0502020204030204" pitchFamily="34" charset="0"/>
               </a:rPr>
               <a:t>small number </a:t>
             </a:r>
             <a:r>
               <a:rPr lang="en-US" b="0" i="0" u="none" strike="noStrike" baseline="0" dirty="0">
-                <a:latin typeface="ArialMT"/>
+                <a:latin typeface="Calibri" panose="020F0502020204030204" pitchFamily="34" charset="0"/>
+                <a:cs typeface="Calibri" panose="020F0502020204030204" pitchFamily="34" charset="0"/>
               </a:rPr>
               <a:t>of distinct problem instances repeated </a:t>
             </a:r>
             <a:r>
               <a:rPr lang="en-US" b="0" i="1" u="none" strike="noStrike" baseline="0" dirty="0">
-                <a:latin typeface="Arial-ItalicMT"/>
+                <a:latin typeface="Calibri" panose="020F0502020204030204" pitchFamily="34" charset="0"/>
+                <a:cs typeface="Calibri" panose="020F0502020204030204" pitchFamily="34" charset="0"/>
               </a:rPr>
               <a:t>many </a:t>
             </a:r>
             <a:r>
               <a:rPr lang="en-US" b="0" i="0" u="none" strike="noStrike" baseline="0" dirty="0">
-                <a:latin typeface="ArialMT"/>
+                <a:latin typeface="Calibri" panose="020F0502020204030204" pitchFamily="34" charset="0"/>
+                <a:cs typeface="Calibri" panose="020F0502020204030204" pitchFamily="34" charset="0"/>
               </a:rPr>
               <a:t>times.</a:t>
             </a:r>
+            <a:endParaRPr lang="en-US" b="0" i="0" u="none" strike="noStrike" baseline="0" dirty="0">
+              <a:latin typeface="Calibri" panose="020F0502020204030204" pitchFamily="34" charset="0"/>
+              <a:cs typeface="Calibri" panose="020F0502020204030204" pitchFamily="34" charset="0"/>
+            </a:endParaRPr>
           </a:p>
           <a:p>
             <a:pPr lvl="1"/>
             <a:r>
               <a:rPr lang="en-US" sz="2000" b="0" i="0" u="none" strike="noStrike" baseline="0" dirty="0">
-                <a:latin typeface="ArialMT"/>
+                <a:latin typeface="Calibri" panose="020F0502020204030204" pitchFamily="34" charset="0"/>
+                <a:cs typeface="Calibri" panose="020F0502020204030204" pitchFamily="34" charset="0"/>
               </a:rPr>
               <a:t>This suggests storing solutions to subproblems in case they are needed later.</a:t>
             </a:r>
-            <a:endParaRPr lang="en-CA" altLang="en-US" sz="3200" dirty="0"/>
+            <a:endParaRPr lang="en-CA" altLang="en-US" sz="3200" dirty="0">
+              <a:latin typeface="Calibri" panose="020F0502020204030204" pitchFamily="34" charset="0"/>
+              <a:cs typeface="Calibri" panose="020F0502020204030204" pitchFamily="34" charset="0"/>
+            </a:endParaRPr>
           </a:p>
         </p:txBody>
       </p:sp>
     </p:spTree>
-    <p:extLst>
-      <p:ext uri="{BB962C8B-B14F-4D97-AF65-F5344CB8AC3E}">
-        <p14:creationId xmlns:p14="http://schemas.microsoft.com/office/powerpoint/2010/main" val="2039335756"/>
-      </p:ext>
-    </p:extLst>
-  </p:cSld>
-  <p:clrMapOvr>
-    <a:masterClrMapping/>
-  </p:clrMapOvr>
-  <p:transition spd="slow">
-    <p:wipe/>
-  </p:transition>
-</p:sld>
-</file>
-
-<file path=ppt/slides/slide19.xml><?xml version="1.0" encoding="utf-8"?>
-<p:sld xmlns:a="http://schemas.openxmlformats.org/drawingml/2006/main" xmlns:r="http://schemas.openxmlformats.org/officeDocument/2006/relationships" xmlns:p="http://schemas.openxmlformats.org/presentationml/2006/main">
-  <p:cSld>
-    <p:spTree>
-      <p:nvGrpSpPr>
-        <p:cNvPr id="1" name=""/>
-        <p:cNvGrpSpPr/>
-        <p:nvPr/>
-      </p:nvGrpSpPr>
-      <p:grpSpPr>
-        <a:xfrm>
-          <a:off x="0" y="0"/>
-          <a:ext cx="0" cy="0"/>
-          <a:chOff x="0" y="0"/>
-          <a:chExt cx="0" cy="0"/>
-        </a:xfrm>
-      </p:grpSpPr>
-      <p:sp>
-        <p:nvSpPr>
-          <p:cNvPr id="15" name="任意多边形 14"/>
-          <p:cNvSpPr/>
-          <p:nvPr/>
-        </p:nvSpPr>
-        <p:spPr>
-          <a:xfrm>
-            <a:off x="0" y="274638"/>
-            <a:ext cx="890588" cy="639763"/>
-          </a:xfrm>
-          <a:custGeom>
-            <a:avLst/>
-            <a:gdLst>
-              <a:gd name="connsiteX0" fmla="*/ 0 w 1029743"/>
-              <a:gd name="connsiteY0" fmla="*/ 0 h 739718"/>
-              <a:gd name="connsiteX1" fmla="*/ 659884 w 1029743"/>
-              <a:gd name="connsiteY1" fmla="*/ 0 h 739718"/>
-              <a:gd name="connsiteX2" fmla="*/ 1029743 w 1029743"/>
-              <a:gd name="connsiteY2" fmla="*/ 369859 h 739718"/>
-              <a:gd name="connsiteX3" fmla="*/ 659884 w 1029743"/>
-              <a:gd name="connsiteY3" fmla="*/ 739718 h 739718"/>
-              <a:gd name="connsiteX4" fmla="*/ 0 w 1029743"/>
-              <a:gd name="connsiteY4" fmla="*/ 739718 h 739718"/>
-            </a:gdLst>
-            <a:ahLst/>
-            <a:cxnLst>
-              <a:cxn ang="0">
-                <a:pos x="connsiteX0" y="connsiteY0"/>
-              </a:cxn>
-              <a:cxn ang="0">
-                <a:pos x="connsiteX1" y="connsiteY1"/>
-              </a:cxn>
-              <a:cxn ang="0">
-                <a:pos x="connsiteX2" y="connsiteY2"/>
-              </a:cxn>
-              <a:cxn ang="0">
-                <a:pos x="connsiteX3" y="connsiteY3"/>
-              </a:cxn>
-              <a:cxn ang="0">
-                <a:pos x="connsiteX4" y="connsiteY4"/>
-              </a:cxn>
-            </a:cxnLst>
-            <a:rect l="l" t="t" r="r" b="b"/>
-            <a:pathLst>
-              <a:path w="1029743" h="739718">
-                <a:moveTo>
-                  <a:pt x="0" y="0"/>
-                </a:moveTo>
-                <a:lnTo>
-                  <a:pt x="659884" y="0"/>
-                </a:lnTo>
-                <a:cubicBezTo>
-                  <a:pt x="864151" y="0"/>
-                  <a:pt x="1029743" y="165592"/>
-                  <a:pt x="1029743" y="369859"/>
-                </a:cubicBezTo>
-                <a:cubicBezTo>
-                  <a:pt x="1029743" y="574126"/>
-                  <a:pt x="864151" y="739718"/>
-                  <a:pt x="659884" y="739718"/>
-                </a:cubicBezTo>
-                <a:lnTo>
-                  <a:pt x="0" y="739718"/>
-                </a:lnTo>
-                <a:close/>
-              </a:path>
-            </a:pathLst>
-          </a:custGeom>
-          <a:solidFill>
-            <a:srgbClr val="05B780"/>
-          </a:solidFill>
-          <a:ln>
-            <a:noFill/>
-          </a:ln>
-        </p:spPr>
-        <p:style>
-          <a:lnRef idx="2">
-            <a:schemeClr val="accent1">
-              <a:shade val="50000"/>
-            </a:schemeClr>
-          </a:lnRef>
-          <a:fillRef idx="1">
-            <a:schemeClr val="accent1"/>
-          </a:fillRef>
-          <a:effectRef idx="0">
-            <a:schemeClr val="accent1"/>
-          </a:effectRef>
-          <a:fontRef idx="minor">
-            <a:schemeClr val="lt1"/>
-          </a:fontRef>
-        </p:style>
-        <p:txBody>
-          <a:bodyPr anchor="ctr"/>
-          <a:lstStyle/>
-          <a:p>
-            <a:pPr marL="0" marR="0" lvl="0" indent="0" algn="ctr" defTabSz="914400" rtl="0" eaLnBrk="1" fontAlgn="auto" latinLnBrk="0" hangingPunct="1">
-              <a:lnSpc>
-                <a:spcPct val="100000"/>
-              </a:lnSpc>
-              <a:spcBef>
-                <a:spcPts val="0"/>
-              </a:spcBef>
-              <a:spcAft>
-                <a:spcPts val="0"/>
-              </a:spcAft>
-              <a:buClrTx/>
-              <a:buSzTx/>
-              <a:buFontTx/>
-              <a:buNone/>
-              <a:defRPr/>
-            </a:pPr>
-            <a:endParaRPr kumimoji="0" lang="zh-CN" altLang="en-US" sz="1800" b="0" i="0" u="none" strike="noStrike" kern="1200" cap="none" spc="0" normalizeH="0" baseline="0" noProof="0">
-              <a:ln>
-                <a:noFill/>
-              </a:ln>
-              <a:solidFill>
-                <a:schemeClr val="bg1"/>
-              </a:solidFill>
-              <a:effectLst/>
-              <a:uLnTx/>
-              <a:uFillTx/>
-              <a:latin typeface="+mn-lt"/>
-              <a:ea typeface="+mn-ea"/>
-              <a:cs typeface="+mn-cs"/>
-            </a:endParaRPr>
-          </a:p>
-        </p:txBody>
-      </p:sp>
-      <p:sp>
-        <p:nvSpPr>
-          <p:cNvPr id="7170" name="文本框 156"/>
-          <p:cNvSpPr txBox="1"/>
-          <p:nvPr/>
-        </p:nvSpPr>
-        <p:spPr>
-          <a:xfrm>
-            <a:off x="0" y="350838"/>
-            <a:ext cx="814388" cy="521970"/>
-          </a:xfrm>
-          <a:prstGeom prst="rect">
-            <a:avLst/>
-          </a:prstGeom>
-          <a:noFill/>
-          <a:ln w="9525">
-            <a:noFill/>
-          </a:ln>
-        </p:spPr>
-        <p:txBody>
-          <a:bodyPr anchor="t" anchorCtr="0">
-            <a:spAutoFit/>
-          </a:bodyPr>
-          <a:lstStyle/>
-          <a:p>
-            <a:pPr>
-              <a:buFont typeface="Arial" panose="020B0604020202020204" pitchFamily="34" charset="0"/>
-            </a:pPr>
-            <a:r>
-              <a:rPr lang="en-US" altLang="zh-CN" sz="2800" b="1" dirty="0">
-                <a:solidFill>
-                  <a:schemeClr val="bg1"/>
-                </a:solidFill>
-                <a:latin typeface="Microsoft YaHei" panose="020B0503020204020204" pitchFamily="34" charset="-122"/>
-                <a:ea typeface="Microsoft YaHei" panose="020B0503020204020204" pitchFamily="34" charset="-122"/>
-              </a:rPr>
-              <a:t>2.1</a:t>
-            </a:r>
-          </a:p>
-        </p:txBody>
-      </p:sp>
-      <p:sp>
-        <p:nvSpPr>
-          <p:cNvPr id="16" name="Rectangle 6"/>
-          <p:cNvSpPr>
-            <a:spLocks noChangeArrowheads="1"/>
-          </p:cNvSpPr>
-          <p:nvPr/>
-        </p:nvSpPr>
-        <p:spPr bwMode="black">
-          <a:xfrm>
-            <a:off x="1021080" y="334010"/>
-            <a:ext cx="8777605" cy="521970"/>
-          </a:xfrm>
-          <a:prstGeom prst="rect">
-            <a:avLst/>
-          </a:prstGeom>
-          <a:noFill/>
-          <a:ln>
-            <a:noFill/>
-          </a:ln>
-          <a:effectLst/>
-          <a:extLst>
-            <a:ext uri="{909E8E84-426E-40DD-AFC4-6F175D3DCCD1}">
-              <a14:hiddenFill xmlns:a14="http://schemas.microsoft.com/office/drawing/2010/main">
-                <a:solidFill>
-                  <a:schemeClr val="accent1"/>
-                </a:solidFill>
-              </a14:hiddenFill>
-            </a:ext>
-            <a:ext uri="{91240B29-F687-4F45-9708-019B960494DF}">
-              <a14:hiddenLine xmlns:a14="http://schemas.microsoft.com/office/drawing/2010/main" w="9525">
-                <a:solidFill>
-                  <a:schemeClr val="tx1"/>
-                </a:solidFill>
-                <a:miter lim="800000"/>
-                <a:headEnd/>
-                <a:tailEnd/>
-              </a14:hiddenLine>
-            </a:ext>
-            <a:ext uri="{AF507438-7753-43E0-B8FC-AC1667EBCBE1}">
-              <a14:hiddenEffects xmlns:a14="http://schemas.microsoft.com/office/drawing/2010/main">
-                <a:effectLst>
-                  <a:outerShdw dist="35921" dir="2700000" algn="ctr" rotWithShape="0">
-                    <a:schemeClr val="bg2"/>
-                  </a:outerShdw>
-                </a:effectLst>
-              </a14:hiddenEffects>
-            </a:ext>
-          </a:extLst>
-        </p:spPr>
-        <p:txBody>
-          <a:bodyPr wrap="square">
-            <a:spAutoFit/>
-          </a:bodyPr>
-          <a:lstStyle/>
-          <a:p>
-            <a:pPr eaLnBrk="0" fontAlgn="auto" hangingPunct="0">
-              <a:spcBef>
-                <a:spcPts val="0"/>
-              </a:spcBef>
-              <a:spcAft>
-                <a:spcPts val="0"/>
-              </a:spcAft>
-              <a:defRPr/>
-            </a:pPr>
-            <a:r>
-              <a:rPr kumimoji="0" lang="en-CA" altLang="en-US" sz="2800" b="1" i="0" u="none" strike="noStrike" kern="1200" cap="none" spc="0" normalizeH="0" baseline="0" noProof="0" dirty="0">
-                <a:ln>
-                  <a:noFill/>
-                </a:ln>
-                <a:solidFill>
-                  <a:schemeClr val="tx1">
-                    <a:lumMod val="85000"/>
-                    <a:lumOff val="15000"/>
-                  </a:schemeClr>
-                </a:solidFill>
-                <a:effectLst/>
-                <a:uLnTx/>
-                <a:uFillTx/>
-                <a:latin typeface="Microsoft YaHei" panose="020B0503020204020204" pitchFamily="34" charset="-122"/>
-                <a:ea typeface="Microsoft YaHei" panose="020B0503020204020204" pitchFamily="34" charset="-122"/>
-                <a:cs typeface="+mn-cs"/>
-                <a:sym typeface="+mn-ea"/>
-              </a:rPr>
-              <a:t>Recursive (DAC) Fibonacci with Memo(r)</a:t>
-            </a:r>
-            <a:r>
-              <a:rPr kumimoji="0" lang="en-CA" altLang="en-US" sz="2800" b="1" i="0" u="none" strike="noStrike" kern="1200" cap="none" spc="0" normalizeH="0" baseline="0" noProof="0" dirty="0" err="1">
-                <a:ln>
-                  <a:noFill/>
-                </a:ln>
-                <a:solidFill>
-                  <a:schemeClr val="tx1">
-                    <a:lumMod val="85000"/>
-                    <a:lumOff val="15000"/>
-                  </a:schemeClr>
-                </a:solidFill>
-                <a:effectLst/>
-                <a:uLnTx/>
-                <a:uFillTx/>
-                <a:latin typeface="Microsoft YaHei" panose="020B0503020204020204" pitchFamily="34" charset="-122"/>
-                <a:ea typeface="Microsoft YaHei" panose="020B0503020204020204" pitchFamily="34" charset="-122"/>
-                <a:cs typeface="+mn-cs"/>
-                <a:sym typeface="+mn-ea"/>
-              </a:rPr>
-              <a:t>ization</a:t>
-            </a:r>
-            <a:endParaRPr kumimoji="0" lang="en-CA" altLang="en-US" sz="2800" b="1" i="0" u="none" strike="noStrike" kern="1200" cap="none" spc="0" normalizeH="0" baseline="0" noProof="0" dirty="0">
-              <a:ln>
-                <a:noFill/>
-              </a:ln>
-              <a:solidFill>
-                <a:schemeClr val="tx1">
-                  <a:lumMod val="85000"/>
-                  <a:lumOff val="15000"/>
-                </a:schemeClr>
-              </a:solidFill>
-              <a:effectLst/>
-              <a:uLnTx/>
-              <a:uFillTx/>
-              <a:latin typeface="Microsoft YaHei" panose="020B0503020204020204" pitchFamily="34" charset="-122"/>
-              <a:ea typeface="Microsoft YaHei" panose="020B0503020204020204" pitchFamily="34" charset="-122"/>
-              <a:cs typeface="+mn-cs"/>
-              <a:sym typeface="+mn-ea"/>
-            </a:endParaRPr>
-          </a:p>
-        </p:txBody>
-      </p:sp>
-      <p:sp>
-        <p:nvSpPr>
-          <p:cNvPr id="3" name="Content Placeholder 2"/>
-          <p:cNvSpPr>
-            <a:spLocks noGrp="1"/>
-          </p:cNvSpPr>
-          <p:nvPr>
-            <p:ph idx="1"/>
-          </p:nvPr>
-        </p:nvSpPr>
-        <p:spPr>
-          <a:xfrm>
-            <a:off x="890588" y="1494359"/>
-            <a:ext cx="10515600" cy="4351338"/>
-          </a:xfrm>
-        </p:spPr>
-        <p:txBody>
-          <a:bodyPr/>
-          <a:lstStyle/>
-          <a:p>
-            <a:pPr algn="l"/>
-            <a:r>
-              <a:rPr lang="en-US" sz="1800" b="0" i="0" u="none" strike="noStrike" baseline="0" dirty="0">
-                <a:latin typeface="ArialMT"/>
-              </a:rPr>
-              <a:t>Can speed up the algorithm by storing the results of our recursive calls in a “memo” and reusing them when needed again</a:t>
-            </a:r>
-            <a:endParaRPr lang="en-CA" altLang="en-US" sz="2735" dirty="0"/>
-          </a:p>
-        </p:txBody>
-      </p:sp>
-      <p:pic>
-        <p:nvPicPr>
-          <p:cNvPr id="4" name="Picture 3">
-            <a:extLst>
-              <a:ext uri="{FF2B5EF4-FFF2-40B4-BE49-F238E27FC236}">
-                <a16:creationId xmlns:a16="http://schemas.microsoft.com/office/drawing/2014/main" id="{15EE1ABF-EA5D-4DBF-B850-93AE46D94D44}"/>
-              </a:ext>
-            </a:extLst>
-          </p:cNvPr>
-          <p:cNvPicPr>
-            <a:picLocks noChangeAspect="1"/>
-          </p:cNvPicPr>
-          <p:nvPr/>
-        </p:nvPicPr>
-        <p:blipFill>
-          <a:blip r:embed="rId2"/>
-          <a:stretch>
-            <a:fillRect/>
-          </a:stretch>
-        </p:blipFill>
-        <p:spPr>
-          <a:xfrm>
-            <a:off x="1767858" y="2454797"/>
-            <a:ext cx="7715250" cy="3390900"/>
-          </a:xfrm>
-          <a:prstGeom prst="rect">
-            <a:avLst/>
-          </a:prstGeom>
-        </p:spPr>
-      </p:pic>
-      <p:pic>
-        <p:nvPicPr>
-          <p:cNvPr id="6" name="Picture 5">
-            <a:extLst>
-              <a:ext uri="{FF2B5EF4-FFF2-40B4-BE49-F238E27FC236}">
-                <a16:creationId xmlns:a16="http://schemas.microsoft.com/office/drawing/2014/main" id="{8780B924-18C1-4DC8-9AA2-66D1C890B4F8}"/>
-              </a:ext>
-            </a:extLst>
-          </p:cNvPr>
-          <p:cNvPicPr>
-            <a:picLocks noChangeAspect="1"/>
-          </p:cNvPicPr>
-          <p:nvPr/>
-        </p:nvPicPr>
-        <p:blipFill>
-          <a:blip r:embed="rId3"/>
-          <a:stretch>
-            <a:fillRect/>
-          </a:stretch>
-        </p:blipFill>
-        <p:spPr>
-          <a:xfrm>
-            <a:off x="2027438" y="5845697"/>
-            <a:ext cx="7391400" cy="685800"/>
-          </a:xfrm>
-          <a:prstGeom prst="rect">
-            <a:avLst/>
-          </a:prstGeom>
-        </p:spPr>
-      </p:pic>
-    </p:spTree>
-    <p:extLst>
-      <p:ext uri="{BB962C8B-B14F-4D97-AF65-F5344CB8AC3E}">
-        <p14:creationId xmlns:p14="http://schemas.microsoft.com/office/powerpoint/2010/main" val="406407629"/>
-      </p:ext>
-    </p:extLst>
   </p:cSld>
   <p:clrMapOvr>
     <a:masterClrMapping/>
@@ -8992,6 +9218,13 @@
               </a:rPr>
               <a:t> Recap</a:t>
             </a:r>
+            <a:endParaRPr lang="en-US" altLang="zh-CN" sz="2400" b="1" dirty="0">
+              <a:solidFill>
+                <a:srgbClr val="05B780"/>
+              </a:solidFill>
+              <a:latin typeface="Microsoft YaHei" panose="020B0503020204020204" pitchFamily="34" charset="-122"/>
+              <a:ea typeface="Microsoft YaHei" panose="020B0503020204020204" pitchFamily="34" charset="-122"/>
+            </a:endParaRPr>
           </a:p>
         </p:txBody>
       </p:sp>
@@ -9034,6 +9267,13 @@
               </a:rPr>
               <a:t>竞争对手分析</a:t>
             </a:r>
+            <a:endParaRPr lang="zh-CN" altLang="en-US" dirty="0">
+              <a:solidFill>
+                <a:schemeClr val="bg1"/>
+              </a:solidFill>
+              <a:latin typeface="Microsoft YaHei" panose="020B0503020204020204" pitchFamily="34" charset="-122"/>
+              <a:ea typeface="Microsoft YaHei" panose="020B0503020204020204" pitchFamily="34" charset="-122"/>
+            </a:endParaRPr>
           </a:p>
         </p:txBody>
       </p:sp>
@@ -9076,6 +9316,13 @@
               </a:rPr>
               <a:t>产品定位分析</a:t>
             </a:r>
+            <a:endParaRPr lang="zh-CN" altLang="en-US" dirty="0">
+              <a:solidFill>
+                <a:schemeClr val="bg1"/>
+              </a:solidFill>
+              <a:latin typeface="Microsoft YaHei" panose="020B0503020204020204" pitchFamily="34" charset="-122"/>
+              <a:ea typeface="Microsoft YaHei" panose="020B0503020204020204" pitchFamily="34" charset="-122"/>
+            </a:endParaRPr>
           </a:p>
         </p:txBody>
       </p:sp>
@@ -9524,6 +9771,13 @@
               </a:rPr>
               <a:t>Class Exercise</a:t>
             </a:r>
+            <a:endParaRPr lang="en-US" altLang="zh-CN" sz="2400" b="1" dirty="0">
+              <a:solidFill>
+                <a:srgbClr val="05B780"/>
+              </a:solidFill>
+              <a:latin typeface="Microsoft YaHei" panose="020B0503020204020204" pitchFamily="34" charset="-122"/>
+              <a:ea typeface="Microsoft YaHei" panose="020B0503020204020204" pitchFamily="34" charset="-122"/>
+            </a:endParaRPr>
           </a:p>
         </p:txBody>
       </p:sp>
@@ -9827,6 +10081,13 @@
               </a:rPr>
               <a:t>Optimization Theory</a:t>
             </a:r>
+            <a:endParaRPr lang="en-CA" altLang="en-US" sz="2400" b="1" dirty="0">
+              <a:solidFill>
+                <a:srgbClr val="05B780"/>
+              </a:solidFill>
+              <a:latin typeface="Microsoft YaHei" panose="020B0503020204020204" pitchFamily="34" charset="-122"/>
+              <a:ea typeface="Microsoft YaHei" panose="020B0503020204020204" pitchFamily="34" charset="-122"/>
+            </a:endParaRPr>
           </a:p>
         </p:txBody>
       </p:sp>
@@ -10222,6 +10483,13 @@
               </a:rPr>
               <a:t>Dynamic Programming Intro</a:t>
             </a:r>
+            <a:endParaRPr lang="en-CA" altLang="en-US" sz="2400" b="1" dirty="0">
+              <a:solidFill>
+                <a:srgbClr val="05B780"/>
+              </a:solidFill>
+              <a:latin typeface="Microsoft YaHei" panose="020B0503020204020204" pitchFamily="34" charset="-122"/>
+              <a:ea typeface="Microsoft YaHei" panose="020B0503020204020204" pitchFamily="34" charset="-122"/>
+            </a:endParaRPr>
           </a:p>
         </p:txBody>
       </p:sp>
@@ -10420,6 +10688,13 @@
               </a:rPr>
               <a:t>2.1</a:t>
             </a:r>
+            <a:endParaRPr lang="en-US" altLang="zh-CN" sz="2800" b="1" dirty="0">
+              <a:solidFill>
+                <a:schemeClr val="bg1"/>
+              </a:solidFill>
+              <a:latin typeface="Microsoft YaHei" panose="020B0503020204020204" pitchFamily="34" charset="-122"/>
+              <a:ea typeface="Microsoft YaHei" panose="020B0503020204020204" pitchFamily="34" charset="-122"/>
+            </a:endParaRPr>
           </a:p>
         </p:txBody>
       </p:sp>
@@ -10507,8 +10782,47 @@
                 <a:cs typeface="+mn-cs"/>
                 <a:sym typeface="+mn-ea"/>
               </a:rPr>
-              <a:t>Dynamic Programming for Fibonacci Number</a:t>
-            </a:r>
+              <a:t>Recursive (DAC) Fibonacci with Memo(r)</a:t>
+            </a:r>
+            <a:r>
+              <a:rPr kumimoji="0" lang="en-CA" altLang="en-US" sz="2800" b="1" i="0" u="none" strike="noStrike" kern="1200" cap="none" spc="0" normalizeH="0" baseline="0" noProof="0" dirty="0" err="1">
+                <a:ln>
+                  <a:noFill/>
+                </a:ln>
+                <a:solidFill>
+                  <a:schemeClr val="tx1">
+                    <a:lumMod val="85000"/>
+                    <a:lumOff val="15000"/>
+                  </a:schemeClr>
+                </a:solidFill>
+                <a:effectLst/>
+                <a:uLnTx/>
+                <a:uFillTx/>
+                <a:latin typeface="Microsoft YaHei" panose="020B0503020204020204" pitchFamily="34" charset="-122"/>
+                <a:ea typeface="Microsoft YaHei" panose="020B0503020204020204" pitchFamily="34" charset="-122"/>
+                <a:cs typeface="+mn-cs"/>
+                <a:sym typeface="+mn-ea"/>
+              </a:rPr>
+              <a:t>ization</a:t>
+            </a:r>
+            <a:endParaRPr kumimoji="0" lang="en-CA" altLang="en-US" sz="2800" b="1" i="0" u="none" strike="noStrike" kern="1200" cap="none" spc="0" normalizeH="0" baseline="0" noProof="0" dirty="0">
+              <a:ln>
+                <a:noFill/>
+              </a:ln>
+              <a:solidFill>
+                <a:schemeClr val="tx1">
+                  <a:lumMod val="85000"/>
+                  <a:lumOff val="15000"/>
+                </a:schemeClr>
+              </a:solidFill>
+              <a:effectLst/>
+              <a:uLnTx/>
+              <a:uFillTx/>
+              <a:latin typeface="Microsoft YaHei" panose="020B0503020204020204" pitchFamily="34" charset="-122"/>
+              <a:ea typeface="Microsoft YaHei" panose="020B0503020204020204" pitchFamily="34" charset="-122"/>
+              <a:cs typeface="+mn-cs"/>
+              <a:sym typeface="+mn-ea"/>
+            </a:endParaRPr>
           </a:p>
         </p:txBody>
       </p:sp>
@@ -10535,23 +10849,45 @@
             <a:pPr algn="l"/>
             <a:r>
               <a:rPr lang="en-US" sz="1800" b="0" i="0" u="none" strike="noStrike" baseline="0" dirty="0">
-                <a:latin typeface="ArialMT"/>
-              </a:rPr>
-              <a:t>Can get a simpler algorithm with the same performance as solution 2 by proceeding bottom-up and recording previous solutions in a list</a:t>
-            </a:r>
-            <a:endParaRPr lang="en-CA" altLang="en-US" sz="2735" dirty="0"/>
+                <a:latin typeface="Calibri" panose="020F0502020204030204" pitchFamily="34" charset="0"/>
+                <a:cs typeface="Calibri" panose="020F0502020204030204" pitchFamily="34" charset="0"/>
+              </a:rPr>
+              <a:t>Can speed up the algorithm by storing the results of our recursive calls in a “memo” and reusing them when needed again</a:t>
+            </a:r>
+            <a:endParaRPr lang="en-CA" altLang="en-US" sz="2735" dirty="0">
+              <a:latin typeface="Calibri" panose="020F0502020204030204" pitchFamily="34" charset="0"/>
+              <a:cs typeface="Calibri" panose="020F0502020204030204" pitchFamily="34" charset="0"/>
+            </a:endParaRPr>
           </a:p>
         </p:txBody>
       </p:sp>
       <p:pic>
         <p:nvPicPr>
-          <p:cNvPr id="4" name="Picture 3">
-            <a:extLst>
-              <a:ext uri="{FF2B5EF4-FFF2-40B4-BE49-F238E27FC236}">
-                <a16:creationId xmlns:a16="http://schemas.microsoft.com/office/drawing/2014/main" id="{0E06DB83-B691-4EEF-893E-319AAC38BA69}"/>
-              </a:ext>
-            </a:extLst>
-          </p:cNvPr>
+          <p:cNvPr id="4" name="Picture 3"/>
+          <p:cNvPicPr>
+            <a:picLocks noChangeAspect="1"/>
+          </p:cNvPicPr>
+          <p:nvPr/>
+        </p:nvPicPr>
+        <p:blipFill>
+          <a:blip r:embed="rId1"/>
+          <a:stretch>
+            <a:fillRect/>
+          </a:stretch>
+        </p:blipFill>
+        <p:spPr>
+          <a:xfrm>
+            <a:off x="1767858" y="2454797"/>
+            <a:ext cx="7715250" cy="3390900"/>
+          </a:xfrm>
+          <a:prstGeom prst="rect">
+            <a:avLst/>
+          </a:prstGeom>
+        </p:spPr>
+      </p:pic>
+      <p:pic>
+        <p:nvPicPr>
+          <p:cNvPr id="6" name="Picture 5"/>
           <p:cNvPicPr>
             <a:picLocks noChangeAspect="1"/>
           </p:cNvPicPr>
@@ -10565,38 +10901,8 @@
         </p:blipFill>
         <p:spPr>
           <a:xfrm>
-            <a:off x="2408484" y="2079353"/>
-            <a:ext cx="7019925" cy="3181350"/>
-          </a:xfrm>
-          <a:prstGeom prst="rect">
-            <a:avLst/>
-          </a:prstGeom>
-        </p:spPr>
-      </p:pic>
-      <p:pic>
-        <p:nvPicPr>
-          <p:cNvPr id="6" name="Picture 5">
-            <a:extLst>
-              <a:ext uri="{FF2B5EF4-FFF2-40B4-BE49-F238E27FC236}">
-                <a16:creationId xmlns:a16="http://schemas.microsoft.com/office/drawing/2014/main" id="{E483EF33-947A-40FF-A176-1C36E831B4C8}"/>
-              </a:ext>
-            </a:extLst>
-          </p:cNvPr>
-          <p:cNvPicPr>
-            <a:picLocks noChangeAspect="1"/>
-          </p:cNvPicPr>
-          <p:nvPr/>
-        </p:nvPicPr>
-        <p:blipFill>
-          <a:blip r:embed="rId3"/>
-          <a:stretch>
-            <a:fillRect/>
-          </a:stretch>
-        </p:blipFill>
-        <p:spPr>
-          <a:xfrm>
-            <a:off x="2408484" y="5406480"/>
-            <a:ext cx="4495800" cy="1019175"/>
+            <a:off x="2027438" y="5845697"/>
+            <a:ext cx="7391400" cy="685800"/>
           </a:xfrm>
           <a:prstGeom prst="rect">
             <a:avLst/>
@@ -10604,11 +10910,6 @@
         </p:spPr>
       </p:pic>
     </p:spTree>
-    <p:extLst>
-      <p:ext uri="{BB962C8B-B14F-4D97-AF65-F5344CB8AC3E}">
-        <p14:creationId xmlns:p14="http://schemas.microsoft.com/office/powerpoint/2010/main" val="3491186702"/>
-      </p:ext>
-    </p:extLst>
   </p:cSld>
   <p:clrMapOvr>
     <a:masterClrMapping/>
@@ -10803,6 +11104,13 @@
               </a:rPr>
               <a:t>2.1</a:t>
             </a:r>
+            <a:endParaRPr lang="en-US" altLang="zh-CN" sz="2800" b="1" dirty="0">
+              <a:solidFill>
+                <a:schemeClr val="bg1"/>
+              </a:solidFill>
+              <a:latin typeface="Microsoft YaHei" panose="020B0503020204020204" pitchFamily="34" charset="-122"/>
+              <a:ea typeface="Microsoft YaHei" panose="020B0503020204020204" pitchFamily="34" charset="-122"/>
+            </a:endParaRPr>
           </a:p>
         </p:txBody>
       </p:sp>
@@ -10890,8 +11198,26 @@
                 <a:cs typeface="+mn-cs"/>
                 <a:sym typeface="+mn-ea"/>
               </a:rPr>
-              <a:t>Key Differences DP vs Memo</a:t>
-            </a:r>
+              <a:t>Dynamic Programming for Fibonacci Number</a:t>
+            </a:r>
+            <a:endParaRPr kumimoji="0" lang="en-CA" altLang="en-US" sz="2800" b="1" i="0" u="none" strike="noStrike" kern="1200" cap="none" spc="0" normalizeH="0" baseline="0" noProof="0" dirty="0">
+              <a:ln>
+                <a:noFill/>
+              </a:ln>
+              <a:solidFill>
+                <a:schemeClr val="tx1">
+                  <a:lumMod val="85000"/>
+                  <a:lumOff val="15000"/>
+                </a:schemeClr>
+              </a:solidFill>
+              <a:effectLst/>
+              <a:uLnTx/>
+              <a:uFillTx/>
+              <a:latin typeface="Microsoft YaHei" panose="020B0503020204020204" pitchFamily="34" charset="-122"/>
+              <a:ea typeface="Microsoft YaHei" panose="020B0503020204020204" pitchFamily="34" charset="-122"/>
+              <a:cs typeface="+mn-cs"/>
+              <a:sym typeface="+mn-ea"/>
+            </a:endParaRPr>
           </a:p>
         </p:txBody>
       </p:sp>
@@ -10917,72 +11243,68 @@
           <a:p>
             <a:pPr algn="l"/>
             <a:r>
-              <a:rPr lang="en-US" sz="4000" b="0" i="0" u="none" strike="noStrike" baseline="0" dirty="0" err="1">
-                <a:latin typeface="ArialMT"/>
-              </a:rPr>
-              <a:t>Memoization</a:t>
-            </a:r>
-            <a:r>
-              <a:rPr lang="en-US" sz="4000" b="0" i="0" u="none" strike="noStrike" baseline="0" dirty="0">
-                <a:latin typeface="ArialMT"/>
-              </a:rPr>
-              <a:t> (memorize with memory)</a:t>
-            </a:r>
-          </a:p>
-          <a:p>
-            <a:pPr lvl="1"/>
-            <a:r>
-              <a:rPr lang="en-US" sz="3200" b="0" i="0" u="none" strike="noStrike" baseline="0" dirty="0">
-                <a:latin typeface="ArialMT"/>
-              </a:rPr>
-              <a:t>Top-down</a:t>
-            </a:r>
-          </a:p>
-          <a:p>
-            <a:pPr lvl="1"/>
-            <a:r>
-              <a:rPr lang="en-US" sz="3200" b="0" i="0" u="none" strike="noStrike" baseline="0" dirty="0">
-                <a:latin typeface="ArialMT"/>
-              </a:rPr>
-              <a:t>Cache answers</a:t>
-            </a:r>
-          </a:p>
-          <a:p>
-            <a:pPr algn="l"/>
-            <a:r>
-              <a:rPr lang="en-US" sz="4000" b="0" i="0" u="none" strike="noStrike" baseline="0" dirty="0">
-                <a:latin typeface="ArialMT"/>
-              </a:rPr>
-              <a:t>Dynamic programming</a:t>
-            </a:r>
-          </a:p>
-          <a:p>
-            <a:pPr lvl="1"/>
-            <a:r>
-              <a:rPr lang="en-US" sz="3200" b="0" i="0" u="none" strike="noStrike" baseline="0" dirty="0">
-                <a:latin typeface="ArialMT"/>
-              </a:rPr>
-              <a:t>Bottom-up</a:t>
-            </a:r>
-          </a:p>
-          <a:p>
-            <a:pPr lvl="1"/>
-            <a:r>
-              <a:rPr lang="en-US" sz="3200" b="0" i="0" u="none" strike="noStrike" baseline="0" dirty="0">
-                <a:latin typeface="ArialMT"/>
-              </a:rPr>
-              <a:t>Calculate the answers to the subproblems first</a:t>
-            </a:r>
-            <a:endParaRPr lang="en-CA" altLang="en-US" sz="4400" dirty="0"/>
+              <a:rPr lang="en-US" sz="1800" b="0" i="0" u="none" strike="noStrike" baseline="0" dirty="0">
+                <a:latin typeface="Calibri" panose="020F0502020204030204" pitchFamily="34" charset="0"/>
+                <a:cs typeface="Calibri" panose="020F0502020204030204" pitchFamily="34" charset="0"/>
+              </a:rPr>
+              <a:t>Can get a simpler algorithm with the same performance as solution 2 by proceeding bottom-up and recording previous solutions in a list</a:t>
+            </a:r>
+            <a:endParaRPr lang="en-CA" altLang="en-US" sz="2735" dirty="0">
+              <a:latin typeface="Calibri" panose="020F0502020204030204" pitchFamily="34" charset="0"/>
+              <a:cs typeface="Calibri" panose="020F0502020204030204" pitchFamily="34" charset="0"/>
+            </a:endParaRPr>
           </a:p>
         </p:txBody>
       </p:sp>
+      <p:pic>
+        <p:nvPicPr>
+          <p:cNvPr id="4" name="Picture 3"/>
+          <p:cNvPicPr>
+            <a:picLocks noChangeAspect="1"/>
+          </p:cNvPicPr>
+          <p:nvPr/>
+        </p:nvPicPr>
+        <p:blipFill>
+          <a:blip r:embed="rId1"/>
+          <a:stretch>
+            <a:fillRect/>
+          </a:stretch>
+        </p:blipFill>
+        <p:spPr>
+          <a:xfrm>
+            <a:off x="2408484" y="2079353"/>
+            <a:ext cx="7019925" cy="3181350"/>
+          </a:xfrm>
+          <a:prstGeom prst="rect">
+            <a:avLst/>
+          </a:prstGeom>
+        </p:spPr>
+      </p:pic>
+      <p:pic>
+        <p:nvPicPr>
+          <p:cNvPr id="6" name="Picture 5"/>
+          <p:cNvPicPr>
+            <a:picLocks noChangeAspect="1"/>
+          </p:cNvPicPr>
+          <p:nvPr/>
+        </p:nvPicPr>
+        <p:blipFill>
+          <a:blip r:embed="rId2"/>
+          <a:stretch>
+            <a:fillRect/>
+          </a:stretch>
+        </p:blipFill>
+        <p:spPr>
+          <a:xfrm>
+            <a:off x="2408484" y="5406480"/>
+            <a:ext cx="4495800" cy="1019175"/>
+          </a:xfrm>
+          <a:prstGeom prst="rect">
+            <a:avLst/>
+          </a:prstGeom>
+        </p:spPr>
+      </p:pic>
     </p:spTree>
-    <p:extLst>
-      <p:ext uri="{BB962C8B-B14F-4D97-AF65-F5344CB8AC3E}">
-        <p14:creationId xmlns:p14="http://schemas.microsoft.com/office/powerpoint/2010/main" val="2561669783"/>
-      </p:ext>
-    </p:extLst>
   </p:cSld>
   <p:clrMapOvr>
     <a:masterClrMapping/>
@@ -10994,6 +11316,430 @@
 </file>
 
 <file path=ppt/slides/slide22.xml><?xml version="1.0" encoding="utf-8"?>
+<p:sld xmlns:a="http://schemas.openxmlformats.org/drawingml/2006/main" xmlns:r="http://schemas.openxmlformats.org/officeDocument/2006/relationships" xmlns:p="http://schemas.openxmlformats.org/presentationml/2006/main">
+  <p:cSld>
+    <p:spTree>
+      <p:nvGrpSpPr>
+        <p:cNvPr id="1" name=""/>
+        <p:cNvGrpSpPr/>
+        <p:nvPr/>
+      </p:nvGrpSpPr>
+      <p:grpSpPr>
+        <a:xfrm>
+          <a:off x="0" y="0"/>
+          <a:ext cx="0" cy="0"/>
+          <a:chOff x="0" y="0"/>
+          <a:chExt cx="0" cy="0"/>
+        </a:xfrm>
+      </p:grpSpPr>
+      <p:sp>
+        <p:nvSpPr>
+          <p:cNvPr id="15" name="任意多边形 14"/>
+          <p:cNvSpPr/>
+          <p:nvPr/>
+        </p:nvSpPr>
+        <p:spPr>
+          <a:xfrm>
+            <a:off x="0" y="274638"/>
+            <a:ext cx="890588" cy="639763"/>
+          </a:xfrm>
+          <a:custGeom>
+            <a:avLst/>
+            <a:gdLst>
+              <a:gd name="connsiteX0" fmla="*/ 0 w 1029743"/>
+              <a:gd name="connsiteY0" fmla="*/ 0 h 739718"/>
+              <a:gd name="connsiteX1" fmla="*/ 659884 w 1029743"/>
+              <a:gd name="connsiteY1" fmla="*/ 0 h 739718"/>
+              <a:gd name="connsiteX2" fmla="*/ 1029743 w 1029743"/>
+              <a:gd name="connsiteY2" fmla="*/ 369859 h 739718"/>
+              <a:gd name="connsiteX3" fmla="*/ 659884 w 1029743"/>
+              <a:gd name="connsiteY3" fmla="*/ 739718 h 739718"/>
+              <a:gd name="connsiteX4" fmla="*/ 0 w 1029743"/>
+              <a:gd name="connsiteY4" fmla="*/ 739718 h 739718"/>
+            </a:gdLst>
+            <a:ahLst/>
+            <a:cxnLst>
+              <a:cxn ang="0">
+                <a:pos x="connsiteX0" y="connsiteY0"/>
+              </a:cxn>
+              <a:cxn ang="0">
+                <a:pos x="connsiteX1" y="connsiteY1"/>
+              </a:cxn>
+              <a:cxn ang="0">
+                <a:pos x="connsiteX2" y="connsiteY2"/>
+              </a:cxn>
+              <a:cxn ang="0">
+                <a:pos x="connsiteX3" y="connsiteY3"/>
+              </a:cxn>
+              <a:cxn ang="0">
+                <a:pos x="connsiteX4" y="connsiteY4"/>
+              </a:cxn>
+            </a:cxnLst>
+            <a:rect l="l" t="t" r="r" b="b"/>
+            <a:pathLst>
+              <a:path w="1029743" h="739718">
+                <a:moveTo>
+                  <a:pt x="0" y="0"/>
+                </a:moveTo>
+                <a:lnTo>
+                  <a:pt x="659884" y="0"/>
+                </a:lnTo>
+                <a:cubicBezTo>
+                  <a:pt x="864151" y="0"/>
+                  <a:pt x="1029743" y="165592"/>
+                  <a:pt x="1029743" y="369859"/>
+                </a:cubicBezTo>
+                <a:cubicBezTo>
+                  <a:pt x="1029743" y="574126"/>
+                  <a:pt x="864151" y="739718"/>
+                  <a:pt x="659884" y="739718"/>
+                </a:cubicBezTo>
+                <a:lnTo>
+                  <a:pt x="0" y="739718"/>
+                </a:lnTo>
+                <a:close/>
+              </a:path>
+            </a:pathLst>
+          </a:custGeom>
+          <a:solidFill>
+            <a:srgbClr val="05B780"/>
+          </a:solidFill>
+          <a:ln>
+            <a:noFill/>
+          </a:ln>
+        </p:spPr>
+        <p:style>
+          <a:lnRef idx="2">
+            <a:schemeClr val="accent1">
+              <a:shade val="50000"/>
+            </a:schemeClr>
+          </a:lnRef>
+          <a:fillRef idx="1">
+            <a:schemeClr val="accent1"/>
+          </a:fillRef>
+          <a:effectRef idx="0">
+            <a:schemeClr val="accent1"/>
+          </a:effectRef>
+          <a:fontRef idx="minor">
+            <a:schemeClr val="lt1"/>
+          </a:fontRef>
+        </p:style>
+        <p:txBody>
+          <a:bodyPr anchor="ctr"/>
+          <a:lstStyle/>
+          <a:p>
+            <a:pPr marL="0" marR="0" lvl="0" indent="0" algn="ctr" defTabSz="914400" rtl="0" eaLnBrk="1" fontAlgn="auto" latinLnBrk="0" hangingPunct="1">
+              <a:lnSpc>
+                <a:spcPct val="100000"/>
+              </a:lnSpc>
+              <a:spcBef>
+                <a:spcPts val="0"/>
+              </a:spcBef>
+              <a:spcAft>
+                <a:spcPts val="0"/>
+              </a:spcAft>
+              <a:buClrTx/>
+              <a:buSzTx/>
+              <a:buFontTx/>
+              <a:buNone/>
+              <a:defRPr/>
+            </a:pPr>
+            <a:endParaRPr kumimoji="0" lang="zh-CN" altLang="en-US" sz="1800" b="0" i="0" u="none" strike="noStrike" kern="1200" cap="none" spc="0" normalizeH="0" baseline="0" noProof="0">
+              <a:ln>
+                <a:noFill/>
+              </a:ln>
+              <a:solidFill>
+                <a:schemeClr val="bg1"/>
+              </a:solidFill>
+              <a:effectLst/>
+              <a:uLnTx/>
+              <a:uFillTx/>
+              <a:latin typeface="+mn-lt"/>
+              <a:ea typeface="+mn-ea"/>
+              <a:cs typeface="+mn-cs"/>
+            </a:endParaRPr>
+          </a:p>
+        </p:txBody>
+      </p:sp>
+      <p:sp>
+        <p:nvSpPr>
+          <p:cNvPr id="7170" name="文本框 156"/>
+          <p:cNvSpPr txBox="1"/>
+          <p:nvPr/>
+        </p:nvSpPr>
+        <p:spPr>
+          <a:xfrm>
+            <a:off x="0" y="350838"/>
+            <a:ext cx="814388" cy="521970"/>
+          </a:xfrm>
+          <a:prstGeom prst="rect">
+            <a:avLst/>
+          </a:prstGeom>
+          <a:noFill/>
+          <a:ln w="9525">
+            <a:noFill/>
+          </a:ln>
+        </p:spPr>
+        <p:txBody>
+          <a:bodyPr anchor="t" anchorCtr="0">
+            <a:spAutoFit/>
+          </a:bodyPr>
+          <a:lstStyle/>
+          <a:p>
+            <a:pPr>
+              <a:buFont typeface="Arial" panose="020B0604020202020204" pitchFamily="34" charset="0"/>
+            </a:pPr>
+            <a:r>
+              <a:rPr lang="en-US" altLang="zh-CN" sz="2800" b="1" dirty="0">
+                <a:solidFill>
+                  <a:schemeClr val="bg1"/>
+                </a:solidFill>
+                <a:latin typeface="Microsoft YaHei" panose="020B0503020204020204" pitchFamily="34" charset="-122"/>
+                <a:ea typeface="Microsoft YaHei" panose="020B0503020204020204" pitchFamily="34" charset="-122"/>
+              </a:rPr>
+              <a:t>2.1</a:t>
+            </a:r>
+            <a:endParaRPr lang="en-US" altLang="zh-CN" sz="2800" b="1" dirty="0">
+              <a:solidFill>
+                <a:schemeClr val="bg1"/>
+              </a:solidFill>
+              <a:latin typeface="Microsoft YaHei" panose="020B0503020204020204" pitchFamily="34" charset="-122"/>
+              <a:ea typeface="Microsoft YaHei" panose="020B0503020204020204" pitchFamily="34" charset="-122"/>
+            </a:endParaRPr>
+          </a:p>
+        </p:txBody>
+      </p:sp>
+      <p:sp>
+        <p:nvSpPr>
+          <p:cNvPr id="16" name="Rectangle 6"/>
+          <p:cNvSpPr>
+            <a:spLocks noChangeArrowheads="1"/>
+          </p:cNvSpPr>
+          <p:nvPr/>
+        </p:nvSpPr>
+        <p:spPr bwMode="black">
+          <a:xfrm>
+            <a:off x="1021080" y="334010"/>
+            <a:ext cx="8777605" cy="521970"/>
+          </a:xfrm>
+          <a:prstGeom prst="rect">
+            <a:avLst/>
+          </a:prstGeom>
+          <a:noFill/>
+          <a:ln>
+            <a:noFill/>
+          </a:ln>
+          <a:effectLst/>
+          <a:extLst>
+            <a:ext uri="{909E8E84-426E-40DD-AFC4-6F175D3DCCD1}">
+              <a14:hiddenFill xmlns:a14="http://schemas.microsoft.com/office/drawing/2010/main">
+                <a:solidFill>
+                  <a:schemeClr val="accent1"/>
+                </a:solidFill>
+              </a14:hiddenFill>
+            </a:ext>
+            <a:ext uri="{91240B29-F687-4F45-9708-019B960494DF}">
+              <a14:hiddenLine xmlns:a14="http://schemas.microsoft.com/office/drawing/2010/main" w="9525">
+                <a:solidFill>
+                  <a:schemeClr val="tx1"/>
+                </a:solidFill>
+                <a:miter lim="800000"/>
+                <a:headEnd/>
+                <a:tailEnd/>
+              </a14:hiddenLine>
+            </a:ext>
+            <a:ext uri="{AF507438-7753-43E0-B8FC-AC1667EBCBE1}">
+              <a14:hiddenEffects xmlns:a14="http://schemas.microsoft.com/office/drawing/2010/main">
+                <a:effectLst>
+                  <a:outerShdw dist="35921" dir="2700000" algn="ctr" rotWithShape="0">
+                    <a:schemeClr val="bg2"/>
+                  </a:outerShdw>
+                </a:effectLst>
+              </a14:hiddenEffects>
+            </a:ext>
+          </a:extLst>
+        </p:spPr>
+        <p:txBody>
+          <a:bodyPr wrap="square">
+            <a:spAutoFit/>
+          </a:bodyPr>
+          <a:lstStyle/>
+          <a:p>
+            <a:pPr eaLnBrk="0" fontAlgn="auto" hangingPunct="0">
+              <a:spcBef>
+                <a:spcPts val="0"/>
+              </a:spcBef>
+              <a:spcAft>
+                <a:spcPts val="0"/>
+              </a:spcAft>
+              <a:defRPr/>
+            </a:pPr>
+            <a:r>
+              <a:rPr kumimoji="0" lang="en-CA" altLang="en-US" sz="2800" b="1" i="0" u="none" strike="noStrike" kern="1200" cap="none" spc="0" normalizeH="0" baseline="0" noProof="0" dirty="0">
+                <a:ln>
+                  <a:noFill/>
+                </a:ln>
+                <a:solidFill>
+                  <a:schemeClr val="tx1">
+                    <a:lumMod val="85000"/>
+                    <a:lumOff val="15000"/>
+                  </a:schemeClr>
+                </a:solidFill>
+                <a:effectLst/>
+                <a:uLnTx/>
+                <a:uFillTx/>
+                <a:latin typeface="Microsoft YaHei" panose="020B0503020204020204" pitchFamily="34" charset="-122"/>
+                <a:ea typeface="Microsoft YaHei" panose="020B0503020204020204" pitchFamily="34" charset="-122"/>
+                <a:cs typeface="+mn-cs"/>
+                <a:sym typeface="+mn-ea"/>
+              </a:rPr>
+              <a:t>Key Differences DP vs Memo</a:t>
+            </a:r>
+            <a:endParaRPr kumimoji="0" lang="en-CA" altLang="en-US" sz="2800" b="1" i="0" u="none" strike="noStrike" kern="1200" cap="none" spc="0" normalizeH="0" baseline="0" noProof="0" dirty="0">
+              <a:ln>
+                <a:noFill/>
+              </a:ln>
+              <a:solidFill>
+                <a:schemeClr val="tx1">
+                  <a:lumMod val="85000"/>
+                  <a:lumOff val="15000"/>
+                </a:schemeClr>
+              </a:solidFill>
+              <a:effectLst/>
+              <a:uLnTx/>
+              <a:uFillTx/>
+              <a:latin typeface="Microsoft YaHei" panose="020B0503020204020204" pitchFamily="34" charset="-122"/>
+              <a:ea typeface="Microsoft YaHei" panose="020B0503020204020204" pitchFamily="34" charset="-122"/>
+              <a:cs typeface="+mn-cs"/>
+              <a:sym typeface="+mn-ea"/>
+            </a:endParaRPr>
+          </a:p>
+        </p:txBody>
+      </p:sp>
+      <p:sp>
+        <p:nvSpPr>
+          <p:cNvPr id="3" name="Content Placeholder 2"/>
+          <p:cNvSpPr>
+            <a:spLocks noGrp="1"/>
+          </p:cNvSpPr>
+          <p:nvPr>
+            <p:ph idx="1"/>
+          </p:nvPr>
+        </p:nvSpPr>
+        <p:spPr>
+          <a:xfrm>
+            <a:off x="890588" y="1494359"/>
+            <a:ext cx="10515600" cy="4351338"/>
+          </a:xfrm>
+        </p:spPr>
+        <p:txBody>
+          <a:bodyPr/>
+          <a:lstStyle/>
+          <a:p>
+            <a:pPr algn="l"/>
+            <a:r>
+              <a:rPr lang="en-US" sz="4000" b="0" i="0" u="none" strike="noStrike" baseline="0" dirty="0" err="1">
+                <a:latin typeface="Calibri" panose="020F0502020204030204" pitchFamily="34" charset="0"/>
+                <a:cs typeface="Calibri" panose="020F0502020204030204" pitchFamily="34" charset="0"/>
+              </a:rPr>
+              <a:t>Memoization</a:t>
+            </a:r>
+            <a:r>
+              <a:rPr lang="en-US" sz="4000" b="0" i="0" u="none" strike="noStrike" baseline="0" dirty="0">
+                <a:latin typeface="Calibri" panose="020F0502020204030204" pitchFamily="34" charset="0"/>
+                <a:cs typeface="Calibri" panose="020F0502020204030204" pitchFamily="34" charset="0"/>
+              </a:rPr>
+              <a:t> (memorize with memory)</a:t>
+            </a:r>
+            <a:endParaRPr lang="en-US" sz="4000" b="0" i="0" u="none" strike="noStrike" baseline="0" dirty="0">
+              <a:latin typeface="Calibri" panose="020F0502020204030204" pitchFamily="34" charset="0"/>
+              <a:cs typeface="Calibri" panose="020F0502020204030204" pitchFamily="34" charset="0"/>
+            </a:endParaRPr>
+          </a:p>
+          <a:p>
+            <a:pPr lvl="1"/>
+            <a:r>
+              <a:rPr lang="en-US" sz="3200" b="0" i="0" u="none" strike="noStrike" baseline="0" dirty="0">
+                <a:latin typeface="Calibri" panose="020F0502020204030204" pitchFamily="34" charset="0"/>
+                <a:cs typeface="Calibri" panose="020F0502020204030204" pitchFamily="34" charset="0"/>
+              </a:rPr>
+              <a:t>Top-down</a:t>
+            </a:r>
+            <a:endParaRPr lang="en-US" sz="3200" b="0" i="0" u="none" strike="noStrike" baseline="0" dirty="0">
+              <a:latin typeface="Calibri" panose="020F0502020204030204" pitchFamily="34" charset="0"/>
+              <a:cs typeface="Calibri" panose="020F0502020204030204" pitchFamily="34" charset="0"/>
+            </a:endParaRPr>
+          </a:p>
+          <a:p>
+            <a:pPr lvl="1"/>
+            <a:r>
+              <a:rPr lang="en-US" sz="3200" b="0" i="0" u="none" strike="noStrike" baseline="0" dirty="0">
+                <a:latin typeface="Calibri" panose="020F0502020204030204" pitchFamily="34" charset="0"/>
+                <a:cs typeface="Calibri" panose="020F0502020204030204" pitchFamily="34" charset="0"/>
+              </a:rPr>
+              <a:t>Cache answers</a:t>
+            </a:r>
+            <a:endParaRPr lang="en-US" sz="3200" b="0" i="0" u="none" strike="noStrike" baseline="0" dirty="0">
+              <a:latin typeface="Calibri" panose="020F0502020204030204" pitchFamily="34" charset="0"/>
+              <a:cs typeface="Calibri" panose="020F0502020204030204" pitchFamily="34" charset="0"/>
+            </a:endParaRPr>
+          </a:p>
+          <a:p>
+            <a:pPr algn="l"/>
+            <a:r>
+              <a:rPr lang="en-US" sz="4000" b="0" i="0" u="none" strike="noStrike" baseline="0" dirty="0">
+                <a:latin typeface="Calibri" panose="020F0502020204030204" pitchFamily="34" charset="0"/>
+                <a:cs typeface="Calibri" panose="020F0502020204030204" pitchFamily="34" charset="0"/>
+              </a:rPr>
+              <a:t>Dynamic programming</a:t>
+            </a:r>
+            <a:endParaRPr lang="en-US" sz="4000" b="0" i="0" u="none" strike="noStrike" baseline="0" dirty="0">
+              <a:latin typeface="Calibri" panose="020F0502020204030204" pitchFamily="34" charset="0"/>
+              <a:cs typeface="Calibri" panose="020F0502020204030204" pitchFamily="34" charset="0"/>
+            </a:endParaRPr>
+          </a:p>
+          <a:p>
+            <a:pPr lvl="1"/>
+            <a:r>
+              <a:rPr lang="en-US" sz="3200" b="0" i="0" u="none" strike="noStrike" baseline="0" dirty="0">
+                <a:latin typeface="Calibri" panose="020F0502020204030204" pitchFamily="34" charset="0"/>
+                <a:cs typeface="Calibri" panose="020F0502020204030204" pitchFamily="34" charset="0"/>
+              </a:rPr>
+              <a:t>Bottom-up</a:t>
+            </a:r>
+            <a:endParaRPr lang="en-US" sz="3200" b="0" i="0" u="none" strike="noStrike" baseline="0" dirty="0">
+              <a:latin typeface="Calibri" panose="020F0502020204030204" pitchFamily="34" charset="0"/>
+              <a:cs typeface="Calibri" panose="020F0502020204030204" pitchFamily="34" charset="0"/>
+            </a:endParaRPr>
+          </a:p>
+          <a:p>
+            <a:pPr lvl="1"/>
+            <a:r>
+              <a:rPr lang="en-US" sz="3200" b="0" i="0" u="none" strike="noStrike" baseline="0" dirty="0">
+                <a:latin typeface="Calibri" panose="020F0502020204030204" pitchFamily="34" charset="0"/>
+                <a:cs typeface="Calibri" panose="020F0502020204030204" pitchFamily="34" charset="0"/>
+              </a:rPr>
+              <a:t>Calculate the answers to the subproblems first</a:t>
+            </a:r>
+            <a:endParaRPr lang="en-CA" altLang="en-US" sz="4400" dirty="0">
+              <a:latin typeface="Calibri" panose="020F0502020204030204" pitchFamily="34" charset="0"/>
+              <a:cs typeface="Calibri" panose="020F0502020204030204" pitchFamily="34" charset="0"/>
+            </a:endParaRPr>
+          </a:p>
+        </p:txBody>
+      </p:sp>
+    </p:spTree>
+  </p:cSld>
+  <p:clrMapOvr>
+    <a:masterClrMapping/>
+  </p:clrMapOvr>
+  <p:transition spd="slow">
+    <p:wipe/>
+  </p:transition>
+</p:sld>
+</file>
+
+<file path=ppt/slides/slide23.xml><?xml version="1.0" encoding="utf-8"?>
 <p:sld xmlns:a="http://schemas.openxmlformats.org/drawingml/2006/main" xmlns:r="http://schemas.openxmlformats.org/officeDocument/2006/relationships" xmlns:p="http://schemas.openxmlformats.org/presentationml/2006/main">
   <p:cSld>
     <p:spTree>
@@ -11177,6 +11923,13 @@
               </a:rPr>
               <a:t>Class Exercise</a:t>
             </a:r>
+            <a:endParaRPr lang="en-US" altLang="zh-CN" sz="3200" b="1" dirty="0">
+              <a:solidFill>
+                <a:schemeClr val="bg1"/>
+              </a:solidFill>
+              <a:latin typeface="Microsoft YaHei" panose="020B0503020204020204" pitchFamily="34" charset="-122"/>
+              <a:ea typeface="Microsoft YaHei" panose="020B0503020204020204" pitchFamily="34" charset="-122"/>
+            </a:endParaRPr>
           </a:p>
         </p:txBody>
       </p:sp>
@@ -11292,6 +12045,13 @@
               </a:rPr>
               <a:t>Class Exercises</a:t>
             </a:r>
+            <a:endParaRPr lang="en-US" altLang="zh-CN" sz="3200" b="1" dirty="0">
+              <a:solidFill>
+                <a:srgbClr val="05B780"/>
+              </a:solidFill>
+              <a:latin typeface="Microsoft YaHei" panose="020B0503020204020204" pitchFamily="34" charset="-122"/>
+              <a:ea typeface="Microsoft YaHei" panose="020B0503020204020204" pitchFamily="34" charset="-122"/>
+            </a:endParaRPr>
           </a:p>
         </p:txBody>
       </p:sp>
@@ -11434,6 +12194,13 @@
                 </a:rPr>
                 <a:t>4</a:t>
               </a:r>
+              <a:endParaRPr lang="en-CA" altLang="en-US" sz="4400" b="1" dirty="0">
+                <a:solidFill>
+                  <a:schemeClr val="bg1"/>
+                </a:solidFill>
+                <a:latin typeface="Microsoft YaHei" panose="020B0503020204020204" pitchFamily="34" charset="-122"/>
+                <a:ea typeface="Microsoft YaHei" panose="020B0503020204020204" pitchFamily="34" charset="-122"/>
+              </a:endParaRPr>
             </a:p>
           </p:txBody>
         </p:sp>
@@ -11449,7 +12216,7 @@
 </p:sld>
 </file>
 
-<file path=ppt/slides/slide23.xml><?xml version="1.0" encoding="utf-8"?>
+<file path=ppt/slides/slide24.xml><?xml version="1.0" encoding="utf-8"?>
 <p:sld xmlns:a="http://schemas.openxmlformats.org/drawingml/2006/main" xmlns:r="http://schemas.openxmlformats.org/officeDocument/2006/relationships" xmlns:p="http://schemas.openxmlformats.org/presentationml/2006/main">
   <p:cSld>
     <p:spTree>
@@ -11633,6 +12400,13 @@
               </a:rPr>
               <a:t>2.1</a:t>
             </a:r>
+            <a:endParaRPr lang="en-US" altLang="zh-CN" sz="2800" b="1" dirty="0">
+              <a:solidFill>
+                <a:schemeClr val="bg1"/>
+              </a:solidFill>
+              <a:latin typeface="Microsoft YaHei" panose="020B0503020204020204" pitchFamily="34" charset="-122"/>
+              <a:ea typeface="Microsoft YaHei" panose="020B0503020204020204" pitchFamily="34" charset="-122"/>
+            </a:endParaRPr>
           </a:p>
         </p:txBody>
       </p:sp>
@@ -11702,7 +12476,7 @@
               <a:defRPr/>
             </a:pPr>
             <a:r>
-              <a:rPr kumimoji="0" lang="en-CA" altLang="en-US" sz="2800" b="1" i="0" u="none" strike="noStrike" kern="1200" cap="none" spc="0" normalizeH="0" baseline="0" noProof="0" dirty="0">
+              <a:rPr kumimoji="0" lang="en-US" altLang="en-CA" sz="2800" b="1" i="0" u="none" strike="noStrike" kern="1200" cap="none" spc="0" normalizeH="0" baseline="0" noProof="0" dirty="0">
                 <a:ln>
                   <a:noFill/>
                 </a:ln>
@@ -11720,30 +12494,9 @@
                 <a:cs typeface="+mn-cs"/>
                 <a:sym typeface="+mn-ea"/>
               </a:rPr>
-              <a:t>Demo Exercise: </a:t>
-            </a:r>
-            <a:r>
-              <a:rPr kumimoji="0" lang="en-CA" altLang="en-US" sz="2800" b="1" i="0" u="none" strike="noStrike" kern="1200" cap="none" spc="0" normalizeH="0" baseline="0" noProof="0" dirty="0" err="1">
-                <a:ln>
-                  <a:noFill/>
-                </a:ln>
-                <a:solidFill>
-                  <a:schemeClr val="tx1">
-                    <a:lumMod val="85000"/>
-                    <a:lumOff val="15000"/>
-                  </a:schemeClr>
-                </a:solidFill>
-                <a:effectLst/>
-                <a:uLnTx/>
-                <a:uFillTx/>
-                <a:latin typeface="Microsoft YaHei" panose="020B0503020204020204" pitchFamily="34" charset="-122"/>
-                <a:ea typeface="Microsoft YaHei" panose="020B0503020204020204" pitchFamily="34" charset="-122"/>
-                <a:cs typeface="+mn-cs"/>
-                <a:sym typeface="+mn-ea"/>
-              </a:rPr>
-              <a:t>NCoins</a:t>
-            </a:r>
-            <a:endParaRPr kumimoji="0" lang="en-CA" altLang="en-US" sz="2800" b="1" i="0" u="none" strike="noStrike" kern="1200" cap="none" spc="0" normalizeH="0" baseline="0" noProof="0" dirty="0">
+              <a:t>Fibonacci - Revisited</a:t>
+            </a:r>
+            <a:endParaRPr kumimoji="0" lang="en-US" altLang="en-CA" sz="2800" b="1" i="0" u="none" strike="noStrike" kern="1200" cap="none" spc="0" normalizeH="0" baseline="0" noProof="0" dirty="0">
               <a:ln>
                 <a:noFill/>
               </a:ln>
@@ -11785,85 +12538,11 @@
           <a:lstStyle/>
           <a:p>
             <a:pPr algn="l"/>
-            <a:r>
-              <a:rPr lang="en-US" sz="3200" b="0" i="0" u="none" strike="noStrike" baseline="0" dirty="0">
-                <a:latin typeface="ArialMT"/>
-              </a:rPr>
-              <a:t>How does one make change for N cents?</a:t>
-            </a:r>
-          </a:p>
-          <a:p>
-            <a:pPr algn="l"/>
-            <a:r>
-              <a:rPr lang="en-US" sz="3200" b="0" i="0" u="none" strike="noStrike" baseline="0" dirty="0">
-                <a:latin typeface="ArialMT"/>
-              </a:rPr>
-              <a:t>Example: N = 29</a:t>
-            </a:r>
-          </a:p>
-          <a:p>
-            <a:pPr lvl="1"/>
-            <a:r>
-              <a:rPr lang="en-US" b="0" i="0" u="none" strike="noStrike" baseline="0" dirty="0">
-                <a:latin typeface="ArialMT"/>
-              </a:rPr>
-              <a:t>25, 1, 1, 1, 1</a:t>
-            </a:r>
-          </a:p>
-          <a:p>
-            <a:pPr algn="l"/>
-            <a:r>
-              <a:rPr lang="en-US" sz="3200" b="0" i="0" u="none" strike="noStrike" baseline="0" dirty="0">
-                <a:latin typeface="ArialMT"/>
-              </a:rPr>
-              <a:t>But there are other ways of doing it</a:t>
-            </a:r>
-          </a:p>
-          <a:p>
-            <a:pPr lvl="1"/>
-            <a:r>
-              <a:rPr lang="en-US" b="0" i="0" u="none" strike="noStrike" baseline="0" dirty="0">
-                <a:latin typeface="ArialMT"/>
-              </a:rPr>
-              <a:t>10, 10, 5, 1, 1, 1, 1</a:t>
-            </a:r>
-          </a:p>
-          <a:p>
-            <a:pPr lvl="1"/>
-            <a:r>
-              <a:rPr lang="en-US" b="0" i="0" u="none" strike="noStrike" baseline="0" dirty="0">
-                <a:latin typeface="ArialMT"/>
-              </a:rPr>
-              <a:t>5, 5, 5, 5, 5, 1, 1, 1, 1</a:t>
-            </a:r>
-          </a:p>
-          <a:p>
-            <a:pPr lvl="1"/>
-            <a:r>
-              <a:rPr lang="en-US" b="0" i="0" u="none" strike="noStrike" baseline="0" dirty="0">
-                <a:latin typeface="ArialMT"/>
-              </a:rPr>
-              <a:t>1, 1, 1, 1, 1, 1, 1, 1, 1, 1, 1, 1, 1, 1,</a:t>
-            </a:r>
-          </a:p>
-          <a:p>
-            <a:pPr lvl="1"/>
-            <a:r>
-              <a:rPr lang="en-US" b="0" i="0" u="none" strike="noStrike" baseline="0" dirty="0">
-                <a:latin typeface="ArialMT"/>
-              </a:rPr>
-              <a:t>1…………., 1</a:t>
-            </a:r>
-            <a:endParaRPr lang="en-CA" altLang="en-US" sz="3600" dirty="0"/>
+            <a:endParaRPr lang="en-CA" altLang="en-US" sz="1800" dirty="0"/>
           </a:p>
         </p:txBody>
       </p:sp>
     </p:spTree>
-    <p:extLst>
-      <p:ext uri="{BB962C8B-B14F-4D97-AF65-F5344CB8AC3E}">
-        <p14:creationId xmlns:p14="http://schemas.microsoft.com/office/powerpoint/2010/main" val="2487291395"/>
-      </p:ext>
-    </p:extLst>
   </p:cSld>
   <p:clrMapOvr>
     <a:masterClrMapping/>
@@ -11874,7 +12553,7 @@
 </p:sld>
 </file>
 
-<file path=ppt/slides/slide24.xml><?xml version="1.0" encoding="utf-8"?>
+<file path=ppt/slides/slide25.xml><?xml version="1.0" encoding="utf-8"?>
 <p:sld xmlns:a="http://schemas.openxmlformats.org/drawingml/2006/main" xmlns:r="http://schemas.openxmlformats.org/officeDocument/2006/relationships" xmlns:p="http://schemas.openxmlformats.org/presentationml/2006/main">
   <p:cSld>
     <p:spTree>
@@ -12058,6 +12737,13 @@
               </a:rPr>
               <a:t>2.1</a:t>
             </a:r>
+            <a:endParaRPr lang="en-US" altLang="zh-CN" sz="2800" b="1" dirty="0">
+              <a:solidFill>
+                <a:schemeClr val="bg1"/>
+              </a:solidFill>
+              <a:latin typeface="Microsoft YaHei" panose="020B0503020204020204" pitchFamily="34" charset="-122"/>
+              <a:ea typeface="Microsoft YaHei" panose="020B0503020204020204" pitchFamily="34" charset="-122"/>
+            </a:endParaRPr>
           </a:p>
         </p:txBody>
       </p:sp>
@@ -12211,69 +12897,118 @@
           <a:p>
             <a:pPr algn="l"/>
             <a:r>
-              <a:rPr lang="en-US" sz="3600" b="0" i="0" u="none" strike="noStrike" baseline="0" dirty="0">
-                <a:latin typeface="ArialMT"/>
-              </a:rPr>
-              <a:t>There are multiple solutions to a problem.</a:t>
-            </a:r>
+              <a:rPr lang="en-US" sz="3200" b="0" i="0" u="none" strike="noStrike" baseline="0" dirty="0">
+                <a:latin typeface="Calibri" panose="020F0502020204030204" pitchFamily="34" charset="0"/>
+                <a:cs typeface="Calibri" panose="020F0502020204030204" pitchFamily="34" charset="0"/>
+              </a:rPr>
+              <a:t>How does one make change for N cents?</a:t>
+            </a:r>
+            <a:endParaRPr lang="en-US" sz="3200" b="0" i="0" u="none" strike="noStrike" baseline="0" dirty="0">
+              <a:latin typeface="Calibri" panose="020F0502020204030204" pitchFamily="34" charset="0"/>
+              <a:cs typeface="Calibri" panose="020F0502020204030204" pitchFamily="34" charset="0"/>
+            </a:endParaRPr>
           </a:p>
           <a:p>
             <a:pPr algn="l"/>
             <a:r>
-              <a:rPr lang="en-US" sz="3600" b="0" i="0" u="none" strike="noStrike" baseline="0" dirty="0">
-                <a:latin typeface="ArialMT"/>
-              </a:rPr>
-              <a:t>Select the “optimal” solution</a:t>
-            </a:r>
+              <a:rPr lang="en-US" sz="3200" b="0" i="0" u="none" strike="noStrike" baseline="0" dirty="0">
+                <a:latin typeface="Calibri" panose="020F0502020204030204" pitchFamily="34" charset="0"/>
+                <a:cs typeface="Calibri" panose="020F0502020204030204" pitchFamily="34" charset="0"/>
+              </a:rPr>
+              <a:t>Example: N = 29</a:t>
+            </a:r>
+            <a:endParaRPr lang="en-US" sz="3200" b="0" i="0" u="none" strike="noStrike" baseline="0" dirty="0">
+              <a:latin typeface="Calibri" panose="020F0502020204030204" pitchFamily="34" charset="0"/>
+              <a:cs typeface="Calibri" panose="020F0502020204030204" pitchFamily="34" charset="0"/>
+            </a:endParaRPr>
+          </a:p>
+          <a:p>
+            <a:pPr lvl="1"/>
+            <a:r>
+              <a:rPr lang="en-US" b="0" i="0" u="none" strike="noStrike" baseline="0" dirty="0">
+                <a:latin typeface="Calibri" panose="020F0502020204030204" pitchFamily="34" charset="0"/>
+                <a:cs typeface="Calibri" panose="020F0502020204030204" pitchFamily="34" charset="0"/>
+              </a:rPr>
+              <a:t>25, 1, 1, 1, 1</a:t>
+            </a:r>
+            <a:endParaRPr lang="en-US" b="0" i="0" u="none" strike="noStrike" baseline="0" dirty="0">
+              <a:latin typeface="Calibri" panose="020F0502020204030204" pitchFamily="34" charset="0"/>
+              <a:cs typeface="Calibri" panose="020F0502020204030204" pitchFamily="34" charset="0"/>
+            </a:endParaRPr>
           </a:p>
           <a:p>
             <a:pPr algn="l"/>
             <a:r>
-              <a:rPr lang="en-US" sz="3600" b="0" i="0" u="none" strike="noStrike" baseline="0" dirty="0">
-                <a:latin typeface="ArialMT"/>
-              </a:rPr>
-              <a:t>For </a:t>
-            </a:r>
-            <a:r>
-              <a:rPr lang="en-US" sz="3600" b="0" i="0" u="none" strike="noStrike" baseline="0" dirty="0" err="1">
-                <a:latin typeface="ArialMT"/>
-              </a:rPr>
-              <a:t>NCoins</a:t>
-            </a:r>
-            <a:r>
-              <a:rPr lang="en-US" sz="3600" b="0" i="0" u="none" strike="noStrike" baseline="0" dirty="0">
-                <a:latin typeface="ArialMT"/>
-              </a:rPr>
-              <a:t>: the least number of coins</a:t>
-            </a:r>
+              <a:rPr lang="en-US" sz="3200" b="0" i="0" u="none" strike="noStrike" baseline="0" dirty="0">
+                <a:latin typeface="Calibri" panose="020F0502020204030204" pitchFamily="34" charset="0"/>
+                <a:cs typeface="Calibri" panose="020F0502020204030204" pitchFamily="34" charset="0"/>
+              </a:rPr>
+              <a:t>But there are other ways of doing it</a:t>
+            </a:r>
+            <a:endParaRPr lang="en-US" sz="3200" b="0" i="0" u="none" strike="noStrike" baseline="0" dirty="0">
+              <a:latin typeface="Calibri" panose="020F0502020204030204" pitchFamily="34" charset="0"/>
+              <a:cs typeface="Calibri" panose="020F0502020204030204" pitchFamily="34" charset="0"/>
+            </a:endParaRPr>
           </a:p>
           <a:p>
             <a:pPr lvl="1"/>
             <a:r>
-              <a:rPr lang="en-US" sz="2800" b="0" i="0" u="none" strike="noStrike" baseline="0" dirty="0">
-                <a:latin typeface="ArialMT"/>
-              </a:rPr>
-              <a:t>25, 1, 1, 1, 1</a:t>
-            </a:r>
+              <a:rPr lang="en-US" b="0" i="0" u="none" strike="noStrike" baseline="0" dirty="0">
+                <a:latin typeface="Calibri" panose="020F0502020204030204" pitchFamily="34" charset="0"/>
+                <a:cs typeface="Calibri" panose="020F0502020204030204" pitchFamily="34" charset="0"/>
+              </a:rPr>
+              <a:t>10, 10, 5, 1, 1, 1, 1</a:t>
+            </a:r>
+            <a:endParaRPr lang="en-US" b="0" i="0" u="none" strike="noStrike" baseline="0" dirty="0">
+              <a:latin typeface="Calibri" panose="020F0502020204030204" pitchFamily="34" charset="0"/>
+              <a:cs typeface="Calibri" panose="020F0502020204030204" pitchFamily="34" charset="0"/>
+            </a:endParaRPr>
           </a:p>
           <a:p>
             <a:pPr lvl="1"/>
             <a:r>
-              <a:rPr lang="en-US" altLang="en-US" sz="2800" dirty="0">
-                <a:latin typeface="ArialMT"/>
-              </a:rPr>
-              <a:t>This is a “greedy” approach, will be covered in more detail in latter weeks</a:t>
-            </a:r>
-            <a:endParaRPr lang="en-CA" altLang="en-US" sz="5400" dirty="0"/>
+              <a:rPr lang="en-US" b="0" i="0" u="none" strike="noStrike" baseline="0" dirty="0">
+                <a:latin typeface="Calibri" panose="020F0502020204030204" pitchFamily="34" charset="0"/>
+                <a:cs typeface="Calibri" panose="020F0502020204030204" pitchFamily="34" charset="0"/>
+              </a:rPr>
+              <a:t>5, 5, 5, 5, 5, 1, 1, 1, 1</a:t>
+            </a:r>
+            <a:endParaRPr lang="en-US" b="0" i="0" u="none" strike="noStrike" baseline="0" dirty="0">
+              <a:latin typeface="Calibri" panose="020F0502020204030204" pitchFamily="34" charset="0"/>
+              <a:cs typeface="Calibri" panose="020F0502020204030204" pitchFamily="34" charset="0"/>
+            </a:endParaRPr>
+          </a:p>
+          <a:p>
+            <a:pPr lvl="1"/>
+            <a:r>
+              <a:rPr lang="en-US" b="0" i="0" u="none" strike="noStrike" baseline="0" dirty="0">
+                <a:latin typeface="Calibri" panose="020F0502020204030204" pitchFamily="34" charset="0"/>
+                <a:cs typeface="Calibri" panose="020F0502020204030204" pitchFamily="34" charset="0"/>
+              </a:rPr>
+              <a:t>1, 1, 1, 1, 1, 1, 1, 1, 1, 1, 1, 1, 1, 1,</a:t>
+            </a:r>
+            <a:endParaRPr lang="en-US" b="0" i="0" u="none" strike="noStrike" baseline="0" dirty="0">
+              <a:latin typeface="Calibri" panose="020F0502020204030204" pitchFamily="34" charset="0"/>
+              <a:cs typeface="Calibri" panose="020F0502020204030204" pitchFamily="34" charset="0"/>
+            </a:endParaRPr>
+          </a:p>
+          <a:p>
+            <a:pPr lvl="1"/>
+            <a:r>
+              <a:rPr lang="en-US" b="0" i="0" u="none" strike="noStrike" baseline="0" dirty="0">
+                <a:latin typeface="Calibri" panose="020F0502020204030204" pitchFamily="34" charset="0"/>
+                <a:cs typeface="Calibri" panose="020F0502020204030204" pitchFamily="34" charset="0"/>
+              </a:rPr>
+              <a:t>1…………., 1</a:t>
+            </a:r>
+            <a:endParaRPr lang="en-CA" altLang="en-US" sz="3600" dirty="0">
+              <a:latin typeface="Calibri" panose="020F0502020204030204" pitchFamily="34" charset="0"/>
+              <a:cs typeface="Calibri" panose="020F0502020204030204" pitchFamily="34" charset="0"/>
+            </a:endParaRPr>
           </a:p>
         </p:txBody>
       </p:sp>
     </p:spTree>
-    <p:extLst>
-      <p:ext uri="{BB962C8B-B14F-4D97-AF65-F5344CB8AC3E}">
-        <p14:creationId xmlns:p14="http://schemas.microsoft.com/office/powerpoint/2010/main" val="248974429"/>
-      </p:ext>
-    </p:extLst>
   </p:cSld>
   <p:clrMapOvr>
     <a:masterClrMapping/>
@@ -12284,7 +13019,7 @@
 </p:sld>
 </file>
 
-<file path=ppt/slides/slide25.xml><?xml version="1.0" encoding="utf-8"?>
+<file path=ppt/slides/slide26.xml><?xml version="1.0" encoding="utf-8"?>
 <p:sld xmlns:a="http://schemas.openxmlformats.org/drawingml/2006/main" xmlns:r="http://schemas.openxmlformats.org/officeDocument/2006/relationships" xmlns:p="http://schemas.openxmlformats.org/presentationml/2006/main">
   <p:cSld>
     <p:spTree>
@@ -12468,6 +13203,13 @@
               </a:rPr>
               <a:t>2.1</a:t>
             </a:r>
+            <a:endParaRPr lang="en-US" altLang="zh-CN" sz="2800" b="1" dirty="0">
+              <a:solidFill>
+                <a:schemeClr val="bg1"/>
+              </a:solidFill>
+              <a:latin typeface="Microsoft YaHei" panose="020B0503020204020204" pitchFamily="34" charset="-122"/>
+              <a:ea typeface="Microsoft YaHei" panose="020B0503020204020204" pitchFamily="34" charset="-122"/>
+            </a:endParaRPr>
           </a:p>
         </p:txBody>
       </p:sp>
@@ -12578,27 +13320,6 @@
               </a:rPr>
               <a:t>NCoins</a:t>
             </a:r>
-            <a:r>
-              <a:rPr kumimoji="0" lang="en-CA" altLang="en-US" sz="2800" b="1" i="0" u="none" strike="noStrike" kern="1200" cap="none" spc="0" normalizeH="0" baseline="0" noProof="0">
-                <a:ln>
-                  <a:noFill/>
-                </a:ln>
-                <a:solidFill>
-                  <a:schemeClr val="tx1">
-                    <a:lumMod val="85000"/>
-                    <a:lumOff val="15000"/>
-                  </a:schemeClr>
-                </a:solidFill>
-                <a:effectLst/>
-                <a:uLnTx/>
-                <a:uFillTx/>
-                <a:latin typeface="Microsoft YaHei" panose="020B0503020204020204" pitchFamily="34" charset="-122"/>
-                <a:ea typeface="Microsoft YaHei" panose="020B0503020204020204" pitchFamily="34" charset="-122"/>
-                <a:cs typeface="+mn-cs"/>
-                <a:sym typeface="+mn-ea"/>
-              </a:rPr>
-              <a:t> – Solution Mindset</a:t>
-            </a:r>
             <a:endParaRPr kumimoji="0" lang="en-CA" altLang="en-US" sz="2800" b="1" i="0" u="none" strike="noStrike" kern="1200" cap="none" spc="0" normalizeH="0" baseline="0" noProof="0" dirty="0">
               <a:ln>
                 <a:noFill/>
@@ -12642,93 +13363,90 @@
           <a:p>
             <a:pPr algn="l"/>
             <a:r>
-              <a:rPr lang="en-US" dirty="0">
-                <a:latin typeface="ArialMT"/>
-              </a:rPr>
-              <a:t>First let’s consider divide-and-conquer</a:t>
-            </a:r>
+              <a:rPr lang="en-US" sz="3600" b="0" i="0" u="none" strike="noStrike" baseline="0" dirty="0">
+                <a:latin typeface="Calibri" panose="020F0502020204030204" pitchFamily="34" charset="0"/>
+                <a:cs typeface="Calibri" panose="020F0502020204030204" pitchFamily="34" charset="0"/>
+              </a:rPr>
+              <a:t>There are multiple solutions to a problem.</a:t>
+            </a:r>
+            <a:endParaRPr lang="en-US" sz="3600" b="0" i="0" u="none" strike="noStrike" baseline="0" dirty="0">
+              <a:latin typeface="Calibri" panose="020F0502020204030204" pitchFamily="34" charset="0"/>
+              <a:cs typeface="Calibri" panose="020F0502020204030204" pitchFamily="34" charset="0"/>
+            </a:endParaRPr>
           </a:p>
           <a:p>
             <a:pPr algn="l"/>
             <a:r>
-              <a:rPr lang="en-US" b="0" i="0" u="none" strike="noStrike" baseline="0" dirty="0">
-                <a:latin typeface="ArialMT"/>
-              </a:rPr>
-              <a:t>Hand each coin one at a time (N = 29).</a:t>
-            </a:r>
+              <a:rPr lang="en-US" sz="3600" b="0" i="0" u="none" strike="noStrike" baseline="0" dirty="0">
+                <a:latin typeface="Calibri" panose="020F0502020204030204" pitchFamily="34" charset="0"/>
+                <a:cs typeface="Calibri" panose="020F0502020204030204" pitchFamily="34" charset="0"/>
+              </a:rPr>
+              <a:t>Select the “optimal” solution</a:t>
+            </a:r>
+            <a:endParaRPr lang="en-US" sz="3600" b="0" i="0" u="none" strike="noStrike" baseline="0" dirty="0">
+              <a:latin typeface="Calibri" panose="020F0502020204030204" pitchFamily="34" charset="0"/>
+              <a:cs typeface="Calibri" panose="020F0502020204030204" pitchFamily="34" charset="0"/>
+            </a:endParaRPr>
           </a:p>
           <a:p>
             <a:pPr algn="l"/>
             <a:r>
-              <a:rPr lang="en-US" b="0" i="0" u="none" strike="noStrike" baseline="0" dirty="0">
-                <a:latin typeface="ArialMT"/>
-              </a:rPr>
-              <a:t>At each step, there are five coin choices:</a:t>
-            </a:r>
+              <a:rPr lang="en-US" sz="3600" b="0" i="0" u="none" strike="noStrike" baseline="0" dirty="0">
+                <a:latin typeface="Calibri" panose="020F0502020204030204" pitchFamily="34" charset="0"/>
+                <a:cs typeface="Calibri" panose="020F0502020204030204" pitchFamily="34" charset="0"/>
+              </a:rPr>
+              <a:t>For </a:t>
+            </a:r>
+            <a:r>
+              <a:rPr lang="en-US" sz="3600" b="0" i="0" u="none" strike="noStrike" baseline="0" dirty="0" err="1">
+                <a:latin typeface="Calibri" panose="020F0502020204030204" pitchFamily="34" charset="0"/>
+                <a:cs typeface="Calibri" panose="020F0502020204030204" pitchFamily="34" charset="0"/>
+              </a:rPr>
+              <a:t>NCoins</a:t>
+            </a:r>
+            <a:r>
+              <a:rPr lang="en-US" sz="3600" b="0" i="0" u="none" strike="noStrike" baseline="0" dirty="0">
+                <a:latin typeface="Calibri" panose="020F0502020204030204" pitchFamily="34" charset="0"/>
+                <a:cs typeface="Calibri" panose="020F0502020204030204" pitchFamily="34" charset="0"/>
+              </a:rPr>
+              <a:t>: the least number of coins</a:t>
+            </a:r>
+            <a:endParaRPr lang="en-US" sz="3600" b="0" i="0" u="none" strike="noStrike" baseline="0" dirty="0">
+              <a:latin typeface="Calibri" panose="020F0502020204030204" pitchFamily="34" charset="0"/>
+              <a:cs typeface="Calibri" panose="020F0502020204030204" pitchFamily="34" charset="0"/>
+            </a:endParaRPr>
           </a:p>
           <a:p>
             <a:pPr lvl="1"/>
             <a:r>
-              <a:rPr lang="en-US" sz="2000" b="0" i="0" u="none" strike="noStrike" baseline="0" dirty="0">
-                <a:latin typeface="ArialMT"/>
-              </a:rPr>
-              <a:t>1. Give a 25 → leaving 4 cents to give</a:t>
-            </a:r>
+              <a:rPr lang="en-US" sz="2800" b="0" i="0" u="none" strike="noStrike" baseline="0" dirty="0">
+                <a:latin typeface="Calibri" panose="020F0502020204030204" pitchFamily="34" charset="0"/>
+                <a:cs typeface="Calibri" panose="020F0502020204030204" pitchFamily="34" charset="0"/>
+              </a:rPr>
+              <a:t>25, 1, 1, 1, 1</a:t>
+            </a:r>
+            <a:endParaRPr lang="en-US" sz="2800" b="0" i="0" u="none" strike="noStrike" baseline="0" dirty="0">
+              <a:latin typeface="Calibri" panose="020F0502020204030204" pitchFamily="34" charset="0"/>
+              <a:cs typeface="Calibri" panose="020F0502020204030204" pitchFamily="34" charset="0"/>
+            </a:endParaRPr>
           </a:p>
           <a:p>
             <a:pPr lvl="1"/>
             <a:r>
-              <a:rPr lang="en-US" sz="2000" b="0" i="0" u="none" strike="noStrike" baseline="0" dirty="0">
-                <a:latin typeface="ArialMT"/>
-              </a:rPr>
-              <a:t>2. Give a 12 → leaving 17 cents to give</a:t>
-            </a:r>
-          </a:p>
-          <a:p>
-            <a:pPr lvl="1"/>
-            <a:r>
-              <a:rPr lang="en-US" sz="2000" b="0" i="0" u="none" strike="noStrike" baseline="0" dirty="0">
-                <a:latin typeface="ArialMT"/>
-              </a:rPr>
-              <a:t>3. Give a 10 → leaving 19 cents to give</a:t>
-            </a:r>
-          </a:p>
-          <a:p>
-            <a:pPr lvl="1"/>
-            <a:r>
-              <a:rPr lang="en-US" sz="2000" b="0" i="0" u="none" strike="noStrike" baseline="0" dirty="0">
-                <a:latin typeface="ArialMT"/>
-              </a:rPr>
-              <a:t>4. Give a 5 → leaving 24 cents to give</a:t>
-            </a:r>
-          </a:p>
-          <a:p>
-            <a:pPr lvl="1"/>
-            <a:r>
-              <a:rPr lang="en-US" sz="2000" b="0" i="0" u="none" strike="noStrike" baseline="0" dirty="0">
-                <a:latin typeface="ArialMT"/>
-              </a:rPr>
-              <a:t>5. Give a 1 → leaving 28 cents to give</a:t>
-            </a:r>
-          </a:p>
-          <a:p>
-            <a:pPr algn="l"/>
-            <a:r>
-              <a:rPr lang="en-US" b="0" i="0" u="none" strike="noStrike" baseline="0" dirty="0">
-                <a:latin typeface="ArialMT"/>
-              </a:rPr>
-              <a:t>Select the choice giving the least coins.</a:t>
-            </a:r>
-            <a:endParaRPr lang="en-CA" altLang="en-US" sz="7200" dirty="0"/>
+              <a:rPr lang="en-US" altLang="en-US" sz="2800" dirty="0">
+                <a:latin typeface="Calibri" panose="020F0502020204030204" pitchFamily="34" charset="0"/>
+                <a:cs typeface="Calibri" panose="020F0502020204030204" pitchFamily="34" charset="0"/>
+              </a:rPr>
+              <a:t>This is a “greedy” approach, will be covered in more detail in latter weeks</a:t>
+            </a:r>
+            <a:endParaRPr lang="en-CA" altLang="en-US" sz="5400" dirty="0">
+              <a:latin typeface="Calibri" panose="020F0502020204030204" pitchFamily="34" charset="0"/>
+              <a:cs typeface="Calibri" panose="020F0502020204030204" pitchFamily="34" charset="0"/>
+            </a:endParaRPr>
           </a:p>
         </p:txBody>
       </p:sp>
     </p:spTree>
-    <p:extLst>
-      <p:ext uri="{BB962C8B-B14F-4D97-AF65-F5344CB8AC3E}">
-        <p14:creationId xmlns:p14="http://schemas.microsoft.com/office/powerpoint/2010/main" val="1682084216"/>
-      </p:ext>
-    </p:extLst>
   </p:cSld>
   <p:clrMapOvr>
     <a:masterClrMapping/>
@@ -12739,7 +13457,7 @@
 </p:sld>
 </file>
 
-<file path=ppt/slides/slide26.xml><?xml version="1.0" encoding="utf-8"?>
+<file path=ppt/slides/slide27.xml><?xml version="1.0" encoding="utf-8"?>
 <p:sld xmlns:a="http://schemas.openxmlformats.org/drawingml/2006/main" xmlns:r="http://schemas.openxmlformats.org/officeDocument/2006/relationships" xmlns:p="http://schemas.openxmlformats.org/presentationml/2006/main">
   <p:cSld>
     <p:spTree>
@@ -12923,6 +13641,13 @@
               </a:rPr>
               <a:t>2.1</a:t>
             </a:r>
+            <a:endParaRPr lang="en-US" altLang="zh-CN" sz="2800" b="1" dirty="0">
+              <a:solidFill>
+                <a:schemeClr val="bg1"/>
+              </a:solidFill>
+              <a:latin typeface="Microsoft YaHei" panose="020B0503020204020204" pitchFamily="34" charset="-122"/>
+              <a:ea typeface="Microsoft YaHei" panose="020B0503020204020204" pitchFamily="34" charset="-122"/>
+            </a:endParaRPr>
           </a:p>
         </p:txBody>
       </p:sp>
@@ -13034,7 +13759,7 @@
               <a:t>NCoins</a:t>
             </a:r>
             <a:r>
-              <a:rPr kumimoji="0" lang="en-CA" altLang="en-US" sz="2800" b="1" i="0" u="none" strike="noStrike" kern="1200" cap="none" spc="0" normalizeH="0" baseline="0" noProof="0" dirty="0">
+              <a:rPr kumimoji="0" lang="en-CA" altLang="en-US" sz="2800" b="1" i="0" u="none" strike="noStrike" kern="1200" cap="none" spc="0" normalizeH="0" baseline="0" noProof="0">
                 <a:ln>
                   <a:noFill/>
                 </a:ln>
@@ -13052,81 +13777,177 @@
                 <a:cs typeface="+mn-cs"/>
                 <a:sym typeface="+mn-ea"/>
               </a:rPr>
-              <a:t> – DAC is Inefficient</a:t>
-            </a:r>
+              <a:t> – Solution Mindset</a:t>
+            </a:r>
+            <a:endParaRPr kumimoji="0" lang="en-CA" altLang="en-US" sz="2800" b="1" i="0" u="none" strike="noStrike" kern="1200" cap="none" spc="0" normalizeH="0" baseline="0" noProof="0" dirty="0">
+              <a:ln>
+                <a:noFill/>
+              </a:ln>
+              <a:solidFill>
+                <a:schemeClr val="tx1">
+                  <a:lumMod val="85000"/>
+                  <a:lumOff val="15000"/>
+                </a:schemeClr>
+              </a:solidFill>
+              <a:effectLst/>
+              <a:uLnTx/>
+              <a:uFillTx/>
+              <a:latin typeface="Microsoft YaHei" panose="020B0503020204020204" pitchFamily="34" charset="-122"/>
+              <a:ea typeface="Microsoft YaHei" panose="020B0503020204020204" pitchFamily="34" charset="-122"/>
+              <a:cs typeface="+mn-cs"/>
+              <a:sym typeface="+mn-ea"/>
+            </a:endParaRPr>
           </a:p>
         </p:txBody>
       </p:sp>
-      <p:pic>
-        <p:nvPicPr>
-          <p:cNvPr id="6" name="Content Placeholder 5">
-            <a:extLst>
-              <a:ext uri="{FF2B5EF4-FFF2-40B4-BE49-F238E27FC236}">
-                <a16:creationId xmlns:a16="http://schemas.microsoft.com/office/drawing/2014/main" id="{F392F2D5-9A16-4EB1-8692-2C89004E34F8}"/>
-              </a:ext>
-            </a:extLst>
-          </p:cNvPr>
-          <p:cNvPicPr>
-            <a:picLocks noGrp="1" noChangeAspect="1"/>
-          </p:cNvPicPr>
+      <p:sp>
+        <p:nvSpPr>
+          <p:cNvPr id="3" name="Content Placeholder 2"/>
+          <p:cNvSpPr>
+            <a:spLocks noGrp="1"/>
+          </p:cNvSpPr>
           <p:nvPr>
             <p:ph idx="1"/>
           </p:nvPr>
-        </p:nvPicPr>
-        <p:blipFill>
-          <a:blip r:embed="rId2"/>
-          <a:stretch>
-            <a:fillRect/>
-          </a:stretch>
-        </p:blipFill>
-        <p:spPr>
-          <a:xfrm>
-            <a:off x="2357098" y="1928844"/>
-            <a:ext cx="7477803" cy="4351337"/>
-          </a:xfrm>
-        </p:spPr>
-      </p:pic>
-      <p:sp>
-        <p:nvSpPr>
-          <p:cNvPr id="7" name="TextBox 6">
-            <a:extLst>
-              <a:ext uri="{FF2B5EF4-FFF2-40B4-BE49-F238E27FC236}">
-                <a16:creationId xmlns:a16="http://schemas.microsoft.com/office/drawing/2014/main" id="{51F4133C-A414-4F62-8842-172DD9D19BDF}"/>
-              </a:ext>
-            </a:extLst>
-          </p:cNvPr>
-          <p:cNvSpPr txBox="1"/>
-          <p:nvPr/>
         </p:nvSpPr>
         <p:spPr>
           <a:xfrm>
-            <a:off x="1305017" y="1198485"/>
-            <a:ext cx="8664606" cy="584775"/>
+            <a:off x="890588" y="1494359"/>
+            <a:ext cx="10515600" cy="4351338"/>
           </a:xfrm>
-          <a:prstGeom prst="rect">
-            <a:avLst/>
-          </a:prstGeom>
-          <a:noFill/>
         </p:spPr>
         <p:txBody>
-          <a:bodyPr wrap="square" rtlCol="0">
-            <a:spAutoFit/>
-          </a:bodyPr>
+          <a:bodyPr/>
           <a:lstStyle/>
           <a:p>
-            <a:r>
-              <a:rPr lang="en-US" sz="3200" dirty="0"/>
-              <a:t>Overlapping Subproblems…aka repeated work</a:t>
-            </a:r>
+            <a:pPr algn="l"/>
+            <a:r>
+              <a:rPr lang="en-US" dirty="0">
+                <a:latin typeface="Calibri" panose="020F0502020204030204" pitchFamily="34" charset="0"/>
+                <a:cs typeface="Calibri" panose="020F0502020204030204" pitchFamily="34" charset="0"/>
+              </a:rPr>
+              <a:t>First let’s consider divide-and-conquer</a:t>
+            </a:r>
+            <a:endParaRPr lang="en-US" dirty="0">
+              <a:latin typeface="Calibri" panose="020F0502020204030204" pitchFamily="34" charset="0"/>
+              <a:cs typeface="Calibri" panose="020F0502020204030204" pitchFamily="34" charset="0"/>
+            </a:endParaRPr>
+          </a:p>
+          <a:p>
+            <a:pPr algn="l"/>
+            <a:r>
+              <a:rPr lang="en-US" b="0" i="0" u="none" strike="noStrike" baseline="0" dirty="0">
+                <a:latin typeface="Calibri" panose="020F0502020204030204" pitchFamily="34" charset="0"/>
+                <a:cs typeface="Calibri" panose="020F0502020204030204" pitchFamily="34" charset="0"/>
+              </a:rPr>
+              <a:t>Hand each coin one at a time (N = 29).</a:t>
+            </a:r>
+            <a:endParaRPr lang="en-US" b="0" i="0" u="none" strike="noStrike" baseline="0" dirty="0">
+              <a:latin typeface="Calibri" panose="020F0502020204030204" pitchFamily="34" charset="0"/>
+              <a:cs typeface="Calibri" panose="020F0502020204030204" pitchFamily="34" charset="0"/>
+            </a:endParaRPr>
+          </a:p>
+          <a:p>
+            <a:pPr algn="l"/>
+            <a:r>
+              <a:rPr lang="en-US" b="0" i="0" u="none" strike="noStrike" baseline="0" dirty="0">
+                <a:latin typeface="Calibri" panose="020F0502020204030204" pitchFamily="34" charset="0"/>
+                <a:cs typeface="Calibri" panose="020F0502020204030204" pitchFamily="34" charset="0"/>
+              </a:rPr>
+              <a:t>At each step, there are five coin choices:</a:t>
+            </a:r>
+            <a:endParaRPr lang="en-US" b="0" i="0" u="none" strike="noStrike" baseline="0" dirty="0">
+              <a:latin typeface="Calibri" panose="020F0502020204030204" pitchFamily="34" charset="0"/>
+              <a:cs typeface="Calibri" panose="020F0502020204030204" pitchFamily="34" charset="0"/>
+            </a:endParaRPr>
+          </a:p>
+          <a:p>
+            <a:pPr lvl="1"/>
+            <a:r>
+              <a:rPr lang="en-US" sz="2000" b="0" i="0" u="none" strike="noStrike" baseline="0" dirty="0">
+                <a:latin typeface="Calibri" panose="020F0502020204030204" pitchFamily="34" charset="0"/>
+                <a:cs typeface="Calibri" panose="020F0502020204030204" pitchFamily="34" charset="0"/>
+              </a:rPr>
+              <a:t>1. Give a 25 → leaving 4 cents to give</a:t>
+            </a:r>
+            <a:endParaRPr lang="en-US" sz="2000" b="0" i="0" u="none" strike="noStrike" baseline="0" dirty="0">
+              <a:latin typeface="Calibri" panose="020F0502020204030204" pitchFamily="34" charset="0"/>
+              <a:cs typeface="Calibri" panose="020F0502020204030204" pitchFamily="34" charset="0"/>
+            </a:endParaRPr>
+          </a:p>
+          <a:p>
+            <a:pPr lvl="1"/>
+            <a:r>
+              <a:rPr lang="en-US" sz="2000" b="0" i="0" u="none" strike="noStrike" baseline="0" dirty="0">
+                <a:latin typeface="Calibri" panose="020F0502020204030204" pitchFamily="34" charset="0"/>
+                <a:cs typeface="Calibri" panose="020F0502020204030204" pitchFamily="34" charset="0"/>
+              </a:rPr>
+              <a:t>2. Give a 12 → leaving 17 cents to give</a:t>
+            </a:r>
+            <a:endParaRPr lang="en-US" sz="2000" b="0" i="0" u="none" strike="noStrike" baseline="0" dirty="0">
+              <a:latin typeface="Calibri" panose="020F0502020204030204" pitchFamily="34" charset="0"/>
+              <a:cs typeface="Calibri" panose="020F0502020204030204" pitchFamily="34" charset="0"/>
+            </a:endParaRPr>
+          </a:p>
+          <a:p>
+            <a:pPr lvl="1"/>
+            <a:r>
+              <a:rPr lang="en-US" sz="2000" b="0" i="0" u="none" strike="noStrike" baseline="0" dirty="0">
+                <a:latin typeface="Calibri" panose="020F0502020204030204" pitchFamily="34" charset="0"/>
+                <a:cs typeface="Calibri" panose="020F0502020204030204" pitchFamily="34" charset="0"/>
+              </a:rPr>
+              <a:t>3. Give a 10 → leaving 19 cents to give</a:t>
+            </a:r>
+            <a:endParaRPr lang="en-US" sz="2000" b="0" i="0" u="none" strike="noStrike" baseline="0" dirty="0">
+              <a:latin typeface="Calibri" panose="020F0502020204030204" pitchFamily="34" charset="0"/>
+              <a:cs typeface="Calibri" panose="020F0502020204030204" pitchFamily="34" charset="0"/>
+            </a:endParaRPr>
+          </a:p>
+          <a:p>
+            <a:pPr lvl="1"/>
+            <a:r>
+              <a:rPr lang="en-US" sz="2000" b="0" i="0" u="none" strike="noStrike" baseline="0" dirty="0">
+                <a:latin typeface="Calibri" panose="020F0502020204030204" pitchFamily="34" charset="0"/>
+                <a:cs typeface="Calibri" panose="020F0502020204030204" pitchFamily="34" charset="0"/>
+              </a:rPr>
+              <a:t>4. Give a 5 → leaving 24 cents to give</a:t>
+            </a:r>
+            <a:endParaRPr lang="en-US" sz="2000" b="0" i="0" u="none" strike="noStrike" baseline="0" dirty="0">
+              <a:latin typeface="Calibri" panose="020F0502020204030204" pitchFamily="34" charset="0"/>
+              <a:cs typeface="Calibri" panose="020F0502020204030204" pitchFamily="34" charset="0"/>
+            </a:endParaRPr>
+          </a:p>
+          <a:p>
+            <a:pPr lvl="1"/>
+            <a:r>
+              <a:rPr lang="en-US" sz="2000" b="0" i="0" u="none" strike="noStrike" baseline="0" dirty="0">
+                <a:latin typeface="Calibri" panose="020F0502020204030204" pitchFamily="34" charset="0"/>
+                <a:cs typeface="Calibri" panose="020F0502020204030204" pitchFamily="34" charset="0"/>
+              </a:rPr>
+              <a:t>5. Give a 1 → leaving 28 cents to give</a:t>
+            </a:r>
+            <a:endParaRPr lang="en-US" sz="2000" b="0" i="0" u="none" strike="noStrike" baseline="0" dirty="0">
+              <a:latin typeface="Calibri" panose="020F0502020204030204" pitchFamily="34" charset="0"/>
+              <a:cs typeface="Calibri" panose="020F0502020204030204" pitchFamily="34" charset="0"/>
+            </a:endParaRPr>
+          </a:p>
+          <a:p>
+            <a:pPr algn="l"/>
+            <a:r>
+              <a:rPr lang="en-US" b="0" i="0" u="none" strike="noStrike" baseline="0" dirty="0">
+                <a:latin typeface="Calibri" panose="020F0502020204030204" pitchFamily="34" charset="0"/>
+                <a:cs typeface="Calibri" panose="020F0502020204030204" pitchFamily="34" charset="0"/>
+              </a:rPr>
+              <a:t>Select the choice giving the least coins.</a:t>
+            </a:r>
+            <a:endParaRPr lang="en-CA" altLang="en-US" sz="7200" dirty="0">
+              <a:latin typeface="Calibri" panose="020F0502020204030204" pitchFamily="34" charset="0"/>
+              <a:cs typeface="Calibri" panose="020F0502020204030204" pitchFamily="34" charset="0"/>
+            </a:endParaRPr>
           </a:p>
         </p:txBody>
       </p:sp>
     </p:spTree>
-    <p:extLst>
-      <p:ext uri="{BB962C8B-B14F-4D97-AF65-F5344CB8AC3E}">
-        <p14:creationId xmlns:p14="http://schemas.microsoft.com/office/powerpoint/2010/main" val="3876122817"/>
-      </p:ext>
-    </p:extLst>
   </p:cSld>
   <p:clrMapOvr>
     <a:masterClrMapping/>
@@ -13137,7 +13958,7 @@
 </p:sld>
 </file>
 
-<file path=ppt/slides/slide27.xml><?xml version="1.0" encoding="utf-8"?>
+<file path=ppt/slides/slide28.xml><?xml version="1.0" encoding="utf-8"?>
 <p:sld xmlns:a="http://schemas.openxmlformats.org/drawingml/2006/main" xmlns:r="http://schemas.openxmlformats.org/officeDocument/2006/relationships" xmlns:p="http://schemas.openxmlformats.org/presentationml/2006/main">
   <p:cSld>
     <p:spTree>
@@ -13321,6 +14142,13 @@
               </a:rPr>
               <a:t>2.1</a:t>
             </a:r>
+            <a:endParaRPr lang="en-US" altLang="zh-CN" sz="2800" b="1" dirty="0">
+              <a:solidFill>
+                <a:schemeClr val="bg1"/>
+              </a:solidFill>
+              <a:latin typeface="Microsoft YaHei" panose="020B0503020204020204" pitchFamily="34" charset="-122"/>
+              <a:ea typeface="Microsoft YaHei" panose="020B0503020204020204" pitchFamily="34" charset="-122"/>
+            </a:endParaRPr>
           </a:p>
         </p:txBody>
       </p:sp>
@@ -13450,141 +14278,83 @@
                 <a:cs typeface="+mn-cs"/>
                 <a:sym typeface="+mn-ea"/>
               </a:rPr>
-              <a:t> – </a:t>
-            </a:r>
-            <a:r>
-              <a:rPr kumimoji="0" lang="en-CA" altLang="en-US" sz="2800" b="1" i="0" u="none" strike="noStrike" kern="1200" cap="none" spc="0" normalizeH="0" baseline="0" noProof="0" dirty="0" err="1">
-                <a:ln>
-                  <a:noFill/>
-                </a:ln>
-                <a:solidFill>
-                  <a:schemeClr val="tx1">
-                    <a:lumMod val="85000"/>
-                    <a:lumOff val="15000"/>
-                  </a:schemeClr>
-                </a:solidFill>
-                <a:effectLst/>
-                <a:uLnTx/>
-                <a:uFillTx/>
-                <a:latin typeface="Microsoft YaHei" panose="020B0503020204020204" pitchFamily="34" charset="-122"/>
-                <a:ea typeface="Microsoft YaHei" panose="020B0503020204020204" pitchFamily="34" charset="-122"/>
-                <a:cs typeface="+mn-cs"/>
-                <a:sym typeface="+mn-ea"/>
-              </a:rPr>
-              <a:t>MinCoins</a:t>
-            </a:r>
-            <a:r>
-              <a:rPr kumimoji="0" lang="en-CA" altLang="en-US" sz="2800" b="1" i="0" u="none" strike="noStrike" kern="1200" cap="none" spc="0" normalizeH="0" baseline="0" noProof="0" dirty="0">
-                <a:ln>
-                  <a:noFill/>
-                </a:ln>
-                <a:solidFill>
-                  <a:schemeClr val="tx1">
-                    <a:lumMod val="85000"/>
-                    <a:lumOff val="15000"/>
-                  </a:schemeClr>
-                </a:solidFill>
-                <a:effectLst/>
-                <a:uLnTx/>
-                <a:uFillTx/>
-                <a:latin typeface="Microsoft YaHei" panose="020B0503020204020204" pitchFamily="34" charset="-122"/>
-                <a:ea typeface="Microsoft YaHei" panose="020B0503020204020204" pitchFamily="34" charset="-122"/>
-                <a:cs typeface="+mn-cs"/>
-                <a:sym typeface="+mn-ea"/>
-              </a:rPr>
-              <a:t> Table</a:t>
-            </a:r>
+              <a:t> – DAC is Inefficient</a:t>
+            </a:r>
+            <a:endParaRPr kumimoji="0" lang="en-CA" altLang="en-US" sz="2800" b="1" i="0" u="none" strike="noStrike" kern="1200" cap="none" spc="0" normalizeH="0" baseline="0" noProof="0" dirty="0">
+              <a:ln>
+                <a:noFill/>
+              </a:ln>
+              <a:solidFill>
+                <a:schemeClr val="tx1">
+                  <a:lumMod val="85000"/>
+                  <a:lumOff val="15000"/>
+                </a:schemeClr>
+              </a:solidFill>
+              <a:effectLst/>
+              <a:uLnTx/>
+              <a:uFillTx/>
+              <a:latin typeface="Microsoft YaHei" panose="020B0503020204020204" pitchFamily="34" charset="-122"/>
+              <a:ea typeface="Microsoft YaHei" panose="020B0503020204020204" pitchFamily="34" charset="-122"/>
+              <a:cs typeface="+mn-cs"/>
+              <a:sym typeface="+mn-ea"/>
+            </a:endParaRPr>
           </a:p>
         </p:txBody>
       </p:sp>
-      <p:sp>
-        <p:nvSpPr>
-          <p:cNvPr id="3" name="Content Placeholder 2"/>
-          <p:cNvSpPr>
-            <a:spLocks noGrp="1"/>
-          </p:cNvSpPr>
+      <p:pic>
+        <p:nvPicPr>
+          <p:cNvPr id="6" name="Content Placeholder 5"/>
+          <p:cNvPicPr>
+            <a:picLocks noGrp="1" noChangeAspect="1"/>
+          </p:cNvPicPr>
           <p:nvPr>
             <p:ph idx="1"/>
           </p:nvPr>
+        </p:nvPicPr>
+        <p:blipFill>
+          <a:blip r:embed="rId1"/>
+          <a:stretch>
+            <a:fillRect/>
+          </a:stretch>
+        </p:blipFill>
+        <p:spPr>
+          <a:xfrm>
+            <a:off x="2357098" y="1928844"/>
+            <a:ext cx="7477803" cy="4351337"/>
+          </a:xfrm>
+        </p:spPr>
+      </p:pic>
+      <p:sp>
+        <p:nvSpPr>
+          <p:cNvPr id="7" name="TextBox 6"/>
+          <p:cNvSpPr txBox="1"/>
+          <p:nvPr/>
         </p:nvSpPr>
         <p:spPr>
           <a:xfrm>
-            <a:off x="890588" y="1494359"/>
-            <a:ext cx="10515600" cy="4351338"/>
+            <a:off x="1305017" y="1198485"/>
+            <a:ext cx="8664606" cy="584775"/>
           </a:xfrm>
+          <a:prstGeom prst="rect">
+            <a:avLst/>
+          </a:prstGeom>
+          <a:noFill/>
         </p:spPr>
         <p:txBody>
-          <a:bodyPr/>
+          <a:bodyPr wrap="square" rtlCol="0">
+            <a:spAutoFit/>
+          </a:bodyPr>
           <a:lstStyle/>
           <a:p>
-            <a:pPr algn="l"/>
-            <a:r>
-              <a:rPr lang="en-US" sz="3200" b="0" i="0" u="none" strike="noStrike" baseline="0" dirty="0" err="1">
-                <a:latin typeface="ArialMT"/>
-              </a:rPr>
-              <a:t>NCoins</a:t>
-            </a:r>
-            <a:r>
-              <a:rPr lang="en-US" sz="3200" b="0" i="0" u="none" strike="noStrike" baseline="0" dirty="0">
-                <a:latin typeface="ArialMT"/>
-              </a:rPr>
-              <a:t> is a problem with one variable (N).</a:t>
-            </a:r>
-          </a:p>
-          <a:p>
-            <a:pPr lvl="1"/>
-            <a:r>
-              <a:rPr lang="en-US" b="0" i="0" u="none" strike="noStrike" baseline="0" dirty="0">
-                <a:latin typeface="ArialMT"/>
-              </a:rPr>
-              <a:t>Will require a 1D table</a:t>
-            </a:r>
-          </a:p>
-          <a:p>
-            <a:pPr algn="l"/>
-            <a:r>
-              <a:rPr lang="en-US" sz="3200" b="0" i="0" u="none" strike="noStrike" baseline="0" dirty="0">
-                <a:latin typeface="ArialMT"/>
-              </a:rPr>
-              <a:t>Fill in the table with the known base cases.</a:t>
-            </a:r>
-          </a:p>
-          <a:p>
-            <a:pPr algn="l"/>
-            <a:r>
-              <a:rPr lang="en-US" sz="3200" b="0" i="0" u="none" strike="noStrike" baseline="0" dirty="0">
-                <a:latin typeface="ArialMT"/>
-              </a:rPr>
-              <a:t>Identify the goal location in the table.</a:t>
-            </a:r>
-          </a:p>
-          <a:p>
-            <a:pPr algn="l"/>
-            <a:r>
-              <a:rPr lang="en-US" sz="3200" b="0" i="0" u="none" strike="noStrike" baseline="0" dirty="0">
-                <a:latin typeface="ArialMT"/>
-              </a:rPr>
-              <a:t>Determine the order to fill in the table.</a:t>
-            </a:r>
-          </a:p>
-          <a:p>
-            <a:pPr lvl="1"/>
-            <a:r>
-              <a:rPr lang="en-US" b="0" i="0" u="none" strike="noStrike" baseline="0" dirty="0">
-                <a:latin typeface="ArialMT"/>
-              </a:rPr>
-              <a:t>Each subgoal must already be filled in</a:t>
-            </a:r>
-            <a:endParaRPr lang="en-CA" altLang="en-US" sz="9600" dirty="0"/>
+            <a:r>
+              <a:rPr lang="en-US" sz="3200" dirty="0"/>
+              <a:t>Overlapping Subproblems…aka repeated work</a:t>
+            </a:r>
+            <a:endParaRPr lang="en-US" sz="3200" dirty="0"/>
           </a:p>
         </p:txBody>
       </p:sp>
     </p:spTree>
-    <p:extLst>
-      <p:ext uri="{BB962C8B-B14F-4D97-AF65-F5344CB8AC3E}">
-        <p14:creationId xmlns:p14="http://schemas.microsoft.com/office/powerpoint/2010/main" val="1404858074"/>
-      </p:ext>
-    </p:extLst>
   </p:cSld>
   <p:clrMapOvr>
     <a:masterClrMapping/>
@@ -13595,7 +14365,7 @@
 </p:sld>
 </file>
 
-<file path=ppt/slides/slide28.xml><?xml version="1.0" encoding="utf-8"?>
+<file path=ppt/slides/slide29.xml><?xml version="1.0" encoding="utf-8"?>
 <p:sld xmlns:a="http://schemas.openxmlformats.org/drawingml/2006/main" xmlns:r="http://schemas.openxmlformats.org/officeDocument/2006/relationships" xmlns:p="http://schemas.openxmlformats.org/presentationml/2006/main">
   <p:cSld>
     <p:spTree>
@@ -13779,6 +14549,13 @@
               </a:rPr>
               <a:t>2.1</a:t>
             </a:r>
+            <a:endParaRPr lang="en-US" altLang="zh-CN" sz="2800" b="1" dirty="0">
+              <a:solidFill>
+                <a:schemeClr val="bg1"/>
+              </a:solidFill>
+              <a:latin typeface="Microsoft YaHei" panose="020B0503020204020204" pitchFamily="34" charset="-122"/>
+              <a:ea typeface="Microsoft YaHei" panose="020B0503020204020204" pitchFamily="34" charset="-122"/>
+            </a:endParaRPr>
           </a:p>
         </p:txBody>
       </p:sp>
@@ -13887,7 +14664,7 @@
                 <a:cs typeface="+mn-cs"/>
                 <a:sym typeface="+mn-ea"/>
               </a:rPr>
-              <a:t>Ncoins</a:t>
+              <a:t>NCoins</a:t>
             </a:r>
             <a:r>
               <a:rPr kumimoji="0" lang="en-CA" altLang="en-US" sz="2800" b="1" i="0" u="none" strike="noStrike" kern="1200" cap="none" spc="0" normalizeH="0" baseline="0" noProof="0" dirty="0">
@@ -13908,8 +14685,68 @@
                 <a:cs typeface="+mn-cs"/>
                 <a:sym typeface="+mn-ea"/>
               </a:rPr>
-              <a:t> – Second Table</a:t>
-            </a:r>
+              <a:t> – </a:t>
+            </a:r>
+            <a:r>
+              <a:rPr kumimoji="0" lang="en-CA" altLang="en-US" sz="2800" b="1" i="0" u="none" strike="noStrike" kern="1200" cap="none" spc="0" normalizeH="0" baseline="0" noProof="0" dirty="0" err="1">
+                <a:ln>
+                  <a:noFill/>
+                </a:ln>
+                <a:solidFill>
+                  <a:schemeClr val="tx1">
+                    <a:lumMod val="85000"/>
+                    <a:lumOff val="15000"/>
+                  </a:schemeClr>
+                </a:solidFill>
+                <a:effectLst/>
+                <a:uLnTx/>
+                <a:uFillTx/>
+                <a:latin typeface="Microsoft YaHei" panose="020B0503020204020204" pitchFamily="34" charset="-122"/>
+                <a:ea typeface="Microsoft YaHei" panose="020B0503020204020204" pitchFamily="34" charset="-122"/>
+                <a:cs typeface="+mn-cs"/>
+                <a:sym typeface="+mn-ea"/>
+              </a:rPr>
+              <a:t>MinCoins</a:t>
+            </a:r>
+            <a:r>
+              <a:rPr kumimoji="0" lang="en-CA" altLang="en-US" sz="2800" b="1" i="0" u="none" strike="noStrike" kern="1200" cap="none" spc="0" normalizeH="0" baseline="0" noProof="0" dirty="0">
+                <a:ln>
+                  <a:noFill/>
+                </a:ln>
+                <a:solidFill>
+                  <a:schemeClr val="tx1">
+                    <a:lumMod val="85000"/>
+                    <a:lumOff val="15000"/>
+                  </a:schemeClr>
+                </a:solidFill>
+                <a:effectLst/>
+                <a:uLnTx/>
+                <a:uFillTx/>
+                <a:latin typeface="Microsoft YaHei" panose="020B0503020204020204" pitchFamily="34" charset="-122"/>
+                <a:ea typeface="Microsoft YaHei" panose="020B0503020204020204" pitchFamily="34" charset="-122"/>
+                <a:cs typeface="+mn-cs"/>
+                <a:sym typeface="+mn-ea"/>
+              </a:rPr>
+              <a:t> Table</a:t>
+            </a:r>
+            <a:endParaRPr kumimoji="0" lang="en-CA" altLang="en-US" sz="2800" b="1" i="0" u="none" strike="noStrike" kern="1200" cap="none" spc="0" normalizeH="0" baseline="0" noProof="0" dirty="0">
+              <a:ln>
+                <a:noFill/>
+              </a:ln>
+              <a:solidFill>
+                <a:schemeClr val="tx1">
+                  <a:lumMod val="85000"/>
+                  <a:lumOff val="15000"/>
+                </a:schemeClr>
+              </a:solidFill>
+              <a:effectLst/>
+              <a:uLnTx/>
+              <a:uFillTx/>
+              <a:latin typeface="Microsoft YaHei" panose="020B0503020204020204" pitchFamily="34" charset="-122"/>
+              <a:ea typeface="Microsoft YaHei" panose="020B0503020204020204" pitchFamily="34" charset="-122"/>
+              <a:cs typeface="+mn-cs"/>
+              <a:sym typeface="+mn-ea"/>
+            </a:endParaRPr>
           </a:p>
         </p:txBody>
       </p:sp>
@@ -13935,461 +14772,97 @@
           <a:p>
             <a:pPr algn="l"/>
             <a:r>
-              <a:rPr lang="en-US" sz="3600" b="0" i="0" u="none" strike="noStrike" baseline="0" dirty="0">
-                <a:latin typeface="ArialMT"/>
-              </a:rPr>
-              <a:t>However, this </a:t>
-            </a:r>
-            <a:r>
-              <a:rPr lang="en-US" sz="3600" b="0" i="0" u="none" strike="noStrike" baseline="0" dirty="0" err="1">
-                <a:latin typeface="ArialMT"/>
-              </a:rPr>
-              <a:t>minCoins</a:t>
-            </a:r>
-            <a:r>
-              <a:rPr lang="en-US" sz="3600" b="0" i="0" u="none" strike="noStrike" baseline="0" dirty="0">
-                <a:latin typeface="ArialMT"/>
-              </a:rPr>
-              <a:t> table only gives the minimum number of coins needed.</a:t>
-            </a:r>
+              <a:rPr lang="en-US" sz="3200" b="0" i="0" u="none" strike="noStrike" baseline="0" dirty="0" err="1">
+                <a:latin typeface="Calibri" panose="020F0502020204030204" pitchFamily="34" charset="0"/>
+                <a:cs typeface="Calibri" panose="020F0502020204030204" pitchFamily="34" charset="0"/>
+              </a:rPr>
+              <a:t>NCoins</a:t>
+            </a:r>
+            <a:r>
+              <a:rPr lang="en-US" sz="3200" b="0" i="0" u="none" strike="noStrike" baseline="0" dirty="0">
+                <a:latin typeface="Calibri" panose="020F0502020204030204" pitchFamily="34" charset="0"/>
+                <a:cs typeface="Calibri" panose="020F0502020204030204" pitchFamily="34" charset="0"/>
+              </a:rPr>
+              <a:t> is a problem with one variable (N).</a:t>
+            </a:r>
+            <a:endParaRPr lang="en-US" sz="3200" b="0" i="0" u="none" strike="noStrike" baseline="0" dirty="0">
+              <a:latin typeface="Calibri" panose="020F0502020204030204" pitchFamily="34" charset="0"/>
+              <a:cs typeface="Calibri" panose="020F0502020204030204" pitchFamily="34" charset="0"/>
+            </a:endParaRPr>
           </a:p>
           <a:p>
             <a:pPr lvl="1"/>
             <a:r>
-              <a:rPr lang="en-US" sz="2800" b="0" i="0" u="none" strike="noStrike" baseline="0" dirty="0">
-                <a:latin typeface="ArialMT"/>
-              </a:rPr>
-              <a:t>The thing being optimized</a:t>
-            </a:r>
+              <a:rPr lang="en-US" b="0" i="0" u="none" strike="noStrike" baseline="0" dirty="0">
+                <a:latin typeface="Calibri" panose="020F0502020204030204" pitchFamily="34" charset="0"/>
+                <a:cs typeface="Calibri" panose="020F0502020204030204" pitchFamily="34" charset="0"/>
+              </a:rPr>
+              <a:t>Will require a 1D table</a:t>
+            </a:r>
+            <a:endParaRPr lang="en-US" b="0" i="0" u="none" strike="noStrike" baseline="0" dirty="0">
+              <a:latin typeface="Calibri" panose="020F0502020204030204" pitchFamily="34" charset="0"/>
+              <a:cs typeface="Calibri" panose="020F0502020204030204" pitchFamily="34" charset="0"/>
+            </a:endParaRPr>
           </a:p>
           <a:p>
             <a:pPr algn="l"/>
             <a:r>
-              <a:rPr lang="en-US" sz="3600" b="0" i="0" u="none" strike="noStrike" baseline="0" dirty="0">
-                <a:latin typeface="ArialMT"/>
-              </a:rPr>
-              <a:t>We usually also want the actual coins used.</a:t>
-            </a:r>
+              <a:rPr lang="en-US" sz="3200" b="0" i="0" u="none" strike="noStrike" baseline="0" dirty="0">
+                <a:latin typeface="Calibri" panose="020F0502020204030204" pitchFamily="34" charset="0"/>
+                <a:cs typeface="Calibri" panose="020F0502020204030204" pitchFamily="34" charset="0"/>
+              </a:rPr>
+              <a:t>Fill in the table with the known base cases.</a:t>
+            </a:r>
+            <a:endParaRPr lang="en-US" sz="3200" b="0" i="0" u="none" strike="noStrike" baseline="0" dirty="0">
+              <a:latin typeface="Calibri" panose="020F0502020204030204" pitchFamily="34" charset="0"/>
+              <a:cs typeface="Calibri" panose="020F0502020204030204" pitchFamily="34" charset="0"/>
+            </a:endParaRPr>
           </a:p>
           <a:p>
             <a:pPr algn="l"/>
             <a:r>
-              <a:rPr lang="en-US" sz="3600" b="0" i="0" u="none" strike="noStrike" baseline="0" dirty="0">
-                <a:latin typeface="ArialMT"/>
-              </a:rPr>
-              <a:t>So we can make the change</a:t>
-            </a:r>
+              <a:rPr lang="en-US" sz="3200" b="0" i="0" u="none" strike="noStrike" baseline="0" dirty="0">
+                <a:latin typeface="Calibri" panose="020F0502020204030204" pitchFamily="34" charset="0"/>
+                <a:cs typeface="Calibri" panose="020F0502020204030204" pitchFamily="34" charset="0"/>
+              </a:rPr>
+              <a:t>Identify the goal location in the table.</a:t>
+            </a:r>
+            <a:endParaRPr lang="en-US" sz="3200" b="0" i="0" u="none" strike="noStrike" baseline="0" dirty="0">
+              <a:latin typeface="Calibri" panose="020F0502020204030204" pitchFamily="34" charset="0"/>
+              <a:cs typeface="Calibri" panose="020F0502020204030204" pitchFamily="34" charset="0"/>
+            </a:endParaRPr>
           </a:p>
           <a:p>
             <a:pPr algn="l"/>
             <a:r>
-              <a:rPr lang="en-US" sz="3600" b="0" i="0" u="none" strike="noStrike" baseline="0" dirty="0">
-                <a:latin typeface="ArialMT"/>
-              </a:rPr>
-              <a:t>Build a second “winner” or “traceback” table.</a:t>
-            </a:r>
-            <a:endParaRPr lang="en-CA" altLang="en-US" sz="23900" dirty="0"/>
+              <a:rPr lang="en-US" sz="3200" b="0" i="0" u="none" strike="noStrike" baseline="0" dirty="0">
+                <a:latin typeface="Calibri" panose="020F0502020204030204" pitchFamily="34" charset="0"/>
+                <a:cs typeface="Calibri" panose="020F0502020204030204" pitchFamily="34" charset="0"/>
+              </a:rPr>
+              <a:t>Determine the order to fill in the table.</a:t>
+            </a:r>
+            <a:endParaRPr lang="en-US" sz="3200" b="0" i="0" u="none" strike="noStrike" baseline="0" dirty="0">
+              <a:latin typeface="Calibri" panose="020F0502020204030204" pitchFamily="34" charset="0"/>
+              <a:cs typeface="Calibri" panose="020F0502020204030204" pitchFamily="34" charset="0"/>
+            </a:endParaRPr>
+          </a:p>
+          <a:p>
+            <a:pPr lvl="1"/>
+            <a:r>
+              <a:rPr lang="en-US" b="0" i="0" u="none" strike="noStrike" baseline="0" dirty="0">
+                <a:latin typeface="Calibri" panose="020F0502020204030204" pitchFamily="34" charset="0"/>
+                <a:cs typeface="Calibri" panose="020F0502020204030204" pitchFamily="34" charset="0"/>
+              </a:rPr>
+              <a:t>Each subgoal must already be filled in</a:t>
+            </a:r>
+            <a:endParaRPr lang="en-CA" altLang="en-US" sz="9600" dirty="0">
+              <a:latin typeface="Calibri" panose="020F0502020204030204" pitchFamily="34" charset="0"/>
+              <a:cs typeface="Calibri" panose="020F0502020204030204" pitchFamily="34" charset="0"/>
+            </a:endParaRPr>
           </a:p>
         </p:txBody>
       </p:sp>
     </p:spTree>
-    <p:extLst>
-      <p:ext uri="{BB962C8B-B14F-4D97-AF65-F5344CB8AC3E}">
-        <p14:creationId xmlns:p14="http://schemas.microsoft.com/office/powerpoint/2010/main" val="3444679622"/>
-      </p:ext>
-    </p:extLst>
-  </p:cSld>
-  <p:clrMapOvr>
-    <a:masterClrMapping/>
-  </p:clrMapOvr>
-  <p:transition spd="slow">
-    <p:wipe/>
-  </p:transition>
-</p:sld>
-</file>
-
-<file path=ppt/slides/slide29.xml><?xml version="1.0" encoding="utf-8"?>
-<p:sld xmlns:a="http://schemas.openxmlformats.org/drawingml/2006/main" xmlns:r="http://schemas.openxmlformats.org/officeDocument/2006/relationships" xmlns:p="http://schemas.openxmlformats.org/presentationml/2006/main">
-  <p:cSld>
-    <p:spTree>
-      <p:nvGrpSpPr>
-        <p:cNvPr id="1" name=""/>
-        <p:cNvGrpSpPr/>
-        <p:nvPr/>
-      </p:nvGrpSpPr>
-      <p:grpSpPr>
-        <a:xfrm>
-          <a:off x="0" y="0"/>
-          <a:ext cx="0" cy="0"/>
-          <a:chOff x="0" y="0"/>
-          <a:chExt cx="0" cy="0"/>
-        </a:xfrm>
-      </p:grpSpPr>
-      <p:sp>
-        <p:nvSpPr>
-          <p:cNvPr id="15" name="任意多边形 14"/>
-          <p:cNvSpPr/>
-          <p:nvPr/>
-        </p:nvSpPr>
-        <p:spPr>
-          <a:xfrm>
-            <a:off x="0" y="274638"/>
-            <a:ext cx="890588" cy="639763"/>
-          </a:xfrm>
-          <a:custGeom>
-            <a:avLst/>
-            <a:gdLst>
-              <a:gd name="connsiteX0" fmla="*/ 0 w 1029743"/>
-              <a:gd name="connsiteY0" fmla="*/ 0 h 739718"/>
-              <a:gd name="connsiteX1" fmla="*/ 659884 w 1029743"/>
-              <a:gd name="connsiteY1" fmla="*/ 0 h 739718"/>
-              <a:gd name="connsiteX2" fmla="*/ 1029743 w 1029743"/>
-              <a:gd name="connsiteY2" fmla="*/ 369859 h 739718"/>
-              <a:gd name="connsiteX3" fmla="*/ 659884 w 1029743"/>
-              <a:gd name="connsiteY3" fmla="*/ 739718 h 739718"/>
-              <a:gd name="connsiteX4" fmla="*/ 0 w 1029743"/>
-              <a:gd name="connsiteY4" fmla="*/ 739718 h 739718"/>
-            </a:gdLst>
-            <a:ahLst/>
-            <a:cxnLst>
-              <a:cxn ang="0">
-                <a:pos x="connsiteX0" y="connsiteY0"/>
-              </a:cxn>
-              <a:cxn ang="0">
-                <a:pos x="connsiteX1" y="connsiteY1"/>
-              </a:cxn>
-              <a:cxn ang="0">
-                <a:pos x="connsiteX2" y="connsiteY2"/>
-              </a:cxn>
-              <a:cxn ang="0">
-                <a:pos x="connsiteX3" y="connsiteY3"/>
-              </a:cxn>
-              <a:cxn ang="0">
-                <a:pos x="connsiteX4" y="connsiteY4"/>
-              </a:cxn>
-            </a:cxnLst>
-            <a:rect l="l" t="t" r="r" b="b"/>
-            <a:pathLst>
-              <a:path w="1029743" h="739718">
-                <a:moveTo>
-                  <a:pt x="0" y="0"/>
-                </a:moveTo>
-                <a:lnTo>
-                  <a:pt x="659884" y="0"/>
-                </a:lnTo>
-                <a:cubicBezTo>
-                  <a:pt x="864151" y="0"/>
-                  <a:pt x="1029743" y="165592"/>
-                  <a:pt x="1029743" y="369859"/>
-                </a:cubicBezTo>
-                <a:cubicBezTo>
-                  <a:pt x="1029743" y="574126"/>
-                  <a:pt x="864151" y="739718"/>
-                  <a:pt x="659884" y="739718"/>
-                </a:cubicBezTo>
-                <a:lnTo>
-                  <a:pt x="0" y="739718"/>
-                </a:lnTo>
-                <a:close/>
-              </a:path>
-            </a:pathLst>
-          </a:custGeom>
-          <a:solidFill>
-            <a:srgbClr val="05B780"/>
-          </a:solidFill>
-          <a:ln>
-            <a:noFill/>
-          </a:ln>
-        </p:spPr>
-        <p:style>
-          <a:lnRef idx="2">
-            <a:schemeClr val="accent1">
-              <a:shade val="50000"/>
-            </a:schemeClr>
-          </a:lnRef>
-          <a:fillRef idx="1">
-            <a:schemeClr val="accent1"/>
-          </a:fillRef>
-          <a:effectRef idx="0">
-            <a:schemeClr val="accent1"/>
-          </a:effectRef>
-          <a:fontRef idx="minor">
-            <a:schemeClr val="lt1"/>
-          </a:fontRef>
-        </p:style>
-        <p:txBody>
-          <a:bodyPr anchor="ctr"/>
-          <a:lstStyle/>
-          <a:p>
-            <a:pPr marL="0" marR="0" lvl="0" indent="0" algn="ctr" defTabSz="914400" rtl="0" eaLnBrk="1" fontAlgn="auto" latinLnBrk="0" hangingPunct="1">
-              <a:lnSpc>
-                <a:spcPct val="100000"/>
-              </a:lnSpc>
-              <a:spcBef>
-                <a:spcPts val="0"/>
-              </a:spcBef>
-              <a:spcAft>
-                <a:spcPts val="0"/>
-              </a:spcAft>
-              <a:buClrTx/>
-              <a:buSzTx/>
-              <a:buFontTx/>
-              <a:buNone/>
-              <a:defRPr/>
-            </a:pPr>
-            <a:endParaRPr kumimoji="0" lang="zh-CN" altLang="en-US" sz="1800" b="0" i="0" u="none" strike="noStrike" kern="1200" cap="none" spc="0" normalizeH="0" baseline="0" noProof="0">
-              <a:ln>
-                <a:noFill/>
-              </a:ln>
-              <a:solidFill>
-                <a:schemeClr val="bg1"/>
-              </a:solidFill>
-              <a:effectLst/>
-              <a:uLnTx/>
-              <a:uFillTx/>
-              <a:latin typeface="+mn-lt"/>
-              <a:ea typeface="+mn-ea"/>
-              <a:cs typeface="+mn-cs"/>
-            </a:endParaRPr>
-          </a:p>
-        </p:txBody>
-      </p:sp>
-      <p:sp>
-        <p:nvSpPr>
-          <p:cNvPr id="7170" name="文本框 156"/>
-          <p:cNvSpPr txBox="1"/>
-          <p:nvPr/>
-        </p:nvSpPr>
-        <p:spPr>
-          <a:xfrm>
-            <a:off x="0" y="350838"/>
-            <a:ext cx="814388" cy="521970"/>
-          </a:xfrm>
-          <a:prstGeom prst="rect">
-            <a:avLst/>
-          </a:prstGeom>
-          <a:noFill/>
-          <a:ln w="9525">
-            <a:noFill/>
-          </a:ln>
-        </p:spPr>
-        <p:txBody>
-          <a:bodyPr anchor="t" anchorCtr="0">
-            <a:spAutoFit/>
-          </a:bodyPr>
-          <a:lstStyle/>
-          <a:p>
-            <a:pPr>
-              <a:buFont typeface="Arial" panose="020B0604020202020204" pitchFamily="34" charset="0"/>
-            </a:pPr>
-            <a:r>
-              <a:rPr lang="en-US" altLang="zh-CN" sz="2800" b="1" dirty="0">
-                <a:solidFill>
-                  <a:schemeClr val="bg1"/>
-                </a:solidFill>
-                <a:latin typeface="Microsoft YaHei" panose="020B0503020204020204" pitchFamily="34" charset="-122"/>
-                <a:ea typeface="Microsoft YaHei" panose="020B0503020204020204" pitchFamily="34" charset="-122"/>
-              </a:rPr>
-              <a:t>2.1</a:t>
-            </a:r>
-          </a:p>
-        </p:txBody>
-      </p:sp>
-      <p:sp>
-        <p:nvSpPr>
-          <p:cNvPr id="16" name="Rectangle 6"/>
-          <p:cNvSpPr>
-            <a:spLocks noChangeArrowheads="1"/>
-          </p:cNvSpPr>
-          <p:nvPr/>
-        </p:nvSpPr>
-        <p:spPr bwMode="black">
-          <a:xfrm>
-            <a:off x="1021080" y="334010"/>
-            <a:ext cx="8777605" cy="521970"/>
-          </a:xfrm>
-          <a:prstGeom prst="rect">
-            <a:avLst/>
-          </a:prstGeom>
-          <a:noFill/>
-          <a:ln>
-            <a:noFill/>
-          </a:ln>
-          <a:effectLst/>
-          <a:extLst>
-            <a:ext uri="{909E8E84-426E-40DD-AFC4-6F175D3DCCD1}">
-              <a14:hiddenFill xmlns:a14="http://schemas.microsoft.com/office/drawing/2010/main">
-                <a:solidFill>
-                  <a:schemeClr val="accent1"/>
-                </a:solidFill>
-              </a14:hiddenFill>
-            </a:ext>
-            <a:ext uri="{91240B29-F687-4F45-9708-019B960494DF}">
-              <a14:hiddenLine xmlns:a14="http://schemas.microsoft.com/office/drawing/2010/main" w="9525">
-                <a:solidFill>
-                  <a:schemeClr val="tx1"/>
-                </a:solidFill>
-                <a:miter lim="800000"/>
-                <a:headEnd/>
-                <a:tailEnd/>
-              </a14:hiddenLine>
-            </a:ext>
-            <a:ext uri="{AF507438-7753-43E0-B8FC-AC1667EBCBE1}">
-              <a14:hiddenEffects xmlns:a14="http://schemas.microsoft.com/office/drawing/2010/main">
-                <a:effectLst>
-                  <a:outerShdw dist="35921" dir="2700000" algn="ctr" rotWithShape="0">
-                    <a:schemeClr val="bg2"/>
-                  </a:outerShdw>
-                </a:effectLst>
-              </a14:hiddenEffects>
-            </a:ext>
-          </a:extLst>
-        </p:spPr>
-        <p:txBody>
-          <a:bodyPr wrap="square">
-            <a:spAutoFit/>
-          </a:bodyPr>
-          <a:lstStyle/>
-          <a:p>
-            <a:pPr eaLnBrk="0" fontAlgn="auto" hangingPunct="0">
-              <a:spcBef>
-                <a:spcPts val="0"/>
-              </a:spcBef>
-              <a:spcAft>
-                <a:spcPts val="0"/>
-              </a:spcAft>
-              <a:defRPr/>
-            </a:pPr>
-            <a:r>
-              <a:rPr kumimoji="0" lang="en-CA" altLang="en-US" sz="2800" b="1" i="0" u="none" strike="noStrike" kern="1200" cap="none" spc="0" normalizeH="0" baseline="0" noProof="0" dirty="0">
-                <a:ln>
-                  <a:noFill/>
-                </a:ln>
-                <a:solidFill>
-                  <a:schemeClr val="tx1">
-                    <a:lumMod val="85000"/>
-                    <a:lumOff val="15000"/>
-                  </a:schemeClr>
-                </a:solidFill>
-                <a:effectLst/>
-                <a:uLnTx/>
-                <a:uFillTx/>
-                <a:latin typeface="Microsoft YaHei" panose="020B0503020204020204" pitchFamily="34" charset="-122"/>
-                <a:ea typeface="Microsoft YaHei" panose="020B0503020204020204" pitchFamily="34" charset="-122"/>
-                <a:cs typeface="+mn-cs"/>
-                <a:sym typeface="+mn-ea"/>
-              </a:rPr>
-              <a:t>Demo Exercise: </a:t>
-            </a:r>
-            <a:r>
-              <a:rPr kumimoji="0" lang="en-CA" altLang="en-US" sz="2800" b="1" i="0" u="none" strike="noStrike" kern="1200" cap="none" spc="0" normalizeH="0" baseline="0" noProof="0" dirty="0" err="1">
-                <a:ln>
-                  <a:noFill/>
-                </a:ln>
-                <a:solidFill>
-                  <a:schemeClr val="tx1">
-                    <a:lumMod val="85000"/>
-                    <a:lumOff val="15000"/>
-                  </a:schemeClr>
-                </a:solidFill>
-                <a:effectLst/>
-                <a:uLnTx/>
-                <a:uFillTx/>
-                <a:latin typeface="Microsoft YaHei" panose="020B0503020204020204" pitchFamily="34" charset="-122"/>
-                <a:ea typeface="Microsoft YaHei" panose="020B0503020204020204" pitchFamily="34" charset="-122"/>
-                <a:cs typeface="+mn-cs"/>
-                <a:sym typeface="+mn-ea"/>
-              </a:rPr>
-              <a:t>Ncoins</a:t>
-            </a:r>
-            <a:r>
-              <a:rPr kumimoji="0" lang="en-CA" altLang="en-US" sz="2800" b="1" i="0" u="none" strike="noStrike" kern="1200" cap="none" spc="0" normalizeH="0" baseline="0" noProof="0" dirty="0">
-                <a:ln>
-                  <a:noFill/>
-                </a:ln>
-                <a:solidFill>
-                  <a:schemeClr val="tx1">
-                    <a:lumMod val="85000"/>
-                    <a:lumOff val="15000"/>
-                  </a:schemeClr>
-                </a:solidFill>
-                <a:effectLst/>
-                <a:uLnTx/>
-                <a:uFillTx/>
-                <a:latin typeface="Microsoft YaHei" panose="020B0503020204020204" pitchFamily="34" charset="-122"/>
-                <a:ea typeface="Microsoft YaHei" panose="020B0503020204020204" pitchFamily="34" charset="-122"/>
-                <a:cs typeface="+mn-cs"/>
-                <a:sym typeface="+mn-ea"/>
-              </a:rPr>
-              <a:t> – Traceback Table</a:t>
-            </a:r>
-          </a:p>
-        </p:txBody>
-      </p:sp>
-      <p:sp>
-        <p:nvSpPr>
-          <p:cNvPr id="3" name="Content Placeholder 2"/>
-          <p:cNvSpPr>
-            <a:spLocks noGrp="1"/>
-          </p:cNvSpPr>
-          <p:nvPr>
-            <p:ph idx="1"/>
-          </p:nvPr>
-        </p:nvSpPr>
-        <p:spPr>
-          <a:xfrm>
-            <a:off x="890588" y="1494359"/>
-            <a:ext cx="10515600" cy="4351338"/>
-          </a:xfrm>
-        </p:spPr>
-        <p:txBody>
-          <a:bodyPr/>
-          <a:lstStyle/>
-          <a:p>
-            <a:pPr algn="l"/>
-            <a:r>
-              <a:rPr lang="en-US" sz="3200" b="0" i="0" u="none" strike="noStrike" baseline="0" dirty="0">
-                <a:latin typeface="ArialMT"/>
-              </a:rPr>
-              <a:t>Can reconstruct the coins used by tracing backwards through the table of winners</a:t>
-            </a:r>
-          </a:p>
-          <a:p>
-            <a:pPr lvl="1"/>
-            <a:r>
-              <a:rPr lang="en-US" b="0" i="0" u="none" strike="noStrike" baseline="0" dirty="0">
-                <a:latin typeface="ArialMT"/>
-              </a:rPr>
-              <a:t>Sometimes called the traceback table</a:t>
-            </a:r>
-          </a:p>
-          <a:p>
-            <a:pPr algn="l"/>
-            <a:r>
-              <a:rPr lang="en-US" sz="3200" b="0" i="0" u="none" strike="noStrike" baseline="0" dirty="0">
-                <a:latin typeface="ArialMT"/>
-              </a:rPr>
-              <a:t>Note that the traceback table is built during the construction of the optimal table</a:t>
-            </a:r>
-          </a:p>
-          <a:p>
-            <a:pPr algn="l"/>
-            <a:r>
-              <a:rPr lang="en-US" sz="3200" b="0" i="0" u="none" strike="noStrike" baseline="0" dirty="0">
-                <a:latin typeface="ArialMT"/>
-              </a:rPr>
-              <a:t>But never used to determine values in the optimal table</a:t>
-            </a:r>
-            <a:endParaRPr lang="en-CA" altLang="en-US" sz="49600" dirty="0"/>
-          </a:p>
-        </p:txBody>
-      </p:sp>
-    </p:spTree>
-    <p:extLst>
-      <p:ext uri="{BB962C8B-B14F-4D97-AF65-F5344CB8AC3E}">
-        <p14:creationId xmlns:p14="http://schemas.microsoft.com/office/powerpoint/2010/main" val="802556567"/>
-      </p:ext>
-    </p:extLst>
   </p:cSld>
   <p:clrMapOvr>
     <a:masterClrMapping/>
@@ -14584,6 +15057,13 @@
               </a:rPr>
               <a:t>Week7 Recap</a:t>
             </a:r>
+            <a:endParaRPr lang="en-US" altLang="zh-CN" sz="3200" b="1" dirty="0">
+              <a:solidFill>
+                <a:schemeClr val="bg1"/>
+              </a:solidFill>
+              <a:latin typeface="Microsoft YaHei" panose="020B0503020204020204" pitchFamily="34" charset="-122"/>
+              <a:ea typeface="Microsoft YaHei" panose="020B0503020204020204" pitchFamily="34" charset="-122"/>
+            </a:endParaRPr>
           </a:p>
         </p:txBody>
       </p:sp>
@@ -14719,6 +15199,13 @@
               </a:rPr>
               <a:t> Recap</a:t>
             </a:r>
+            <a:endParaRPr lang="en-US" altLang="zh-CN" sz="3200" b="1" dirty="0">
+              <a:solidFill>
+                <a:srgbClr val="05B780"/>
+              </a:solidFill>
+              <a:latin typeface="Microsoft YaHei" panose="020B0503020204020204" pitchFamily="34" charset="-122"/>
+              <a:ea typeface="Microsoft YaHei" panose="020B0503020204020204" pitchFamily="34" charset="-122"/>
+            </a:endParaRPr>
           </a:p>
         </p:txBody>
       </p:sp>
@@ -14851,6 +15338,13 @@
                 </a:rPr>
                 <a:t>01a</a:t>
               </a:r>
+              <a:endParaRPr lang="en-US" altLang="zh-CN" sz="4400" b="1" dirty="0">
+                <a:solidFill>
+                  <a:schemeClr val="bg1"/>
+                </a:solidFill>
+                <a:latin typeface="Microsoft YaHei" panose="020B0503020204020204" pitchFamily="34" charset="-122"/>
+                <a:ea typeface="Microsoft YaHei" panose="020B0503020204020204" pitchFamily="34" charset="-122"/>
+              </a:endParaRPr>
             </a:p>
           </p:txBody>
         </p:sp>
@@ -15050,6 +15544,13 @@
               </a:rPr>
               <a:t>2.1</a:t>
             </a:r>
+            <a:endParaRPr lang="en-US" altLang="zh-CN" sz="2800" b="1" dirty="0">
+              <a:solidFill>
+                <a:schemeClr val="bg1"/>
+              </a:solidFill>
+              <a:latin typeface="Microsoft YaHei" panose="020B0503020204020204" pitchFamily="34" charset="-122"/>
+              <a:ea typeface="Microsoft YaHei" panose="020B0503020204020204" pitchFamily="34" charset="-122"/>
+            </a:endParaRPr>
           </a:p>
         </p:txBody>
       </p:sp>
@@ -15179,8 +15680,26 @@
                 <a:cs typeface="+mn-cs"/>
                 <a:sym typeface="+mn-ea"/>
               </a:rPr>
-              <a:t> – Code Demo</a:t>
-            </a:r>
+              <a:t> – Second Table</a:t>
+            </a:r>
+            <a:endParaRPr kumimoji="0" lang="en-CA" altLang="en-US" sz="2800" b="1" i="0" u="none" strike="noStrike" kern="1200" cap="none" spc="0" normalizeH="0" baseline="0" noProof="0" dirty="0">
+              <a:ln>
+                <a:noFill/>
+              </a:ln>
+              <a:solidFill>
+                <a:schemeClr val="tx1">
+                  <a:lumMod val="85000"/>
+                  <a:lumOff val="15000"/>
+                </a:schemeClr>
+              </a:solidFill>
+              <a:effectLst/>
+              <a:uLnTx/>
+              <a:uFillTx/>
+              <a:latin typeface="Microsoft YaHei" panose="020B0503020204020204" pitchFamily="34" charset="-122"/>
+              <a:ea typeface="Microsoft YaHei" panose="020B0503020204020204" pitchFamily="34" charset="-122"/>
+              <a:cs typeface="+mn-cs"/>
+              <a:sym typeface="+mn-ea"/>
+            </a:endParaRPr>
           </a:p>
         </p:txBody>
       </p:sp>
@@ -15205,16 +15724,91 @@
           <a:lstStyle/>
           <a:p>
             <a:pPr algn="l"/>
-            <a:endParaRPr lang="en-CA" altLang="en-US" sz="1800" dirty="0"/>
+            <a:r>
+              <a:rPr lang="en-US" sz="3600" b="0" i="0" u="none" strike="noStrike" baseline="0" dirty="0">
+                <a:latin typeface="Calibri" panose="020F0502020204030204" pitchFamily="34" charset="0"/>
+                <a:cs typeface="Calibri" panose="020F0502020204030204" pitchFamily="34" charset="0"/>
+              </a:rPr>
+              <a:t>However, this </a:t>
+            </a:r>
+            <a:r>
+              <a:rPr lang="en-US" sz="3600" b="0" i="0" u="none" strike="noStrike" baseline="0" dirty="0" err="1">
+                <a:latin typeface="Calibri" panose="020F0502020204030204" pitchFamily="34" charset="0"/>
+                <a:cs typeface="Calibri" panose="020F0502020204030204" pitchFamily="34" charset="0"/>
+              </a:rPr>
+              <a:t>minCoins</a:t>
+            </a:r>
+            <a:r>
+              <a:rPr lang="en-US" sz="3600" b="0" i="0" u="none" strike="noStrike" baseline="0" dirty="0">
+                <a:latin typeface="Calibri" panose="020F0502020204030204" pitchFamily="34" charset="0"/>
+                <a:cs typeface="Calibri" panose="020F0502020204030204" pitchFamily="34" charset="0"/>
+              </a:rPr>
+              <a:t> table only gives the minimum number of coins needed.</a:t>
+            </a:r>
+            <a:endParaRPr lang="en-US" sz="3600" b="0" i="0" u="none" strike="noStrike" baseline="0" dirty="0">
+              <a:latin typeface="Calibri" panose="020F0502020204030204" pitchFamily="34" charset="0"/>
+              <a:cs typeface="Calibri" panose="020F0502020204030204" pitchFamily="34" charset="0"/>
+            </a:endParaRPr>
+          </a:p>
+          <a:p>
+            <a:pPr lvl="1"/>
+            <a:r>
+              <a:rPr lang="en-US" sz="2800" b="0" i="0" u="none" strike="noStrike" baseline="0" dirty="0">
+                <a:latin typeface="Calibri" panose="020F0502020204030204" pitchFamily="34" charset="0"/>
+                <a:cs typeface="Calibri" panose="020F0502020204030204" pitchFamily="34" charset="0"/>
+              </a:rPr>
+              <a:t>The thing being optimized</a:t>
+            </a:r>
+            <a:endParaRPr lang="en-US" sz="2800" b="0" i="0" u="none" strike="noStrike" baseline="0" dirty="0">
+              <a:latin typeface="Calibri" panose="020F0502020204030204" pitchFamily="34" charset="0"/>
+              <a:cs typeface="Calibri" panose="020F0502020204030204" pitchFamily="34" charset="0"/>
+            </a:endParaRPr>
+          </a:p>
+          <a:p>
+            <a:pPr algn="l"/>
+            <a:r>
+              <a:rPr lang="en-US" sz="3600" b="0" i="0" u="none" strike="noStrike" baseline="0" dirty="0">
+                <a:latin typeface="Calibri" panose="020F0502020204030204" pitchFamily="34" charset="0"/>
+                <a:cs typeface="Calibri" panose="020F0502020204030204" pitchFamily="34" charset="0"/>
+              </a:rPr>
+              <a:t>We usually also want the actual coins used.</a:t>
+            </a:r>
+            <a:endParaRPr lang="en-US" sz="3600" b="0" i="0" u="none" strike="noStrike" baseline="0" dirty="0">
+              <a:latin typeface="Calibri" panose="020F0502020204030204" pitchFamily="34" charset="0"/>
+              <a:cs typeface="Calibri" panose="020F0502020204030204" pitchFamily="34" charset="0"/>
+            </a:endParaRPr>
+          </a:p>
+          <a:p>
+            <a:pPr algn="l"/>
+            <a:r>
+              <a:rPr lang="en-US" sz="3600" b="0" i="0" u="none" strike="noStrike" baseline="0" dirty="0">
+                <a:latin typeface="Calibri" panose="020F0502020204030204" pitchFamily="34" charset="0"/>
+                <a:cs typeface="Calibri" panose="020F0502020204030204" pitchFamily="34" charset="0"/>
+              </a:rPr>
+              <a:t>So we can make the change</a:t>
+            </a:r>
+            <a:endParaRPr lang="en-US" sz="3600" b="0" i="0" u="none" strike="noStrike" baseline="0" dirty="0">
+              <a:latin typeface="Calibri" panose="020F0502020204030204" pitchFamily="34" charset="0"/>
+              <a:cs typeface="Calibri" panose="020F0502020204030204" pitchFamily="34" charset="0"/>
+            </a:endParaRPr>
+          </a:p>
+          <a:p>
+            <a:pPr algn="l"/>
+            <a:r>
+              <a:rPr lang="en-US" sz="3600" b="0" i="0" u="none" strike="noStrike" baseline="0" dirty="0">
+                <a:latin typeface="Calibri" panose="020F0502020204030204" pitchFamily="34" charset="0"/>
+                <a:cs typeface="Calibri" panose="020F0502020204030204" pitchFamily="34" charset="0"/>
+              </a:rPr>
+              <a:t>Build a second “winner” or “traceback” table.</a:t>
+            </a:r>
+            <a:endParaRPr lang="en-CA" altLang="en-US" sz="23900" dirty="0">
+              <a:latin typeface="Calibri" panose="020F0502020204030204" pitchFamily="34" charset="0"/>
+              <a:cs typeface="Calibri" panose="020F0502020204030204" pitchFamily="34" charset="0"/>
+            </a:endParaRPr>
           </a:p>
         </p:txBody>
       </p:sp>
     </p:spTree>
-    <p:extLst>
-      <p:ext uri="{BB962C8B-B14F-4D97-AF65-F5344CB8AC3E}">
-        <p14:creationId xmlns:p14="http://schemas.microsoft.com/office/powerpoint/2010/main" val="2825069701"/>
-      </p:ext>
-    </p:extLst>
   </p:cSld>
   <p:clrMapOvr>
     <a:masterClrMapping/>
@@ -15226,6 +15820,1227 @@
 </file>
 
 <file path=ppt/slides/slide31.xml><?xml version="1.0" encoding="utf-8"?>
+<p:sld xmlns:a="http://schemas.openxmlformats.org/drawingml/2006/main" xmlns:r="http://schemas.openxmlformats.org/officeDocument/2006/relationships" xmlns:p="http://schemas.openxmlformats.org/presentationml/2006/main">
+  <p:cSld>
+    <p:spTree>
+      <p:nvGrpSpPr>
+        <p:cNvPr id="1" name=""/>
+        <p:cNvGrpSpPr/>
+        <p:nvPr/>
+      </p:nvGrpSpPr>
+      <p:grpSpPr>
+        <a:xfrm>
+          <a:off x="0" y="0"/>
+          <a:ext cx="0" cy="0"/>
+          <a:chOff x="0" y="0"/>
+          <a:chExt cx="0" cy="0"/>
+        </a:xfrm>
+      </p:grpSpPr>
+      <p:sp>
+        <p:nvSpPr>
+          <p:cNvPr id="15" name="任意多边形 14"/>
+          <p:cNvSpPr/>
+          <p:nvPr/>
+        </p:nvSpPr>
+        <p:spPr>
+          <a:xfrm>
+            <a:off x="0" y="274638"/>
+            <a:ext cx="890588" cy="639763"/>
+          </a:xfrm>
+          <a:custGeom>
+            <a:avLst/>
+            <a:gdLst>
+              <a:gd name="connsiteX0" fmla="*/ 0 w 1029743"/>
+              <a:gd name="connsiteY0" fmla="*/ 0 h 739718"/>
+              <a:gd name="connsiteX1" fmla="*/ 659884 w 1029743"/>
+              <a:gd name="connsiteY1" fmla="*/ 0 h 739718"/>
+              <a:gd name="connsiteX2" fmla="*/ 1029743 w 1029743"/>
+              <a:gd name="connsiteY2" fmla="*/ 369859 h 739718"/>
+              <a:gd name="connsiteX3" fmla="*/ 659884 w 1029743"/>
+              <a:gd name="connsiteY3" fmla="*/ 739718 h 739718"/>
+              <a:gd name="connsiteX4" fmla="*/ 0 w 1029743"/>
+              <a:gd name="connsiteY4" fmla="*/ 739718 h 739718"/>
+            </a:gdLst>
+            <a:ahLst/>
+            <a:cxnLst>
+              <a:cxn ang="0">
+                <a:pos x="connsiteX0" y="connsiteY0"/>
+              </a:cxn>
+              <a:cxn ang="0">
+                <a:pos x="connsiteX1" y="connsiteY1"/>
+              </a:cxn>
+              <a:cxn ang="0">
+                <a:pos x="connsiteX2" y="connsiteY2"/>
+              </a:cxn>
+              <a:cxn ang="0">
+                <a:pos x="connsiteX3" y="connsiteY3"/>
+              </a:cxn>
+              <a:cxn ang="0">
+                <a:pos x="connsiteX4" y="connsiteY4"/>
+              </a:cxn>
+            </a:cxnLst>
+            <a:rect l="l" t="t" r="r" b="b"/>
+            <a:pathLst>
+              <a:path w="1029743" h="739718">
+                <a:moveTo>
+                  <a:pt x="0" y="0"/>
+                </a:moveTo>
+                <a:lnTo>
+                  <a:pt x="659884" y="0"/>
+                </a:lnTo>
+                <a:cubicBezTo>
+                  <a:pt x="864151" y="0"/>
+                  <a:pt x="1029743" y="165592"/>
+                  <a:pt x="1029743" y="369859"/>
+                </a:cubicBezTo>
+                <a:cubicBezTo>
+                  <a:pt x="1029743" y="574126"/>
+                  <a:pt x="864151" y="739718"/>
+                  <a:pt x="659884" y="739718"/>
+                </a:cubicBezTo>
+                <a:lnTo>
+                  <a:pt x="0" y="739718"/>
+                </a:lnTo>
+                <a:close/>
+              </a:path>
+            </a:pathLst>
+          </a:custGeom>
+          <a:solidFill>
+            <a:srgbClr val="05B780"/>
+          </a:solidFill>
+          <a:ln>
+            <a:noFill/>
+          </a:ln>
+        </p:spPr>
+        <p:style>
+          <a:lnRef idx="2">
+            <a:schemeClr val="accent1">
+              <a:shade val="50000"/>
+            </a:schemeClr>
+          </a:lnRef>
+          <a:fillRef idx="1">
+            <a:schemeClr val="accent1"/>
+          </a:fillRef>
+          <a:effectRef idx="0">
+            <a:schemeClr val="accent1"/>
+          </a:effectRef>
+          <a:fontRef idx="minor">
+            <a:schemeClr val="lt1"/>
+          </a:fontRef>
+        </p:style>
+        <p:txBody>
+          <a:bodyPr anchor="ctr"/>
+          <a:lstStyle/>
+          <a:p>
+            <a:pPr marL="0" marR="0" lvl="0" indent="0" algn="ctr" defTabSz="914400" rtl="0" eaLnBrk="1" fontAlgn="auto" latinLnBrk="0" hangingPunct="1">
+              <a:lnSpc>
+                <a:spcPct val="100000"/>
+              </a:lnSpc>
+              <a:spcBef>
+                <a:spcPts val="0"/>
+              </a:spcBef>
+              <a:spcAft>
+                <a:spcPts val="0"/>
+              </a:spcAft>
+              <a:buClrTx/>
+              <a:buSzTx/>
+              <a:buFontTx/>
+              <a:buNone/>
+              <a:defRPr/>
+            </a:pPr>
+            <a:endParaRPr kumimoji="0" lang="zh-CN" altLang="en-US" sz="1800" b="0" i="0" u="none" strike="noStrike" kern="1200" cap="none" spc="0" normalizeH="0" baseline="0" noProof="0">
+              <a:ln>
+                <a:noFill/>
+              </a:ln>
+              <a:solidFill>
+                <a:schemeClr val="bg1"/>
+              </a:solidFill>
+              <a:effectLst/>
+              <a:uLnTx/>
+              <a:uFillTx/>
+              <a:latin typeface="+mn-lt"/>
+              <a:ea typeface="+mn-ea"/>
+              <a:cs typeface="+mn-cs"/>
+            </a:endParaRPr>
+          </a:p>
+        </p:txBody>
+      </p:sp>
+      <p:sp>
+        <p:nvSpPr>
+          <p:cNvPr id="7170" name="文本框 156"/>
+          <p:cNvSpPr txBox="1"/>
+          <p:nvPr/>
+        </p:nvSpPr>
+        <p:spPr>
+          <a:xfrm>
+            <a:off x="0" y="350838"/>
+            <a:ext cx="814388" cy="521970"/>
+          </a:xfrm>
+          <a:prstGeom prst="rect">
+            <a:avLst/>
+          </a:prstGeom>
+          <a:noFill/>
+          <a:ln w="9525">
+            <a:noFill/>
+          </a:ln>
+        </p:spPr>
+        <p:txBody>
+          <a:bodyPr anchor="t" anchorCtr="0">
+            <a:spAutoFit/>
+          </a:bodyPr>
+          <a:lstStyle/>
+          <a:p>
+            <a:pPr>
+              <a:buFont typeface="Arial" panose="020B0604020202020204" pitchFamily="34" charset="0"/>
+            </a:pPr>
+            <a:r>
+              <a:rPr lang="en-US" altLang="zh-CN" sz="2800" b="1" dirty="0">
+                <a:solidFill>
+                  <a:schemeClr val="bg1"/>
+                </a:solidFill>
+                <a:latin typeface="Microsoft YaHei" panose="020B0503020204020204" pitchFamily="34" charset="-122"/>
+                <a:ea typeface="Microsoft YaHei" panose="020B0503020204020204" pitchFamily="34" charset="-122"/>
+              </a:rPr>
+              <a:t>2.1</a:t>
+            </a:r>
+            <a:endParaRPr lang="en-US" altLang="zh-CN" sz="2800" b="1" dirty="0">
+              <a:solidFill>
+                <a:schemeClr val="bg1"/>
+              </a:solidFill>
+              <a:latin typeface="Microsoft YaHei" panose="020B0503020204020204" pitchFamily="34" charset="-122"/>
+              <a:ea typeface="Microsoft YaHei" panose="020B0503020204020204" pitchFamily="34" charset="-122"/>
+            </a:endParaRPr>
+          </a:p>
+        </p:txBody>
+      </p:sp>
+      <p:sp>
+        <p:nvSpPr>
+          <p:cNvPr id="16" name="Rectangle 6"/>
+          <p:cNvSpPr>
+            <a:spLocks noChangeArrowheads="1"/>
+          </p:cNvSpPr>
+          <p:nvPr/>
+        </p:nvSpPr>
+        <p:spPr bwMode="black">
+          <a:xfrm>
+            <a:off x="1021080" y="334010"/>
+            <a:ext cx="8777605" cy="521970"/>
+          </a:xfrm>
+          <a:prstGeom prst="rect">
+            <a:avLst/>
+          </a:prstGeom>
+          <a:noFill/>
+          <a:ln>
+            <a:noFill/>
+          </a:ln>
+          <a:effectLst/>
+          <a:extLst>
+            <a:ext uri="{909E8E84-426E-40DD-AFC4-6F175D3DCCD1}">
+              <a14:hiddenFill xmlns:a14="http://schemas.microsoft.com/office/drawing/2010/main">
+                <a:solidFill>
+                  <a:schemeClr val="accent1"/>
+                </a:solidFill>
+              </a14:hiddenFill>
+            </a:ext>
+            <a:ext uri="{91240B29-F687-4F45-9708-019B960494DF}">
+              <a14:hiddenLine xmlns:a14="http://schemas.microsoft.com/office/drawing/2010/main" w="9525">
+                <a:solidFill>
+                  <a:schemeClr val="tx1"/>
+                </a:solidFill>
+                <a:miter lim="800000"/>
+                <a:headEnd/>
+                <a:tailEnd/>
+              </a14:hiddenLine>
+            </a:ext>
+            <a:ext uri="{AF507438-7753-43E0-B8FC-AC1667EBCBE1}">
+              <a14:hiddenEffects xmlns:a14="http://schemas.microsoft.com/office/drawing/2010/main">
+                <a:effectLst>
+                  <a:outerShdw dist="35921" dir="2700000" algn="ctr" rotWithShape="0">
+                    <a:schemeClr val="bg2"/>
+                  </a:outerShdw>
+                </a:effectLst>
+              </a14:hiddenEffects>
+            </a:ext>
+          </a:extLst>
+        </p:spPr>
+        <p:txBody>
+          <a:bodyPr wrap="square">
+            <a:spAutoFit/>
+          </a:bodyPr>
+          <a:lstStyle/>
+          <a:p>
+            <a:pPr eaLnBrk="0" fontAlgn="auto" hangingPunct="0">
+              <a:spcBef>
+                <a:spcPts val="0"/>
+              </a:spcBef>
+              <a:spcAft>
+                <a:spcPts val="0"/>
+              </a:spcAft>
+              <a:defRPr/>
+            </a:pPr>
+            <a:r>
+              <a:rPr kumimoji="0" lang="en-CA" altLang="en-US" sz="2800" b="1" i="0" u="none" strike="noStrike" kern="1200" cap="none" spc="0" normalizeH="0" baseline="0" noProof="0" dirty="0">
+                <a:ln>
+                  <a:noFill/>
+                </a:ln>
+                <a:solidFill>
+                  <a:schemeClr val="tx1">
+                    <a:lumMod val="85000"/>
+                    <a:lumOff val="15000"/>
+                  </a:schemeClr>
+                </a:solidFill>
+                <a:effectLst/>
+                <a:uLnTx/>
+                <a:uFillTx/>
+                <a:latin typeface="Microsoft YaHei" panose="020B0503020204020204" pitchFamily="34" charset="-122"/>
+                <a:ea typeface="Microsoft YaHei" panose="020B0503020204020204" pitchFamily="34" charset="-122"/>
+                <a:cs typeface="+mn-cs"/>
+                <a:sym typeface="+mn-ea"/>
+              </a:rPr>
+              <a:t>Demo Exercise: </a:t>
+            </a:r>
+            <a:r>
+              <a:rPr kumimoji="0" lang="en-CA" altLang="en-US" sz="2800" b="1" i="0" u="none" strike="noStrike" kern="1200" cap="none" spc="0" normalizeH="0" baseline="0" noProof="0" dirty="0" err="1">
+                <a:ln>
+                  <a:noFill/>
+                </a:ln>
+                <a:solidFill>
+                  <a:schemeClr val="tx1">
+                    <a:lumMod val="85000"/>
+                    <a:lumOff val="15000"/>
+                  </a:schemeClr>
+                </a:solidFill>
+                <a:effectLst/>
+                <a:uLnTx/>
+                <a:uFillTx/>
+                <a:latin typeface="Microsoft YaHei" panose="020B0503020204020204" pitchFamily="34" charset="-122"/>
+                <a:ea typeface="Microsoft YaHei" panose="020B0503020204020204" pitchFamily="34" charset="-122"/>
+                <a:cs typeface="+mn-cs"/>
+                <a:sym typeface="+mn-ea"/>
+              </a:rPr>
+              <a:t>Ncoins</a:t>
+            </a:r>
+            <a:r>
+              <a:rPr kumimoji="0" lang="en-CA" altLang="en-US" sz="2800" b="1" i="0" u="none" strike="noStrike" kern="1200" cap="none" spc="0" normalizeH="0" baseline="0" noProof="0" dirty="0">
+                <a:ln>
+                  <a:noFill/>
+                </a:ln>
+                <a:solidFill>
+                  <a:schemeClr val="tx1">
+                    <a:lumMod val="85000"/>
+                    <a:lumOff val="15000"/>
+                  </a:schemeClr>
+                </a:solidFill>
+                <a:effectLst/>
+                <a:uLnTx/>
+                <a:uFillTx/>
+                <a:latin typeface="Microsoft YaHei" panose="020B0503020204020204" pitchFamily="34" charset="-122"/>
+                <a:ea typeface="Microsoft YaHei" panose="020B0503020204020204" pitchFamily="34" charset="-122"/>
+                <a:cs typeface="+mn-cs"/>
+                <a:sym typeface="+mn-ea"/>
+              </a:rPr>
+              <a:t> – Traceback Table</a:t>
+            </a:r>
+            <a:endParaRPr kumimoji="0" lang="en-CA" altLang="en-US" sz="2800" b="1" i="0" u="none" strike="noStrike" kern="1200" cap="none" spc="0" normalizeH="0" baseline="0" noProof="0" dirty="0">
+              <a:ln>
+                <a:noFill/>
+              </a:ln>
+              <a:solidFill>
+                <a:schemeClr val="tx1">
+                  <a:lumMod val="85000"/>
+                  <a:lumOff val="15000"/>
+                </a:schemeClr>
+              </a:solidFill>
+              <a:effectLst/>
+              <a:uLnTx/>
+              <a:uFillTx/>
+              <a:latin typeface="Microsoft YaHei" panose="020B0503020204020204" pitchFamily="34" charset="-122"/>
+              <a:ea typeface="Microsoft YaHei" panose="020B0503020204020204" pitchFamily="34" charset="-122"/>
+              <a:cs typeface="+mn-cs"/>
+              <a:sym typeface="+mn-ea"/>
+            </a:endParaRPr>
+          </a:p>
+        </p:txBody>
+      </p:sp>
+      <p:sp>
+        <p:nvSpPr>
+          <p:cNvPr id="3" name="Content Placeholder 2"/>
+          <p:cNvSpPr>
+            <a:spLocks noGrp="1"/>
+          </p:cNvSpPr>
+          <p:nvPr>
+            <p:ph idx="1"/>
+          </p:nvPr>
+        </p:nvSpPr>
+        <p:spPr>
+          <a:xfrm>
+            <a:off x="890588" y="1494359"/>
+            <a:ext cx="10515600" cy="4351338"/>
+          </a:xfrm>
+        </p:spPr>
+        <p:txBody>
+          <a:bodyPr/>
+          <a:lstStyle/>
+          <a:p>
+            <a:pPr algn="l"/>
+            <a:r>
+              <a:rPr lang="en-US" sz="3200" b="0" i="0" u="none" strike="noStrike" baseline="0" dirty="0">
+                <a:latin typeface="Calibri" panose="020F0502020204030204" pitchFamily="34" charset="0"/>
+                <a:cs typeface="Calibri" panose="020F0502020204030204" pitchFamily="34" charset="0"/>
+              </a:rPr>
+              <a:t>Can reconstruct the coins used by tracing backwards through the table of winners</a:t>
+            </a:r>
+            <a:endParaRPr lang="en-US" sz="3200" b="0" i="0" u="none" strike="noStrike" baseline="0" dirty="0">
+              <a:latin typeface="Calibri" panose="020F0502020204030204" pitchFamily="34" charset="0"/>
+              <a:cs typeface="Calibri" panose="020F0502020204030204" pitchFamily="34" charset="0"/>
+            </a:endParaRPr>
+          </a:p>
+          <a:p>
+            <a:pPr lvl="1"/>
+            <a:r>
+              <a:rPr lang="en-US" b="0" i="0" u="none" strike="noStrike" baseline="0" dirty="0">
+                <a:latin typeface="Calibri" panose="020F0502020204030204" pitchFamily="34" charset="0"/>
+                <a:cs typeface="Calibri" panose="020F0502020204030204" pitchFamily="34" charset="0"/>
+              </a:rPr>
+              <a:t>Sometimes called the traceback table</a:t>
+            </a:r>
+            <a:endParaRPr lang="en-US" b="0" i="0" u="none" strike="noStrike" baseline="0" dirty="0">
+              <a:latin typeface="Calibri" panose="020F0502020204030204" pitchFamily="34" charset="0"/>
+              <a:cs typeface="Calibri" panose="020F0502020204030204" pitchFamily="34" charset="0"/>
+            </a:endParaRPr>
+          </a:p>
+          <a:p>
+            <a:pPr algn="l"/>
+            <a:r>
+              <a:rPr lang="en-US" sz="3200" b="0" i="0" u="none" strike="noStrike" baseline="0" dirty="0">
+                <a:latin typeface="Calibri" panose="020F0502020204030204" pitchFamily="34" charset="0"/>
+                <a:cs typeface="Calibri" panose="020F0502020204030204" pitchFamily="34" charset="0"/>
+              </a:rPr>
+              <a:t>Note that the traceback table is built during the construction of the optimal table</a:t>
+            </a:r>
+            <a:endParaRPr lang="en-US" sz="3200" b="0" i="0" u="none" strike="noStrike" baseline="0" dirty="0">
+              <a:latin typeface="Calibri" panose="020F0502020204030204" pitchFamily="34" charset="0"/>
+              <a:cs typeface="Calibri" panose="020F0502020204030204" pitchFamily="34" charset="0"/>
+            </a:endParaRPr>
+          </a:p>
+          <a:p>
+            <a:pPr algn="l"/>
+            <a:r>
+              <a:rPr lang="en-US" sz="3200" b="0" i="0" u="none" strike="noStrike" baseline="0" dirty="0">
+                <a:latin typeface="Calibri" panose="020F0502020204030204" pitchFamily="34" charset="0"/>
+                <a:cs typeface="Calibri" panose="020F0502020204030204" pitchFamily="34" charset="0"/>
+              </a:rPr>
+              <a:t>But never used to determine values in the optimal table</a:t>
+            </a:r>
+            <a:endParaRPr lang="en-CA" altLang="en-US" sz="49600" dirty="0">
+              <a:latin typeface="Calibri" panose="020F0502020204030204" pitchFamily="34" charset="0"/>
+              <a:cs typeface="Calibri" panose="020F0502020204030204" pitchFamily="34" charset="0"/>
+            </a:endParaRPr>
+          </a:p>
+        </p:txBody>
+      </p:sp>
+    </p:spTree>
+  </p:cSld>
+  <p:clrMapOvr>
+    <a:masterClrMapping/>
+  </p:clrMapOvr>
+  <p:transition spd="slow">
+    <p:wipe/>
+  </p:transition>
+</p:sld>
+</file>
+
+<file path=ppt/slides/slide32.xml><?xml version="1.0" encoding="utf-8"?>
+<p:sld xmlns:a="http://schemas.openxmlformats.org/drawingml/2006/main" xmlns:r="http://schemas.openxmlformats.org/officeDocument/2006/relationships" xmlns:p="http://schemas.openxmlformats.org/presentationml/2006/main">
+  <p:cSld>
+    <p:spTree>
+      <p:nvGrpSpPr>
+        <p:cNvPr id="1" name=""/>
+        <p:cNvGrpSpPr/>
+        <p:nvPr/>
+      </p:nvGrpSpPr>
+      <p:grpSpPr>
+        <a:xfrm>
+          <a:off x="0" y="0"/>
+          <a:ext cx="0" cy="0"/>
+          <a:chOff x="0" y="0"/>
+          <a:chExt cx="0" cy="0"/>
+        </a:xfrm>
+      </p:grpSpPr>
+      <p:sp>
+        <p:nvSpPr>
+          <p:cNvPr id="15" name="任意多边形 14"/>
+          <p:cNvSpPr/>
+          <p:nvPr/>
+        </p:nvSpPr>
+        <p:spPr>
+          <a:xfrm>
+            <a:off x="0" y="274638"/>
+            <a:ext cx="890588" cy="639763"/>
+          </a:xfrm>
+          <a:custGeom>
+            <a:avLst/>
+            <a:gdLst>
+              <a:gd name="connsiteX0" fmla="*/ 0 w 1029743"/>
+              <a:gd name="connsiteY0" fmla="*/ 0 h 739718"/>
+              <a:gd name="connsiteX1" fmla="*/ 659884 w 1029743"/>
+              <a:gd name="connsiteY1" fmla="*/ 0 h 739718"/>
+              <a:gd name="connsiteX2" fmla="*/ 1029743 w 1029743"/>
+              <a:gd name="connsiteY2" fmla="*/ 369859 h 739718"/>
+              <a:gd name="connsiteX3" fmla="*/ 659884 w 1029743"/>
+              <a:gd name="connsiteY3" fmla="*/ 739718 h 739718"/>
+              <a:gd name="connsiteX4" fmla="*/ 0 w 1029743"/>
+              <a:gd name="connsiteY4" fmla="*/ 739718 h 739718"/>
+            </a:gdLst>
+            <a:ahLst/>
+            <a:cxnLst>
+              <a:cxn ang="0">
+                <a:pos x="connsiteX0" y="connsiteY0"/>
+              </a:cxn>
+              <a:cxn ang="0">
+                <a:pos x="connsiteX1" y="connsiteY1"/>
+              </a:cxn>
+              <a:cxn ang="0">
+                <a:pos x="connsiteX2" y="connsiteY2"/>
+              </a:cxn>
+              <a:cxn ang="0">
+                <a:pos x="connsiteX3" y="connsiteY3"/>
+              </a:cxn>
+              <a:cxn ang="0">
+                <a:pos x="connsiteX4" y="connsiteY4"/>
+              </a:cxn>
+            </a:cxnLst>
+            <a:rect l="l" t="t" r="r" b="b"/>
+            <a:pathLst>
+              <a:path w="1029743" h="739718">
+                <a:moveTo>
+                  <a:pt x="0" y="0"/>
+                </a:moveTo>
+                <a:lnTo>
+                  <a:pt x="659884" y="0"/>
+                </a:lnTo>
+                <a:cubicBezTo>
+                  <a:pt x="864151" y="0"/>
+                  <a:pt x="1029743" y="165592"/>
+                  <a:pt x="1029743" y="369859"/>
+                </a:cubicBezTo>
+                <a:cubicBezTo>
+                  <a:pt x="1029743" y="574126"/>
+                  <a:pt x="864151" y="739718"/>
+                  <a:pt x="659884" y="739718"/>
+                </a:cubicBezTo>
+                <a:lnTo>
+                  <a:pt x="0" y="739718"/>
+                </a:lnTo>
+                <a:close/>
+              </a:path>
+            </a:pathLst>
+          </a:custGeom>
+          <a:solidFill>
+            <a:srgbClr val="05B780"/>
+          </a:solidFill>
+          <a:ln>
+            <a:noFill/>
+          </a:ln>
+        </p:spPr>
+        <p:style>
+          <a:lnRef idx="2">
+            <a:schemeClr val="accent1">
+              <a:shade val="50000"/>
+            </a:schemeClr>
+          </a:lnRef>
+          <a:fillRef idx="1">
+            <a:schemeClr val="accent1"/>
+          </a:fillRef>
+          <a:effectRef idx="0">
+            <a:schemeClr val="accent1"/>
+          </a:effectRef>
+          <a:fontRef idx="minor">
+            <a:schemeClr val="lt1"/>
+          </a:fontRef>
+        </p:style>
+        <p:txBody>
+          <a:bodyPr anchor="ctr"/>
+          <a:lstStyle/>
+          <a:p>
+            <a:pPr marL="0" marR="0" lvl="0" indent="0" algn="ctr" defTabSz="914400" rtl="0" eaLnBrk="1" fontAlgn="auto" latinLnBrk="0" hangingPunct="1">
+              <a:lnSpc>
+                <a:spcPct val="100000"/>
+              </a:lnSpc>
+              <a:spcBef>
+                <a:spcPts val="0"/>
+              </a:spcBef>
+              <a:spcAft>
+                <a:spcPts val="0"/>
+              </a:spcAft>
+              <a:buClrTx/>
+              <a:buSzTx/>
+              <a:buFontTx/>
+              <a:buNone/>
+              <a:defRPr/>
+            </a:pPr>
+            <a:endParaRPr kumimoji="0" lang="zh-CN" altLang="en-US" sz="1800" b="0" i="0" u="none" strike="noStrike" kern="1200" cap="none" spc="0" normalizeH="0" baseline="0" noProof="0">
+              <a:ln>
+                <a:noFill/>
+              </a:ln>
+              <a:solidFill>
+                <a:schemeClr val="bg1"/>
+              </a:solidFill>
+              <a:effectLst/>
+              <a:uLnTx/>
+              <a:uFillTx/>
+              <a:latin typeface="+mn-lt"/>
+              <a:ea typeface="+mn-ea"/>
+              <a:cs typeface="+mn-cs"/>
+            </a:endParaRPr>
+          </a:p>
+        </p:txBody>
+      </p:sp>
+      <p:sp>
+        <p:nvSpPr>
+          <p:cNvPr id="7170" name="文本框 156"/>
+          <p:cNvSpPr txBox="1"/>
+          <p:nvPr/>
+        </p:nvSpPr>
+        <p:spPr>
+          <a:xfrm>
+            <a:off x="0" y="350838"/>
+            <a:ext cx="814388" cy="521970"/>
+          </a:xfrm>
+          <a:prstGeom prst="rect">
+            <a:avLst/>
+          </a:prstGeom>
+          <a:noFill/>
+          <a:ln w="9525">
+            <a:noFill/>
+          </a:ln>
+        </p:spPr>
+        <p:txBody>
+          <a:bodyPr anchor="t" anchorCtr="0">
+            <a:spAutoFit/>
+          </a:bodyPr>
+          <a:lstStyle/>
+          <a:p>
+            <a:pPr>
+              <a:buFont typeface="Arial" panose="020B0604020202020204" pitchFamily="34" charset="0"/>
+            </a:pPr>
+            <a:r>
+              <a:rPr lang="en-US" altLang="zh-CN" sz="2800" b="1" dirty="0">
+                <a:solidFill>
+                  <a:schemeClr val="bg1"/>
+                </a:solidFill>
+                <a:latin typeface="Microsoft YaHei" panose="020B0503020204020204" pitchFamily="34" charset="-122"/>
+                <a:ea typeface="Microsoft YaHei" panose="020B0503020204020204" pitchFamily="34" charset="-122"/>
+              </a:rPr>
+              <a:t>2.1</a:t>
+            </a:r>
+            <a:endParaRPr lang="en-US" altLang="zh-CN" sz="2800" b="1" dirty="0">
+              <a:solidFill>
+                <a:schemeClr val="bg1"/>
+              </a:solidFill>
+              <a:latin typeface="Microsoft YaHei" panose="020B0503020204020204" pitchFamily="34" charset="-122"/>
+              <a:ea typeface="Microsoft YaHei" panose="020B0503020204020204" pitchFamily="34" charset="-122"/>
+            </a:endParaRPr>
+          </a:p>
+        </p:txBody>
+      </p:sp>
+      <p:sp>
+        <p:nvSpPr>
+          <p:cNvPr id="16" name="Rectangle 6"/>
+          <p:cNvSpPr>
+            <a:spLocks noChangeArrowheads="1"/>
+          </p:cNvSpPr>
+          <p:nvPr/>
+        </p:nvSpPr>
+        <p:spPr bwMode="black">
+          <a:xfrm>
+            <a:off x="1021080" y="334010"/>
+            <a:ext cx="8777605" cy="521970"/>
+          </a:xfrm>
+          <a:prstGeom prst="rect">
+            <a:avLst/>
+          </a:prstGeom>
+          <a:noFill/>
+          <a:ln>
+            <a:noFill/>
+          </a:ln>
+          <a:effectLst/>
+          <a:extLst>
+            <a:ext uri="{909E8E84-426E-40DD-AFC4-6F175D3DCCD1}">
+              <a14:hiddenFill xmlns:a14="http://schemas.microsoft.com/office/drawing/2010/main">
+                <a:solidFill>
+                  <a:schemeClr val="accent1"/>
+                </a:solidFill>
+              </a14:hiddenFill>
+            </a:ext>
+            <a:ext uri="{91240B29-F687-4F45-9708-019B960494DF}">
+              <a14:hiddenLine xmlns:a14="http://schemas.microsoft.com/office/drawing/2010/main" w="9525">
+                <a:solidFill>
+                  <a:schemeClr val="tx1"/>
+                </a:solidFill>
+                <a:miter lim="800000"/>
+                <a:headEnd/>
+                <a:tailEnd/>
+              </a14:hiddenLine>
+            </a:ext>
+            <a:ext uri="{AF507438-7753-43E0-B8FC-AC1667EBCBE1}">
+              <a14:hiddenEffects xmlns:a14="http://schemas.microsoft.com/office/drawing/2010/main">
+                <a:effectLst>
+                  <a:outerShdw dist="35921" dir="2700000" algn="ctr" rotWithShape="0">
+                    <a:schemeClr val="bg2"/>
+                  </a:outerShdw>
+                </a:effectLst>
+              </a14:hiddenEffects>
+            </a:ext>
+          </a:extLst>
+        </p:spPr>
+        <p:txBody>
+          <a:bodyPr wrap="square">
+            <a:spAutoFit/>
+          </a:bodyPr>
+          <a:lstStyle/>
+          <a:p>
+            <a:pPr eaLnBrk="0" fontAlgn="auto" hangingPunct="0">
+              <a:spcBef>
+                <a:spcPts val="0"/>
+              </a:spcBef>
+              <a:spcAft>
+                <a:spcPts val="0"/>
+              </a:spcAft>
+              <a:defRPr/>
+            </a:pPr>
+            <a:r>
+              <a:rPr kumimoji="0" lang="en-CA" altLang="en-US" sz="2800" b="1" i="0" u="none" strike="noStrike" kern="1200" cap="none" spc="0" normalizeH="0" baseline="0" noProof="0" dirty="0">
+                <a:ln>
+                  <a:noFill/>
+                </a:ln>
+                <a:solidFill>
+                  <a:schemeClr val="tx1">
+                    <a:lumMod val="85000"/>
+                    <a:lumOff val="15000"/>
+                  </a:schemeClr>
+                </a:solidFill>
+                <a:effectLst/>
+                <a:uLnTx/>
+                <a:uFillTx/>
+                <a:latin typeface="Microsoft YaHei" panose="020B0503020204020204" pitchFamily="34" charset="-122"/>
+                <a:ea typeface="Microsoft YaHei" panose="020B0503020204020204" pitchFamily="34" charset="-122"/>
+                <a:cs typeface="+mn-cs"/>
+                <a:sym typeface="+mn-ea"/>
+              </a:rPr>
+              <a:t>Demo Exercise: </a:t>
+            </a:r>
+            <a:r>
+              <a:rPr kumimoji="0" lang="en-CA" altLang="en-US" sz="2800" b="1" i="0" u="none" strike="noStrike" kern="1200" cap="none" spc="0" normalizeH="0" baseline="0" noProof="0" dirty="0" err="1">
+                <a:ln>
+                  <a:noFill/>
+                </a:ln>
+                <a:solidFill>
+                  <a:schemeClr val="tx1">
+                    <a:lumMod val="85000"/>
+                    <a:lumOff val="15000"/>
+                  </a:schemeClr>
+                </a:solidFill>
+                <a:effectLst/>
+                <a:uLnTx/>
+                <a:uFillTx/>
+                <a:latin typeface="Microsoft YaHei" panose="020B0503020204020204" pitchFamily="34" charset="-122"/>
+                <a:ea typeface="Microsoft YaHei" panose="020B0503020204020204" pitchFamily="34" charset="-122"/>
+                <a:cs typeface="+mn-cs"/>
+                <a:sym typeface="+mn-ea"/>
+              </a:rPr>
+              <a:t>Ncoins</a:t>
+            </a:r>
+            <a:r>
+              <a:rPr kumimoji="0" lang="en-CA" altLang="en-US" sz="2800" b="1" i="0" u="none" strike="noStrike" kern="1200" cap="none" spc="0" normalizeH="0" baseline="0" noProof="0" dirty="0">
+                <a:ln>
+                  <a:noFill/>
+                </a:ln>
+                <a:solidFill>
+                  <a:schemeClr val="tx1">
+                    <a:lumMod val="85000"/>
+                    <a:lumOff val="15000"/>
+                  </a:schemeClr>
+                </a:solidFill>
+                <a:effectLst/>
+                <a:uLnTx/>
+                <a:uFillTx/>
+                <a:latin typeface="Microsoft YaHei" panose="020B0503020204020204" pitchFamily="34" charset="-122"/>
+                <a:ea typeface="Microsoft YaHei" panose="020B0503020204020204" pitchFamily="34" charset="-122"/>
+                <a:cs typeface="+mn-cs"/>
+                <a:sym typeface="+mn-ea"/>
+              </a:rPr>
+              <a:t> – Code Demo</a:t>
+            </a:r>
+            <a:endParaRPr kumimoji="0" lang="en-CA" altLang="en-US" sz="2800" b="1" i="0" u="none" strike="noStrike" kern="1200" cap="none" spc="0" normalizeH="0" baseline="0" noProof="0" dirty="0">
+              <a:ln>
+                <a:noFill/>
+              </a:ln>
+              <a:solidFill>
+                <a:schemeClr val="tx1">
+                  <a:lumMod val="85000"/>
+                  <a:lumOff val="15000"/>
+                </a:schemeClr>
+              </a:solidFill>
+              <a:effectLst/>
+              <a:uLnTx/>
+              <a:uFillTx/>
+              <a:latin typeface="Microsoft YaHei" panose="020B0503020204020204" pitchFamily="34" charset="-122"/>
+              <a:ea typeface="Microsoft YaHei" panose="020B0503020204020204" pitchFamily="34" charset="-122"/>
+              <a:cs typeface="+mn-cs"/>
+              <a:sym typeface="+mn-ea"/>
+            </a:endParaRPr>
+          </a:p>
+        </p:txBody>
+      </p:sp>
+      <p:sp>
+        <p:nvSpPr>
+          <p:cNvPr id="3" name="Content Placeholder 2"/>
+          <p:cNvSpPr>
+            <a:spLocks noGrp="1"/>
+          </p:cNvSpPr>
+          <p:nvPr>
+            <p:ph idx="1"/>
+          </p:nvPr>
+        </p:nvSpPr>
+        <p:spPr>
+          <a:xfrm>
+            <a:off x="890588" y="1494359"/>
+            <a:ext cx="10515600" cy="4351338"/>
+          </a:xfrm>
+        </p:spPr>
+        <p:txBody>
+          <a:bodyPr/>
+          <a:lstStyle/>
+          <a:p>
+            <a:pPr algn="l"/>
+            <a:endParaRPr lang="en-CA" altLang="en-US" sz="1800" dirty="0"/>
+          </a:p>
+        </p:txBody>
+      </p:sp>
+    </p:spTree>
+  </p:cSld>
+  <p:clrMapOvr>
+    <a:masterClrMapping/>
+  </p:clrMapOvr>
+  <p:transition spd="slow">
+    <p:wipe/>
+  </p:transition>
+</p:sld>
+</file>
+
+<file path=ppt/slides/slide33.xml><?xml version="1.0" encoding="utf-8"?>
+<p:sld xmlns:a="http://schemas.openxmlformats.org/drawingml/2006/main" xmlns:r="http://schemas.openxmlformats.org/officeDocument/2006/relationships" xmlns:p="http://schemas.openxmlformats.org/presentationml/2006/main">
+  <p:cSld>
+    <p:spTree>
+      <p:nvGrpSpPr>
+        <p:cNvPr id="1" name=""/>
+        <p:cNvGrpSpPr/>
+        <p:nvPr/>
+      </p:nvGrpSpPr>
+      <p:grpSpPr>
+        <a:xfrm>
+          <a:off x="0" y="0"/>
+          <a:ext cx="0" cy="0"/>
+          <a:chOff x="0" y="0"/>
+          <a:chExt cx="0" cy="0"/>
+        </a:xfrm>
+      </p:grpSpPr>
+      <p:sp>
+        <p:nvSpPr>
+          <p:cNvPr id="15" name="任意多边形 14"/>
+          <p:cNvSpPr/>
+          <p:nvPr/>
+        </p:nvSpPr>
+        <p:spPr>
+          <a:xfrm>
+            <a:off x="0" y="274638"/>
+            <a:ext cx="890588" cy="639763"/>
+          </a:xfrm>
+          <a:custGeom>
+            <a:avLst/>
+            <a:gdLst>
+              <a:gd name="connsiteX0" fmla="*/ 0 w 1029743"/>
+              <a:gd name="connsiteY0" fmla="*/ 0 h 739718"/>
+              <a:gd name="connsiteX1" fmla="*/ 659884 w 1029743"/>
+              <a:gd name="connsiteY1" fmla="*/ 0 h 739718"/>
+              <a:gd name="connsiteX2" fmla="*/ 1029743 w 1029743"/>
+              <a:gd name="connsiteY2" fmla="*/ 369859 h 739718"/>
+              <a:gd name="connsiteX3" fmla="*/ 659884 w 1029743"/>
+              <a:gd name="connsiteY3" fmla="*/ 739718 h 739718"/>
+              <a:gd name="connsiteX4" fmla="*/ 0 w 1029743"/>
+              <a:gd name="connsiteY4" fmla="*/ 739718 h 739718"/>
+            </a:gdLst>
+            <a:ahLst/>
+            <a:cxnLst>
+              <a:cxn ang="0">
+                <a:pos x="connsiteX0" y="connsiteY0"/>
+              </a:cxn>
+              <a:cxn ang="0">
+                <a:pos x="connsiteX1" y="connsiteY1"/>
+              </a:cxn>
+              <a:cxn ang="0">
+                <a:pos x="connsiteX2" y="connsiteY2"/>
+              </a:cxn>
+              <a:cxn ang="0">
+                <a:pos x="connsiteX3" y="connsiteY3"/>
+              </a:cxn>
+              <a:cxn ang="0">
+                <a:pos x="connsiteX4" y="connsiteY4"/>
+              </a:cxn>
+            </a:cxnLst>
+            <a:rect l="l" t="t" r="r" b="b"/>
+            <a:pathLst>
+              <a:path w="1029743" h="739718">
+                <a:moveTo>
+                  <a:pt x="0" y="0"/>
+                </a:moveTo>
+                <a:lnTo>
+                  <a:pt x="659884" y="0"/>
+                </a:lnTo>
+                <a:cubicBezTo>
+                  <a:pt x="864151" y="0"/>
+                  <a:pt x="1029743" y="165592"/>
+                  <a:pt x="1029743" y="369859"/>
+                </a:cubicBezTo>
+                <a:cubicBezTo>
+                  <a:pt x="1029743" y="574126"/>
+                  <a:pt x="864151" y="739718"/>
+                  <a:pt x="659884" y="739718"/>
+                </a:cubicBezTo>
+                <a:lnTo>
+                  <a:pt x="0" y="739718"/>
+                </a:lnTo>
+                <a:close/>
+              </a:path>
+            </a:pathLst>
+          </a:custGeom>
+          <a:solidFill>
+            <a:srgbClr val="05B780"/>
+          </a:solidFill>
+          <a:ln>
+            <a:noFill/>
+          </a:ln>
+        </p:spPr>
+        <p:style>
+          <a:lnRef idx="2">
+            <a:schemeClr val="accent1">
+              <a:shade val="50000"/>
+            </a:schemeClr>
+          </a:lnRef>
+          <a:fillRef idx="1">
+            <a:schemeClr val="accent1"/>
+          </a:fillRef>
+          <a:effectRef idx="0">
+            <a:schemeClr val="accent1"/>
+          </a:effectRef>
+          <a:fontRef idx="minor">
+            <a:schemeClr val="lt1"/>
+          </a:fontRef>
+        </p:style>
+        <p:txBody>
+          <a:bodyPr anchor="ctr"/>
+          <a:lstStyle/>
+          <a:p>
+            <a:pPr marL="0" marR="0" lvl="0" indent="0" algn="ctr" defTabSz="914400" rtl="0" eaLnBrk="1" fontAlgn="auto" latinLnBrk="0" hangingPunct="1">
+              <a:lnSpc>
+                <a:spcPct val="100000"/>
+              </a:lnSpc>
+              <a:spcBef>
+                <a:spcPts val="0"/>
+              </a:spcBef>
+              <a:spcAft>
+                <a:spcPts val="0"/>
+              </a:spcAft>
+              <a:buClrTx/>
+              <a:buSzTx/>
+              <a:buFontTx/>
+              <a:buNone/>
+              <a:defRPr/>
+            </a:pPr>
+            <a:endParaRPr kumimoji="0" lang="zh-CN" altLang="en-US" sz="1800" b="0" i="0" u="none" strike="noStrike" kern="1200" cap="none" spc="0" normalizeH="0" baseline="0" noProof="0">
+              <a:ln>
+                <a:noFill/>
+              </a:ln>
+              <a:solidFill>
+                <a:schemeClr val="bg1"/>
+              </a:solidFill>
+              <a:effectLst/>
+              <a:uLnTx/>
+              <a:uFillTx/>
+              <a:latin typeface="+mn-lt"/>
+              <a:ea typeface="+mn-ea"/>
+              <a:cs typeface="+mn-cs"/>
+            </a:endParaRPr>
+          </a:p>
+        </p:txBody>
+      </p:sp>
+      <p:sp>
+        <p:nvSpPr>
+          <p:cNvPr id="7170" name="文本框 156"/>
+          <p:cNvSpPr txBox="1"/>
+          <p:nvPr/>
+        </p:nvSpPr>
+        <p:spPr>
+          <a:xfrm>
+            <a:off x="0" y="350838"/>
+            <a:ext cx="814388" cy="521970"/>
+          </a:xfrm>
+          <a:prstGeom prst="rect">
+            <a:avLst/>
+          </a:prstGeom>
+          <a:noFill/>
+          <a:ln w="9525">
+            <a:noFill/>
+          </a:ln>
+        </p:spPr>
+        <p:txBody>
+          <a:bodyPr anchor="t" anchorCtr="0">
+            <a:spAutoFit/>
+          </a:bodyPr>
+          <a:lstStyle/>
+          <a:p>
+            <a:pPr>
+              <a:buFont typeface="Arial" panose="020B0604020202020204" pitchFamily="34" charset="0"/>
+            </a:pPr>
+            <a:r>
+              <a:rPr lang="en-US" altLang="zh-CN" sz="2800" b="1" dirty="0">
+                <a:solidFill>
+                  <a:schemeClr val="bg1"/>
+                </a:solidFill>
+                <a:latin typeface="Microsoft YaHei" panose="020B0503020204020204" pitchFamily="34" charset="-122"/>
+                <a:ea typeface="Microsoft YaHei" panose="020B0503020204020204" pitchFamily="34" charset="-122"/>
+              </a:rPr>
+              <a:t>2.1</a:t>
+            </a:r>
+            <a:endParaRPr lang="en-US" altLang="zh-CN" sz="2800" b="1" dirty="0">
+              <a:solidFill>
+                <a:schemeClr val="bg1"/>
+              </a:solidFill>
+              <a:latin typeface="Microsoft YaHei" panose="020B0503020204020204" pitchFamily="34" charset="-122"/>
+              <a:ea typeface="Microsoft YaHei" panose="020B0503020204020204" pitchFamily="34" charset="-122"/>
+            </a:endParaRPr>
+          </a:p>
+        </p:txBody>
+      </p:sp>
+      <p:sp>
+        <p:nvSpPr>
+          <p:cNvPr id="16" name="Rectangle 6"/>
+          <p:cNvSpPr>
+            <a:spLocks noChangeArrowheads="1"/>
+          </p:cNvSpPr>
+          <p:nvPr/>
+        </p:nvSpPr>
+        <p:spPr bwMode="black">
+          <a:xfrm>
+            <a:off x="1021080" y="334010"/>
+            <a:ext cx="8777605" cy="521970"/>
+          </a:xfrm>
+          <a:prstGeom prst="rect">
+            <a:avLst/>
+          </a:prstGeom>
+          <a:noFill/>
+          <a:ln>
+            <a:noFill/>
+          </a:ln>
+          <a:effectLst/>
+          <a:extLst>
+            <a:ext uri="{909E8E84-426E-40DD-AFC4-6F175D3DCCD1}">
+              <a14:hiddenFill xmlns:a14="http://schemas.microsoft.com/office/drawing/2010/main">
+                <a:solidFill>
+                  <a:schemeClr val="accent1"/>
+                </a:solidFill>
+              </a14:hiddenFill>
+            </a:ext>
+            <a:ext uri="{91240B29-F687-4F45-9708-019B960494DF}">
+              <a14:hiddenLine xmlns:a14="http://schemas.microsoft.com/office/drawing/2010/main" w="9525">
+                <a:solidFill>
+                  <a:schemeClr val="tx1"/>
+                </a:solidFill>
+                <a:miter lim="800000"/>
+                <a:headEnd/>
+                <a:tailEnd/>
+              </a14:hiddenLine>
+            </a:ext>
+            <a:ext uri="{AF507438-7753-43E0-B8FC-AC1667EBCBE1}">
+              <a14:hiddenEffects xmlns:a14="http://schemas.microsoft.com/office/drawing/2010/main">
+                <a:effectLst>
+                  <a:outerShdw dist="35921" dir="2700000" algn="ctr" rotWithShape="0">
+                    <a:schemeClr val="bg2"/>
+                  </a:outerShdw>
+                </a:effectLst>
+              </a14:hiddenEffects>
+            </a:ext>
+          </a:extLst>
+        </p:spPr>
+        <p:txBody>
+          <a:bodyPr wrap="square">
+            <a:spAutoFit/>
+          </a:bodyPr>
+          <a:lstStyle/>
+          <a:p>
+            <a:pPr eaLnBrk="0" fontAlgn="auto" hangingPunct="0">
+              <a:spcBef>
+                <a:spcPts val="0"/>
+              </a:spcBef>
+              <a:spcAft>
+                <a:spcPts val="0"/>
+              </a:spcAft>
+              <a:defRPr/>
+            </a:pPr>
+            <a:r>
+              <a:rPr kumimoji="0" lang="en-US" altLang="en-CA" sz="2800" b="1" i="0" u="none" strike="noStrike" kern="1200" cap="none" spc="0" normalizeH="0" baseline="0" noProof="0" dirty="0">
+                <a:ln>
+                  <a:noFill/>
+                </a:ln>
+                <a:solidFill>
+                  <a:schemeClr val="tx1">
+                    <a:lumMod val="85000"/>
+                    <a:lumOff val="15000"/>
+                  </a:schemeClr>
+                </a:solidFill>
+                <a:effectLst/>
+                <a:uLnTx/>
+                <a:uFillTx/>
+                <a:latin typeface="Microsoft YaHei" panose="020B0503020204020204" pitchFamily="34" charset="-122"/>
+                <a:ea typeface="Microsoft YaHei" panose="020B0503020204020204" pitchFamily="34" charset="-122"/>
+                <a:cs typeface="+mn-cs"/>
+                <a:sym typeface="+mn-ea"/>
+              </a:rPr>
+              <a:t>Homework - 0/1 Knapsack Problem</a:t>
+            </a:r>
+            <a:endParaRPr kumimoji="0" lang="en-US" altLang="en-CA" sz="2800" b="1" i="0" u="none" strike="noStrike" kern="1200" cap="none" spc="0" normalizeH="0" baseline="0" noProof="0" dirty="0">
+              <a:ln>
+                <a:noFill/>
+              </a:ln>
+              <a:solidFill>
+                <a:schemeClr val="tx1">
+                  <a:lumMod val="85000"/>
+                  <a:lumOff val="15000"/>
+                </a:schemeClr>
+              </a:solidFill>
+              <a:effectLst/>
+              <a:uLnTx/>
+              <a:uFillTx/>
+              <a:latin typeface="Microsoft YaHei" panose="020B0503020204020204" pitchFamily="34" charset="-122"/>
+              <a:ea typeface="Microsoft YaHei" panose="020B0503020204020204" pitchFamily="34" charset="-122"/>
+              <a:cs typeface="+mn-cs"/>
+              <a:sym typeface="+mn-ea"/>
+            </a:endParaRPr>
+          </a:p>
+        </p:txBody>
+      </p:sp>
+      <p:sp>
+        <p:nvSpPr>
+          <p:cNvPr id="3" name="Content Placeholder 2"/>
+          <p:cNvSpPr>
+            <a:spLocks noGrp="1"/>
+          </p:cNvSpPr>
+          <p:nvPr>
+            <p:ph idx="1"/>
+          </p:nvPr>
+        </p:nvSpPr>
+        <p:spPr>
+          <a:xfrm>
+            <a:off x="890588" y="1494359"/>
+            <a:ext cx="10515600" cy="4351338"/>
+          </a:xfrm>
+        </p:spPr>
+        <p:txBody>
+          <a:bodyPr/>
+          <a:lstStyle/>
+          <a:p>
+            <a:pPr algn="l"/>
+            <a:r>
+              <a:rPr lang="en-US" altLang="en-CA" sz="3600" dirty="0"/>
+              <a:t>Given weights and values of n items, put these items into a knapsack of capacity W</a:t>
+            </a:r>
+            <a:endParaRPr lang="en-US" altLang="en-CA" sz="3600" dirty="0"/>
+          </a:p>
+          <a:p>
+            <a:pPr lvl="1" algn="l"/>
+            <a:r>
+              <a:rPr lang="en-US" altLang="en-CA" sz="2800" dirty="0"/>
+              <a:t>You want to maximize the total value of the knapsack</a:t>
+            </a:r>
+            <a:endParaRPr lang="en-US" altLang="en-CA" sz="2800" dirty="0"/>
+          </a:p>
+          <a:p>
+            <a:pPr lvl="1" algn="l"/>
+            <a:r>
+              <a:rPr lang="en-US" altLang="en-CA" sz="2800" dirty="0"/>
+              <a:t>You cannot break an item, either pick it or don’t pick it (the 0/1 property)</a:t>
+            </a:r>
+            <a:endParaRPr lang="en-US" altLang="en-CA" sz="2800" dirty="0"/>
+          </a:p>
+          <a:p>
+            <a:pPr lvl="1" algn="l"/>
+            <a:endParaRPr lang="en-US" altLang="en-CA" sz="1800" dirty="0"/>
+          </a:p>
+          <a:p>
+            <a:pPr marL="0" lvl="0" indent="0" algn="l">
+              <a:buNone/>
+            </a:pPr>
+            <a:r>
+              <a:rPr lang="en-US" altLang="en-CA" sz="1800" dirty="0"/>
+              <a:t>Example:</a:t>
+            </a:r>
+            <a:endParaRPr lang="en-US" altLang="en-CA" sz="1800" dirty="0"/>
+          </a:p>
+          <a:p>
+            <a:pPr marL="0" lvl="0" indent="0" algn="l">
+              <a:buNone/>
+            </a:pPr>
+            <a:r>
+              <a:rPr lang="en-US" altLang="en-CA" sz="1800" dirty="0"/>
+              <a:t>value = [60, 100, 120], weight = [10, 15, 20], W = 40</a:t>
+            </a:r>
+            <a:endParaRPr lang="en-US" altLang="en-CA" sz="1800" dirty="0"/>
+          </a:p>
+          <a:p>
+            <a:pPr marL="0" lvl="0" indent="0" algn="l">
+              <a:buNone/>
+            </a:pPr>
+            <a:r>
+              <a:rPr lang="en-US" altLang="en-CA" sz="1800" dirty="0"/>
+              <a:t>Answer = 220</a:t>
+            </a:r>
+            <a:endParaRPr lang="en-US" altLang="en-CA" sz="1800" dirty="0"/>
+          </a:p>
+          <a:p>
+            <a:pPr marL="0" lvl="0" indent="0" algn="l">
+              <a:buNone/>
+            </a:pPr>
+            <a:r>
+              <a:rPr lang="en-US" altLang="en-CA" sz="1800" dirty="0"/>
+              <a:t>Explanation:</a:t>
+            </a:r>
+            <a:endParaRPr lang="en-US" altLang="en-CA" sz="1800" dirty="0"/>
+          </a:p>
+          <a:p>
+            <a:pPr marL="0" lvl="0" indent="0" algn="l">
+              <a:buNone/>
+            </a:pPr>
+            <a:r>
+              <a:rPr lang="en-US" altLang="en-CA" sz="1800" dirty="0"/>
+              <a:t>You can put the second and third items in the knapsack, with a combined weight of 15+20 = 35 which is less than the total capacity W. This also maximizes the value of the items in the knapsack at 220.</a:t>
+            </a:r>
+            <a:endParaRPr lang="en-US" altLang="en-CA" sz="1800" dirty="0"/>
+          </a:p>
+        </p:txBody>
+      </p:sp>
+    </p:spTree>
+  </p:cSld>
+  <p:clrMapOvr>
+    <a:masterClrMapping/>
+  </p:clrMapOvr>
+  <p:transition spd="slow">
+    <p:wipe/>
+  </p:transition>
+</p:sld>
+</file>
+
+<file path=ppt/slides/slide34.xml><?xml version="1.0" encoding="utf-8"?>
 <p:sld xmlns:a="http://schemas.openxmlformats.org/drawingml/2006/main" xmlns:r="http://schemas.openxmlformats.org/officeDocument/2006/relationships" xmlns:p="http://schemas.openxmlformats.org/presentationml/2006/main">
   <p:cSld>
     <p:spTree>
@@ -16639,6 +18454,13 @@
               </a:rPr>
               <a:t>1.1</a:t>
             </a:r>
+            <a:endParaRPr lang="en-US" altLang="zh-CN" sz="2800" b="1" dirty="0">
+              <a:solidFill>
+                <a:schemeClr val="bg1"/>
+              </a:solidFill>
+              <a:latin typeface="Microsoft YaHei" panose="020B0503020204020204" pitchFamily="34" charset="-122"/>
+              <a:ea typeface="Microsoft YaHei" panose="020B0503020204020204" pitchFamily="34" charset="-122"/>
+            </a:endParaRPr>
           </a:p>
         </p:txBody>
       </p:sp>
@@ -16770,6 +18592,24 @@
               </a:rPr>
               <a:t> Recap</a:t>
             </a:r>
+            <a:endParaRPr kumimoji="0" lang="en-US" altLang="zh-CN" sz="2800" b="1" i="0" u="none" strike="noStrike" kern="1200" cap="none" spc="0" normalizeH="0" baseline="0" noProof="0" dirty="0">
+              <a:ln>
+                <a:noFill/>
+              </a:ln>
+              <a:solidFill>
+                <a:schemeClr val="tx1">
+                  <a:lumMod val="85000"/>
+                  <a:lumOff val="15000"/>
+                </a:schemeClr>
+              </a:solidFill>
+              <a:effectLst/>
+              <a:uLnTx/>
+              <a:uFillTx/>
+              <a:latin typeface="Microsoft YaHei" panose="020B0503020204020204" pitchFamily="34" charset="-122"/>
+              <a:ea typeface="Microsoft YaHei" panose="020B0503020204020204" pitchFamily="34" charset="-122"/>
+              <a:cs typeface="+mn-cs"/>
+              <a:sym typeface="+mn-ea"/>
+            </a:endParaRPr>
           </a:p>
         </p:txBody>
       </p:sp>
@@ -16792,18 +18632,21 @@
               <a:rPr lang="en-US" altLang="en-US" dirty="0"/>
               <a:t>Graph Theory</a:t>
             </a:r>
+            <a:endParaRPr lang="en-US" altLang="en-US" dirty="0"/>
           </a:p>
           <a:p>
             <a:r>
               <a:rPr lang="en-US" altLang="en-US" dirty="0"/>
               <a:t>Graph Data Structure</a:t>
             </a:r>
+            <a:endParaRPr lang="en-US" altLang="en-US" dirty="0"/>
           </a:p>
           <a:p>
             <a:r>
               <a:rPr lang="en-US" altLang="en-US" dirty="0"/>
               <a:t>Graph Traversals</a:t>
             </a:r>
+            <a:endParaRPr lang="en-US" altLang="en-US" dirty="0"/>
           </a:p>
           <a:p>
             <a:pPr lvl="1"/>
@@ -16811,6 +18654,7 @@
               <a:rPr lang="en-US" altLang="en-US" dirty="0"/>
               <a:t>Breadth-first-search (BFS)</a:t>
             </a:r>
+            <a:endParaRPr lang="en-US" altLang="en-US" dirty="0"/>
           </a:p>
           <a:p>
             <a:pPr lvl="1"/>
@@ -17017,6 +18861,13 @@
               </a:rPr>
               <a:t>Week6 Recap</a:t>
             </a:r>
+            <a:endParaRPr lang="en-US" altLang="zh-CN" sz="3200" b="1" dirty="0">
+              <a:solidFill>
+                <a:schemeClr val="bg1"/>
+              </a:solidFill>
+              <a:latin typeface="Microsoft YaHei" panose="020B0503020204020204" pitchFamily="34" charset="-122"/>
+              <a:ea typeface="Microsoft YaHei" panose="020B0503020204020204" pitchFamily="34" charset="-122"/>
+            </a:endParaRPr>
           </a:p>
         </p:txBody>
       </p:sp>
@@ -17132,6 +18983,13 @@
               </a:rPr>
               <a:t>Homework Recap</a:t>
             </a:r>
+            <a:endParaRPr lang="en-US" altLang="zh-CN" sz="3200" b="1" dirty="0">
+              <a:solidFill>
+                <a:srgbClr val="05B780"/>
+              </a:solidFill>
+              <a:latin typeface="Microsoft YaHei" panose="020B0503020204020204" pitchFamily="34" charset="-122"/>
+              <a:ea typeface="Microsoft YaHei" panose="020B0503020204020204" pitchFamily="34" charset="-122"/>
+            </a:endParaRPr>
           </a:p>
         </p:txBody>
       </p:sp>
@@ -17264,6 +19122,13 @@
                 </a:rPr>
                 <a:t>01b</a:t>
               </a:r>
+              <a:endParaRPr lang="en-US" altLang="zh-CN" sz="4400" b="1" dirty="0">
+                <a:solidFill>
+                  <a:schemeClr val="bg1"/>
+                </a:solidFill>
+                <a:latin typeface="Microsoft YaHei" panose="020B0503020204020204" pitchFamily="34" charset="-122"/>
+                <a:ea typeface="Microsoft YaHei" panose="020B0503020204020204" pitchFamily="34" charset="-122"/>
+              </a:endParaRPr>
             </a:p>
           </p:txBody>
         </p:sp>
@@ -17483,6 +19348,13 @@
               </a:rPr>
               <a:t>3</a:t>
             </a:r>
+            <a:endParaRPr lang="en-CA" altLang="en-US" sz="2800" b="1" dirty="0">
+              <a:solidFill>
+                <a:schemeClr val="bg1"/>
+              </a:solidFill>
+              <a:latin typeface="Microsoft YaHei" panose="020B0503020204020204" pitchFamily="34" charset="-122"/>
+              <a:ea typeface="Microsoft YaHei" panose="020B0503020204020204" pitchFamily="34" charset="-122"/>
+            </a:endParaRPr>
           </a:p>
         </p:txBody>
       </p:sp>
@@ -17593,6 +19465,24 @@
               </a:rPr>
               <a:t> - Number of Islands</a:t>
             </a:r>
+            <a:endParaRPr kumimoji="0" lang="en-CA" altLang="en-US" sz="2800" b="1" i="0" u="none" strike="noStrike" kern="1200" cap="none" spc="0" normalizeH="0" baseline="0" noProof="0" dirty="0">
+              <a:ln>
+                <a:noFill/>
+              </a:ln>
+              <a:solidFill>
+                <a:schemeClr val="tx1">
+                  <a:lumMod val="85000"/>
+                  <a:lumOff val="15000"/>
+                </a:schemeClr>
+              </a:solidFill>
+              <a:effectLst/>
+              <a:uLnTx/>
+              <a:uFillTx/>
+              <a:latin typeface="Microsoft YaHei" panose="020B0503020204020204" pitchFamily="34" charset="-122"/>
+              <a:ea typeface="Microsoft YaHei" panose="020B0503020204020204" pitchFamily="34" charset="-122"/>
+              <a:cs typeface="+mn-cs"/>
+              <a:sym typeface="+mn-ea"/>
+            </a:endParaRPr>
           </a:p>
         </p:txBody>
       </p:sp>
@@ -17620,12 +19510,14 @@
               <a:rPr lang="en-US" sz="3200" dirty="0"/>
               <a:t>Given an m x n 2D binary grid grid which represents a map of '1's (land) and '0's (water), return the number of islands.</a:t>
             </a:r>
+            <a:endParaRPr lang="en-US" sz="3200" dirty="0"/>
           </a:p>
           <a:p>
             <a:r>
               <a:rPr lang="en-US" sz="3200" dirty="0"/>
               <a:t>An island is surrounded by water and is formed by connecting adjacent lands horizontally or vertically. You may assume all four edges of the grid are all surrounded by water.</a:t>
             </a:r>
+            <a:endParaRPr lang="en-US" sz="3200" dirty="0"/>
           </a:p>
         </p:txBody>
       </p:sp>
@@ -17638,7 +19530,7 @@
           <p:nvPr/>
         </p:nvPicPr>
         <p:blipFill>
-          <a:blip r:embed="rId2"/>
+          <a:blip r:embed="rId1"/>
           <a:stretch>
             <a:fillRect/>
           </a:stretch>
@@ -17662,7 +19554,7 @@
           <p:nvPr/>
         </p:nvPicPr>
         <p:blipFill>
-          <a:blip r:embed="rId3"/>
+          <a:blip r:embed="rId2"/>
           <a:stretch>
             <a:fillRect/>
           </a:stretch>
@@ -17678,11 +19570,6 @@
         </p:spPr>
       </p:pic>
     </p:spTree>
-    <p:extLst>
-      <p:ext uri="{BB962C8B-B14F-4D97-AF65-F5344CB8AC3E}">
-        <p14:creationId xmlns:p14="http://schemas.microsoft.com/office/powerpoint/2010/main" val="54690421"/>
-      </p:ext>
-    </p:extLst>
   </p:cSld>
   <p:clrMapOvr>
     <a:masterClrMapping/>
@@ -18000,6 +19887,13 @@
               </a:rPr>
               <a:t>Optimizations</a:t>
             </a:r>
+            <a:endParaRPr lang="en-CA" altLang="en-US" sz="3200" b="1" dirty="0">
+              <a:solidFill>
+                <a:srgbClr val="05B780"/>
+              </a:solidFill>
+              <a:latin typeface="Microsoft YaHei" panose="020B0503020204020204" pitchFamily="34" charset="-122"/>
+              <a:ea typeface="Microsoft YaHei" panose="020B0503020204020204" pitchFamily="34" charset="-122"/>
+            </a:endParaRPr>
           </a:p>
         </p:txBody>
       </p:sp>
@@ -18132,6 +20026,13 @@
                 </a:rPr>
                 <a:t>02</a:t>
               </a:r>
+              <a:endParaRPr lang="en-US" altLang="zh-CN" sz="4400" b="1" dirty="0">
+                <a:solidFill>
+                  <a:schemeClr val="bg1"/>
+                </a:solidFill>
+                <a:latin typeface="Microsoft YaHei" panose="020B0503020204020204" pitchFamily="34" charset="-122"/>
+                <a:ea typeface="Microsoft YaHei" panose="020B0503020204020204" pitchFamily="34" charset="-122"/>
+              </a:endParaRPr>
             </a:p>
           </p:txBody>
         </p:sp>
@@ -18331,6 +20232,13 @@
               </a:rPr>
               <a:t>2.1</a:t>
             </a:r>
+            <a:endParaRPr lang="en-US" altLang="zh-CN" sz="2800" b="1" dirty="0">
+              <a:solidFill>
+                <a:schemeClr val="bg1"/>
+              </a:solidFill>
+              <a:latin typeface="Microsoft YaHei" panose="020B0503020204020204" pitchFamily="34" charset="-122"/>
+              <a:ea typeface="Microsoft YaHei" panose="020B0503020204020204" pitchFamily="34" charset="-122"/>
+            </a:endParaRPr>
           </a:p>
         </p:txBody>
       </p:sp>
@@ -18420,6 +20328,24 @@
               </a:rPr>
               <a:t>Introduction</a:t>
             </a:r>
+            <a:endParaRPr kumimoji="0" lang="en-CA" altLang="en-US" sz="2800" b="1" i="0" u="none" strike="noStrike" kern="1200" cap="none" spc="0" normalizeH="0" baseline="0" noProof="0" dirty="0">
+              <a:ln>
+                <a:noFill/>
+              </a:ln>
+              <a:solidFill>
+                <a:schemeClr val="tx1">
+                  <a:lumMod val="85000"/>
+                  <a:lumOff val="15000"/>
+                </a:schemeClr>
+              </a:solidFill>
+              <a:effectLst/>
+              <a:uLnTx/>
+              <a:uFillTx/>
+              <a:latin typeface="Microsoft YaHei" panose="020B0503020204020204" pitchFamily="34" charset="-122"/>
+              <a:ea typeface="Microsoft YaHei" panose="020B0503020204020204" pitchFamily="34" charset="-122"/>
+              <a:cs typeface="+mn-cs"/>
+              <a:sym typeface="+mn-ea"/>
+            </a:endParaRPr>
           </a:p>
         </p:txBody>
       </p:sp>
@@ -18446,104 +20372,121 @@
             <a:pPr algn="l"/>
             <a:r>
               <a:rPr lang="en-US" b="0" i="0" u="none" strike="noStrike" baseline="0" dirty="0">
-                <a:latin typeface="ArialMT"/>
+                <a:cs typeface="+mn-lt"/>
               </a:rPr>
               <a:t>An </a:t>
             </a:r>
             <a:r>
               <a:rPr lang="en-US" b="1" i="1" u="none" strike="noStrike" baseline="0" dirty="0">
-                <a:latin typeface="Arial-BoldItalicMT"/>
+                <a:cs typeface="+mn-lt"/>
               </a:rPr>
               <a:t>optimization problem </a:t>
             </a:r>
             <a:r>
               <a:rPr lang="en-US" b="0" i="0" u="none" strike="noStrike" baseline="0" dirty="0">
-                <a:latin typeface="ArialMT"/>
+                <a:cs typeface="+mn-lt"/>
               </a:rPr>
               <a:t>is a problem of finding an optimal (biggest, smallest, best in some sense, etc.) solution among those in a set of candidate solutions.</a:t>
             </a:r>
+            <a:endParaRPr lang="en-US" b="0" i="0" u="none" strike="noStrike" baseline="0" dirty="0">
+              <a:cs typeface="+mn-lt"/>
+            </a:endParaRPr>
           </a:p>
           <a:p>
             <a:pPr algn="l"/>
             <a:r>
               <a:rPr lang="en-US" b="0" i="0" u="none" strike="noStrike" baseline="0" dirty="0">
-                <a:latin typeface="ArialMT"/>
+                <a:cs typeface="+mn-lt"/>
               </a:rPr>
               <a:t>This usually involves finding a target configuration (ordering, subset, partition, parameter values, etc.) of/for a finite set of input objects.</a:t>
             </a:r>
+            <a:endParaRPr lang="en-US" b="0" i="0" u="none" strike="noStrike" baseline="0" dirty="0">
+              <a:cs typeface="+mn-lt"/>
+            </a:endParaRPr>
           </a:p>
           <a:p>
             <a:pPr algn="l"/>
             <a:r>
               <a:rPr lang="en-US" b="0" i="0" u="none" strike="noStrike" baseline="0" dirty="0">
-                <a:latin typeface="ArialMT"/>
+                <a:cs typeface="+mn-lt"/>
               </a:rPr>
               <a:t>An optimization problem consists of two parts:</a:t>
             </a:r>
+            <a:endParaRPr lang="en-US" b="0" i="0" u="none" strike="noStrike" baseline="0" dirty="0">
+              <a:cs typeface="+mn-lt"/>
+            </a:endParaRPr>
           </a:p>
           <a:p>
             <a:pPr lvl="1"/>
             <a:r>
               <a:rPr lang="en-US" sz="2000" b="0" i="0" u="none" strike="noStrike" baseline="0" dirty="0">
-                <a:latin typeface="ArialMT"/>
+                <a:cs typeface="+mn-lt"/>
               </a:rPr>
               <a:t>1. An </a:t>
             </a:r>
             <a:r>
               <a:rPr lang="en-US" sz="2000" b="1" i="1" u="none" strike="noStrike" baseline="0" dirty="0">
-                <a:latin typeface="Arial-BoldItalicMT"/>
+                <a:cs typeface="+mn-lt"/>
               </a:rPr>
               <a:t>objective function </a:t>
             </a:r>
             <a:r>
               <a:rPr lang="en-US" sz="2000" b="0" i="0" u="none" strike="noStrike" baseline="0" dirty="0">
-                <a:latin typeface="ArialMT"/>
+                <a:cs typeface="+mn-lt"/>
               </a:rPr>
               <a:t>of the input that we want to maximize or minimize</a:t>
             </a:r>
+            <a:endParaRPr lang="en-US" sz="2000" b="0" i="0" u="none" strike="noStrike" baseline="0" dirty="0">
+              <a:cs typeface="+mn-lt"/>
+            </a:endParaRPr>
           </a:p>
           <a:p>
             <a:pPr lvl="1"/>
             <a:r>
               <a:rPr lang="en-US" sz="2000" b="0" i="0" u="none" strike="noStrike" baseline="0" dirty="0">
-                <a:latin typeface="ArialMT"/>
+                <a:cs typeface="+mn-lt"/>
               </a:rPr>
               <a:t>2. A set of </a:t>
             </a:r>
             <a:r>
               <a:rPr lang="en-US" sz="2000" b="1" i="1" u="none" strike="noStrike" baseline="0" dirty="0">
-                <a:latin typeface="Arial-BoldItalicMT"/>
+                <a:cs typeface="+mn-lt"/>
               </a:rPr>
               <a:t>constraints </a:t>
             </a:r>
             <a:r>
               <a:rPr lang="en-US" sz="2000" b="0" i="0" u="none" strike="noStrike" baseline="0" dirty="0">
-                <a:latin typeface="ArialMT"/>
+                <a:cs typeface="+mn-lt"/>
               </a:rPr>
               <a:t>that limits the search space (i.e., the set of </a:t>
             </a:r>
             <a:r>
               <a:rPr lang="en-US" sz="2000" b="1" i="1" u="none" strike="noStrike" baseline="0" dirty="0">
-                <a:latin typeface="Arial-BoldItalicMT"/>
+                <a:cs typeface="+mn-lt"/>
               </a:rPr>
               <a:t>feasible solutions</a:t>
             </a:r>
             <a:r>
               <a:rPr lang="en-US" sz="2000" b="0" i="0" u="none" strike="noStrike" baseline="0" dirty="0">
-                <a:latin typeface="ArialMT"/>
+                <a:cs typeface="+mn-lt"/>
               </a:rPr>
               <a:t>)</a:t>
             </a:r>
+            <a:endParaRPr lang="en-US" sz="2000" b="0" i="0" u="none" strike="noStrike" baseline="0" dirty="0">
+              <a:cs typeface="+mn-lt"/>
+            </a:endParaRPr>
           </a:p>
           <a:p>
             <a:pPr algn="l"/>
             <a:r>
               <a:rPr lang="en-US" b="0" i="0" u="none" strike="noStrike" baseline="0" dirty="0">
-                <a:latin typeface="ArialMT"/>
+                <a:cs typeface="+mn-lt"/>
               </a:rPr>
               <a:t>Usually, an exhaustive search is prohibitively expensive.</a:t>
             </a:r>
-            <a:endParaRPr lang="en-CA" altLang="en-US" sz="3600" dirty="0"/>
+            <a:endParaRPr lang="en-CA" altLang="en-US" sz="3600" dirty="0">
+              <a:cs typeface="+mn-lt"/>
+            </a:endParaRPr>
           </a:p>
         </p:txBody>
       </p:sp>
@@ -18742,6 +20685,13 @@
               </a:rPr>
               <a:t>2.1</a:t>
             </a:r>
+            <a:endParaRPr lang="en-US" altLang="zh-CN" sz="2800" b="1" dirty="0">
+              <a:solidFill>
+                <a:schemeClr val="bg1"/>
+              </a:solidFill>
+              <a:latin typeface="Microsoft YaHei" panose="020B0503020204020204" pitchFamily="34" charset="-122"/>
+              <a:ea typeface="Microsoft YaHei" panose="020B0503020204020204" pitchFamily="34" charset="-122"/>
+            </a:endParaRPr>
           </a:p>
         </p:txBody>
       </p:sp>
@@ -18831,6 +20781,24 @@
               </a:rPr>
               <a:t>Examples of Optimization</a:t>
             </a:r>
+            <a:endParaRPr kumimoji="0" lang="en-CA" altLang="en-US" sz="2800" b="1" i="0" u="none" strike="noStrike" kern="1200" cap="none" spc="0" normalizeH="0" baseline="0" noProof="0" dirty="0">
+              <a:ln>
+                <a:noFill/>
+              </a:ln>
+              <a:solidFill>
+                <a:schemeClr val="tx1">
+                  <a:lumMod val="85000"/>
+                  <a:lumOff val="15000"/>
+                </a:schemeClr>
+              </a:solidFill>
+              <a:effectLst/>
+              <a:uLnTx/>
+              <a:uFillTx/>
+              <a:latin typeface="Microsoft YaHei" panose="020B0503020204020204" pitchFamily="34" charset="-122"/>
+              <a:ea typeface="Microsoft YaHei" panose="020B0503020204020204" pitchFamily="34" charset="-122"/>
+              <a:cs typeface="+mn-cs"/>
+              <a:sym typeface="+mn-ea"/>
+            </a:endParaRPr>
           </a:p>
         </p:txBody>
       </p:sp>
@@ -18857,167 +20825,196 @@
             <a:pPr algn="l"/>
             <a:r>
               <a:rPr lang="en-US" sz="2400" b="0" i="1" u="none" strike="noStrike" baseline="0" dirty="0">
-                <a:latin typeface="Arial-ItalicMT"/>
+                <a:latin typeface="Calibri" panose="020F0502020204030204" pitchFamily="34" charset="0"/>
+                <a:cs typeface="Calibri" panose="020F0502020204030204" pitchFamily="34" charset="0"/>
               </a:rPr>
               <a:t>Traveling salesman: </a:t>
             </a:r>
             <a:r>
               <a:rPr lang="en-US" sz="2400" b="0" i="0" u="none" strike="noStrike" baseline="0" dirty="0">
-                <a:latin typeface="ArialMT"/>
+                <a:latin typeface="Calibri" panose="020F0502020204030204" pitchFamily="34" charset="0"/>
+                <a:cs typeface="Calibri" panose="020F0502020204030204" pitchFamily="34" charset="0"/>
               </a:rPr>
               <a:t>Find the shortest route that visits each point from a set exactly one.</a:t>
             </a:r>
+            <a:endParaRPr lang="en-US" sz="2400" b="0" i="0" u="none" strike="noStrike" baseline="0" dirty="0">
+              <a:latin typeface="Calibri" panose="020F0502020204030204" pitchFamily="34" charset="0"/>
+              <a:cs typeface="Calibri" panose="020F0502020204030204" pitchFamily="34" charset="0"/>
+            </a:endParaRPr>
           </a:p>
           <a:p>
             <a:pPr algn="l"/>
             <a:r>
               <a:rPr lang="en-US" sz="2400" b="0" i="1" u="none" strike="noStrike" baseline="0" dirty="0">
-                <a:latin typeface="Arial-ItalicMT"/>
+                <a:latin typeface="Calibri" panose="020F0502020204030204" pitchFamily="34" charset="0"/>
+                <a:cs typeface="Calibri" panose="020F0502020204030204" pitchFamily="34" charset="0"/>
               </a:rPr>
               <a:t>Minimum spanning tree: </a:t>
             </a:r>
             <a:r>
               <a:rPr lang="en-US" sz="2400" b="0" i="0" u="none" strike="noStrike" baseline="0" dirty="0">
-                <a:latin typeface="ArialMT"/>
+                <a:latin typeface="Calibri" panose="020F0502020204030204" pitchFamily="34" charset="0"/>
+                <a:cs typeface="Calibri" panose="020F0502020204030204" pitchFamily="34" charset="0"/>
               </a:rPr>
               <a:t>Find the cheapest way to connect a set of terminals.</a:t>
             </a:r>
+            <a:endParaRPr lang="en-US" sz="2400" b="0" i="0" u="none" strike="noStrike" baseline="0" dirty="0">
+              <a:latin typeface="Calibri" panose="020F0502020204030204" pitchFamily="34" charset="0"/>
+              <a:cs typeface="Calibri" panose="020F0502020204030204" pitchFamily="34" charset="0"/>
+            </a:endParaRPr>
           </a:p>
           <a:p>
             <a:pPr algn="l"/>
             <a:r>
               <a:rPr lang="en-US" sz="2400" b="0" i="1" u="none" strike="noStrike" baseline="0" dirty="0">
-                <a:latin typeface="Arial-ItalicMT"/>
+                <a:latin typeface="Calibri" panose="020F0502020204030204" pitchFamily="34" charset="0"/>
+                <a:cs typeface="Calibri" panose="020F0502020204030204" pitchFamily="34" charset="0"/>
               </a:rPr>
               <a:t>Activity selection: </a:t>
             </a:r>
             <a:r>
               <a:rPr lang="en-US" sz="2400" b="0" i="0" u="none" strike="noStrike" baseline="0" dirty="0">
-                <a:latin typeface="ArialMT"/>
+                <a:latin typeface="Calibri" panose="020F0502020204030204" pitchFamily="34" charset="0"/>
+                <a:cs typeface="Calibri" panose="020F0502020204030204" pitchFamily="34" charset="0"/>
               </a:rPr>
               <a:t>Schedule a maximum number of compatible activities requesting the same resource.</a:t>
             </a:r>
+            <a:endParaRPr lang="en-US" sz="2400" b="0" i="0" u="none" strike="noStrike" baseline="0" dirty="0">
+              <a:latin typeface="Calibri" panose="020F0502020204030204" pitchFamily="34" charset="0"/>
+              <a:cs typeface="Calibri" panose="020F0502020204030204" pitchFamily="34" charset="0"/>
+            </a:endParaRPr>
           </a:p>
           <a:p>
             <a:pPr algn="l"/>
             <a:r>
               <a:rPr lang="en-US" sz="2400" b="0" i="1" u="none" strike="noStrike" baseline="0" dirty="0">
-                <a:latin typeface="Arial-ItalicMT"/>
+                <a:latin typeface="Calibri" panose="020F0502020204030204" pitchFamily="34" charset="0"/>
+                <a:cs typeface="Calibri" panose="020F0502020204030204" pitchFamily="34" charset="0"/>
               </a:rPr>
               <a:t>Clique: </a:t>
             </a:r>
             <a:r>
               <a:rPr lang="en-US" sz="2400" b="0" i="0" u="none" strike="noStrike" baseline="0" dirty="0">
-                <a:latin typeface="ArialMT"/>
+                <a:latin typeface="Calibri" panose="020F0502020204030204" pitchFamily="34" charset="0"/>
+                <a:cs typeface="Calibri" panose="020F0502020204030204" pitchFamily="34" charset="0"/>
               </a:rPr>
               <a:t>Given a social network, find the largest subset whose members know every other member in the subset.</a:t>
             </a:r>
+            <a:endParaRPr lang="en-US" sz="2400" b="0" i="0" u="none" strike="noStrike" baseline="0" dirty="0">
+              <a:latin typeface="Calibri" panose="020F0502020204030204" pitchFamily="34" charset="0"/>
+              <a:cs typeface="Calibri" panose="020F0502020204030204" pitchFamily="34" charset="0"/>
+            </a:endParaRPr>
           </a:p>
           <a:p>
             <a:pPr algn="l"/>
             <a:r>
               <a:rPr lang="en-US" sz="2400" b="0" i="1" u="none" strike="noStrike" baseline="0" dirty="0">
-                <a:latin typeface="Arial-ItalicMT"/>
+                <a:latin typeface="Calibri" panose="020F0502020204030204" pitchFamily="34" charset="0"/>
+                <a:cs typeface="Calibri" panose="020F0502020204030204" pitchFamily="34" charset="0"/>
               </a:rPr>
               <a:t>Knapsack: </a:t>
             </a:r>
             <a:r>
               <a:rPr lang="en-US" sz="2400" b="0" i="0" u="none" strike="noStrike" baseline="0" dirty="0">
-                <a:latin typeface="ArialMT"/>
+                <a:latin typeface="Calibri" panose="020F0502020204030204" pitchFamily="34" charset="0"/>
+                <a:cs typeface="Calibri" panose="020F0502020204030204" pitchFamily="34" charset="0"/>
               </a:rPr>
               <a:t>Given a set of potential investments, find those that maximize the return for a given budget.</a:t>
             </a:r>
+            <a:endParaRPr lang="en-US" sz="2400" b="0" i="0" u="none" strike="noStrike" baseline="0" dirty="0">
+              <a:latin typeface="Calibri" panose="020F0502020204030204" pitchFamily="34" charset="0"/>
+              <a:cs typeface="Calibri" panose="020F0502020204030204" pitchFamily="34" charset="0"/>
+            </a:endParaRPr>
           </a:p>
           <a:p>
             <a:pPr algn="l"/>
             <a:r>
               <a:rPr lang="en-US" sz="2400" b="0" i="1" u="none" strike="noStrike" baseline="0" dirty="0">
-                <a:latin typeface="Arial-ItalicMT"/>
+                <a:latin typeface="Calibri" panose="020F0502020204030204" pitchFamily="34" charset="0"/>
+                <a:cs typeface="Calibri" panose="020F0502020204030204" pitchFamily="34" charset="0"/>
               </a:rPr>
               <a:t>Clustering: </a:t>
             </a:r>
             <a:r>
               <a:rPr lang="en-US" sz="2400" b="0" i="0" u="none" strike="noStrike" baseline="0" dirty="0">
-                <a:latin typeface="ArialMT"/>
-              </a:rPr>
-              <a:t>Given a set </a:t>
+                <a:latin typeface="Calibri" panose="020F0502020204030204" pitchFamily="34" charset="0"/>
+                <a:cs typeface="Calibri" panose="020F0502020204030204" pitchFamily="34" charset="0"/>
+              </a:rPr>
+              <a:t>Given a set 𝑆 </a:t>
             </a:r>
             <a:r>
               <a:rPr lang="en-US" sz="2400" b="0" i="0" u="none" strike="noStrike" baseline="0" dirty="0">
-                <a:latin typeface="CambriaMath"/>
-              </a:rPr>
-              <a:t>𝑆 </a:t>
+                <a:latin typeface="Calibri" panose="020F0502020204030204" pitchFamily="34" charset="0"/>
+                <a:cs typeface="Calibri" panose="020F0502020204030204" pitchFamily="34" charset="0"/>
+              </a:rPr>
+              <a:t>of points in ℝ# </a:t>
             </a:r>
             <a:r>
               <a:rPr lang="en-US" sz="2400" b="0" i="0" u="none" strike="noStrike" baseline="0" dirty="0">
-                <a:latin typeface="ArialMT"/>
-              </a:rPr>
-              <a:t>of points in </a:t>
+                <a:latin typeface="Calibri" panose="020F0502020204030204" pitchFamily="34" charset="0"/>
+                <a:cs typeface="Calibri" panose="020F0502020204030204" pitchFamily="34" charset="0"/>
+              </a:rPr>
+              <a:t>and 𝑘 ∈ ℕ</a:t>
+            </a:r>
+            <a:r>
+              <a:rPr lang="en-US" sz="2400" b="0" i="1" u="none" strike="noStrike" baseline="0" dirty="0">
+                <a:latin typeface="Calibri" panose="020F0502020204030204" pitchFamily="34" charset="0"/>
+                <a:cs typeface="Calibri" panose="020F0502020204030204" pitchFamily="34" charset="0"/>
+              </a:rPr>
+              <a:t>, </a:t>
             </a:r>
             <a:r>
               <a:rPr lang="en-US" sz="2400" b="0" i="0" u="none" strike="noStrike" baseline="0" dirty="0">
-                <a:latin typeface="CambriaMath"/>
-              </a:rPr>
-              <a:t>ℝ# </a:t>
+                <a:latin typeface="Calibri" panose="020F0502020204030204" pitchFamily="34" charset="0"/>
+                <a:cs typeface="Calibri" panose="020F0502020204030204" pitchFamily="34" charset="0"/>
+              </a:rPr>
+              <a:t>partition </a:t>
             </a:r>
             <a:r>
               <a:rPr lang="en-US" sz="2400" b="0" i="0" u="none" strike="noStrike" baseline="0" dirty="0">
-                <a:latin typeface="ArialMT"/>
-              </a:rPr>
-              <a:t>and </a:t>
+                <a:latin typeface="Calibri" panose="020F0502020204030204" pitchFamily="34" charset="0"/>
+                <a:cs typeface="Calibri" panose="020F0502020204030204" pitchFamily="34" charset="0"/>
+              </a:rPr>
+              <a:t>𝑆 into </a:t>
             </a:r>
             <a:r>
               <a:rPr lang="en-US" sz="2400" b="0" i="0" u="none" strike="noStrike" baseline="0" dirty="0">
-                <a:latin typeface="CambriaMath"/>
-              </a:rPr>
-              <a:t>𝑘 ∈ ℕ</a:t>
-            </a:r>
-            <a:r>
-              <a:rPr lang="en-US" sz="2400" b="0" i="1" u="none" strike="noStrike" baseline="0" dirty="0">
-                <a:latin typeface="Arial-ItalicMT"/>
-              </a:rPr>
-              <a:t>, </a:t>
-            </a:r>
-            <a:r>
-              <a:rPr lang="en-US" sz="2400" b="0" i="0" u="none" strike="noStrike" baseline="0" dirty="0">
-                <a:latin typeface="ArialMT"/>
-              </a:rPr>
-              <a:t>partition </a:t>
-            </a:r>
-            <a:r>
-              <a:rPr lang="en-US" sz="2400" b="0" i="0" u="none" strike="noStrike" baseline="0" dirty="0">
-                <a:latin typeface="CambriaMath"/>
-              </a:rPr>
-              <a:t>𝑆 </a:t>
-            </a:r>
-            <a:r>
-              <a:rPr lang="en-US" sz="2400" b="0" i="0" u="none" strike="noStrike" baseline="0" dirty="0">
-                <a:latin typeface="ArialMT"/>
-              </a:rPr>
-              <a:t>into </a:t>
-            </a:r>
-            <a:r>
-              <a:rPr lang="en-US" sz="2400" b="0" i="0" u="none" strike="noStrike" baseline="0" dirty="0">
-                <a:latin typeface="CambriaMath"/>
-              </a:rPr>
-              <a:t>𝑘 </a:t>
-            </a:r>
-            <a:r>
-              <a:rPr lang="en-US" sz="2400" b="0" i="0" u="none" strike="noStrike" baseline="0" dirty="0">
-                <a:latin typeface="ArialMT"/>
-              </a:rPr>
-              <a:t>sets such the minimum distance between points in different sets is maximized.</a:t>
-            </a:r>
-            <a:endParaRPr lang="en-CA" altLang="en-US" sz="3200" dirty="0"/>
+                <a:latin typeface="Calibri" panose="020F0502020204030204" pitchFamily="34" charset="0"/>
+                <a:cs typeface="Calibri" panose="020F0502020204030204" pitchFamily="34" charset="0"/>
+              </a:rPr>
+              <a:t>𝑘 sets such the minimum distance between points in different sets is maximized.</a:t>
+            </a:r>
+            <a:endParaRPr lang="en-US" sz="2400" b="0" i="0" u="none" strike="noStrike" baseline="0" dirty="0">
+              <a:latin typeface="Calibri" panose="020F0502020204030204" pitchFamily="34" charset="0"/>
+              <a:cs typeface="Calibri" panose="020F0502020204030204" pitchFamily="34" charset="0"/>
+            </a:endParaRPr>
+          </a:p>
+          <a:p>
+            <a:pPr algn="l"/>
+            <a:r>
+              <a:rPr lang="en-US" sz="2400" i="1" dirty="0">
+                <a:latin typeface="Calibri" panose="020F0502020204030204" pitchFamily="34" charset="0"/>
+                <a:cs typeface="Calibri" panose="020F0502020204030204" pitchFamily="34" charset="0"/>
+                <a:sym typeface="+mn-ea"/>
+              </a:rPr>
+              <a:t>Machine Learning: </a:t>
+            </a:r>
+            <a:r>
+              <a:rPr lang="en-US" sz="2400" dirty="0">
+                <a:latin typeface="Calibri" panose="020F0502020204030204" pitchFamily="34" charset="0"/>
+                <a:cs typeface="Calibri" panose="020F0502020204030204" pitchFamily="34" charset="0"/>
+                <a:sym typeface="+mn-ea"/>
+              </a:rPr>
+              <a:t>Most ML algorithms are solved via optimizing on a maximum or minimum function evaluation</a:t>
+            </a:r>
+            <a:endParaRPr lang="en-US" altLang="en-CA" sz="2400" b="0" i="0" u="none" strike="noStrike" baseline="0" dirty="0">
+              <a:latin typeface="Calibri" panose="020F0502020204030204" pitchFamily="34" charset="0"/>
+              <a:cs typeface="Calibri" panose="020F0502020204030204" pitchFamily="34" charset="0"/>
+            </a:endParaRPr>
           </a:p>
         </p:txBody>
       </p:sp>
     </p:spTree>
-    <p:extLst>
-      <p:ext uri="{BB962C8B-B14F-4D97-AF65-F5344CB8AC3E}">
-        <p14:creationId xmlns:p14="http://schemas.microsoft.com/office/powerpoint/2010/main" val="4103838631"/>
-      </p:ext>
-    </p:extLst>
   </p:cSld>
   <p:clrMapOvr>
     <a:masterClrMapping/>
@@ -19279,8 +21276,6 @@
       </a:bgFillStyleLst>
     </a:fmtScheme>
   </a:themeElements>
-  <a:objectDefaults/>
-  <a:extraClrSchemeLst/>
   <a:extLst>
     <a:ext uri="{05A4C25C-085E-4340-85A3-A5531E510DB2}">
       <thm15:themeFamily xmlns:thm15="http://schemas.microsoft.com/office/thememl/2012/main" name="Office Theme" id="{62F939B6-93AF-4DB8-9C6B-D6C7DFDC589F}" vid="{4A3C46E8-61CC-4603-A589-7422A47A8E4A}"/>
@@ -19540,8 +21535,6 @@
       </a:bgFillStyleLst>
     </a:fmtScheme>
   </a:themeElements>
-  <a:objectDefaults/>
-  <a:extraClrSchemeLst/>
   <a:extLst>
     <a:ext uri="{05A4C25C-085E-4340-85A3-A5531E510DB2}">
       <thm15:themeFamily xmlns:thm15="http://schemas.microsoft.com/office/thememl/2012/main" name="Office Theme" id="{62F939B6-93AF-4DB8-9C6B-D6C7DFDC589F}" vid="{4A3C46E8-61CC-4603-A589-7422A47A8E4A}"/>
@@ -19801,8 +21794,6 @@
       </a:bgFillStyleLst>
     </a:fmtScheme>
   </a:themeElements>
-  <a:objectDefaults/>
-  <a:extraClrSchemeLst/>
   <a:extLst>
     <a:ext uri="{05A4C25C-085E-4340-85A3-A5531E510DB2}">
       <thm15:themeFamily xmlns:thm15="http://schemas.microsoft.com/office/thememl/2012/main" name="Office Theme" id="{62F939B6-93AF-4DB8-9C6B-D6C7DFDC589F}" vid="{4A3C46E8-61CC-4603-A589-7422A47A8E4A}"/>
@@ -20062,8 +22053,6 @@
       </a:bgFillStyleLst>
     </a:fmtScheme>
   </a:themeElements>
-  <a:objectDefaults/>
-  <a:extraClrSchemeLst/>
   <a:extLst>
     <a:ext uri="{05A4C25C-085E-4340-85A3-A5531E510DB2}">
       <thm15:themeFamily xmlns:thm15="http://schemas.microsoft.com/office/thememl/2012/main" name="Office Theme" id="{62F939B6-93AF-4DB8-9C6B-D6C7DFDC589F}" vid="{4A3C46E8-61CC-4603-A589-7422A47A8E4A}"/>
